--- a/documents/LabX - Java Plays - REST data services.pptx
+++ b/documents/LabX - Java Plays - REST data services.pptx
@@ -24,6 +24,8 @@
     <p:sldId id="267" r:id="rId17"/>
     <p:sldId id="268" r:id="rId18"/>
     <p:sldId id="269" r:id="rId19"/>
+    <p:sldId id="270" r:id="rId20"/>
+    <p:sldId id="271" r:id="rId21"/>
   </p:sldIdLst>
   <p:sldSz cx="12193587" cy="6858000"/>
   <p:notesSz cx="6858000" cy="9144000"/>
@@ -199,7 +201,7 @@
           <a:bodyPr lIns="0" rIns="0" tIns="0" bIns="0" anchor="b"/>
           <a:p>
             <a:pPr algn="r"/>
-            <a:fld id="{0DE6CA90-4A38-4FDB-89DD-CAD1FC8BB774}" type="slidenum">
+            <a:fld id="{728CCCD2-668A-4364-9F9A-8FC03639D55B}" type="slidenum">
               <a:rPr lang="en-US" sz="1400" spc="-1">
                 <a:latin typeface="Times New Roman"/>
               </a:rPr>
@@ -234,7 +236,7 @@
       </p:grpSpPr>
       <p:sp>
         <p:nvSpPr>
-          <p:cNvPr id="211" name="PlaceHolder 1"/>
+          <p:cNvPr id="215" name="PlaceHolder 1"/>
           <p:cNvSpPr>
             <a:spLocks noGrp="1"/>
           </p:cNvSpPr>
@@ -260,7 +262,7 @@
       </p:sp>
       <p:sp>
         <p:nvSpPr>
-          <p:cNvPr id="212" name="CustomShape 2"/>
+          <p:cNvPr id="216" name="CustomShape 2"/>
           <p:cNvSpPr/>
           <p:nvPr/>
         </p:nvSpPr>
@@ -291,7 +293,7 @@
                 <a:spcPct val="100000"/>
               </a:lnSpc>
             </a:pPr>
-            <a:fld id="{4C68DAAA-C223-4E94-AC75-CCC2701D0857}" type="slidenum">
+            <a:fld id="{1364D822-CF2D-4B34-86F7-20582131208B}" type="slidenum">
               <a:rPr lang="en-US" sz="1400" spc="-1" strike="noStrike">
                 <a:solidFill>
                   <a:srgbClr val="000000"/>
@@ -334,7 +336,7 @@
       </p:grpSpPr>
       <p:sp>
         <p:nvSpPr>
-          <p:cNvPr id="229" name="CustomShape 1"/>
+          <p:cNvPr id="233" name="CustomShape 1"/>
           <p:cNvSpPr/>
           <p:nvPr/>
         </p:nvSpPr>
@@ -365,7 +367,7 @@
                 <a:spcPct val="100000"/>
               </a:lnSpc>
             </a:pPr>
-            <a:fld id="{6B44E72F-FBDC-4849-A6F2-57E1C884462D}" type="slidenum">
+            <a:fld id="{EEAECC29-4175-495A-8C77-4D429971C5E2}" type="slidenum">
               <a:rPr lang="en-US" sz="1400" spc="-1" strike="noStrike">
                 <a:solidFill>
                   <a:srgbClr val="000000"/>
@@ -386,7 +388,7 @@
       </p:sp>
       <p:sp>
         <p:nvSpPr>
-          <p:cNvPr id="230" name="PlaceHolder 2"/>
+          <p:cNvPr id="234" name="PlaceHolder 2"/>
           <p:cNvSpPr>
             <a:spLocks noGrp="1"/>
           </p:cNvSpPr>
@@ -434,7 +436,7 @@
       </p:grpSpPr>
       <p:sp>
         <p:nvSpPr>
-          <p:cNvPr id="231" name="CustomShape 1"/>
+          <p:cNvPr id="235" name="CustomShape 1"/>
           <p:cNvSpPr/>
           <p:nvPr/>
         </p:nvSpPr>
@@ -465,7 +467,7 @@
                 <a:spcPct val="100000"/>
               </a:lnSpc>
             </a:pPr>
-            <a:fld id="{272E7056-6583-4256-98BF-7AAB5D999F1D}" type="slidenum">
+            <a:fld id="{F2E3AAAF-2F57-453B-B62B-B8E0E6BD5505}" type="slidenum">
               <a:rPr lang="en-US" sz="1400" spc="-1" strike="noStrike">
                 <a:solidFill>
                   <a:srgbClr val="000000"/>
@@ -486,7 +488,7 @@
       </p:sp>
       <p:sp>
         <p:nvSpPr>
-          <p:cNvPr id="232" name="PlaceHolder 2"/>
+          <p:cNvPr id="236" name="PlaceHolder 2"/>
           <p:cNvSpPr>
             <a:spLocks noGrp="1"/>
           </p:cNvSpPr>
@@ -534,7 +536,7 @@
       </p:grpSpPr>
       <p:sp>
         <p:nvSpPr>
-          <p:cNvPr id="233" name="CustomShape 1"/>
+          <p:cNvPr id="237" name="CustomShape 1"/>
           <p:cNvSpPr/>
           <p:nvPr/>
         </p:nvSpPr>
@@ -565,7 +567,7 @@
                 <a:spcPct val="100000"/>
               </a:lnSpc>
             </a:pPr>
-            <a:fld id="{9E4D5F1C-2895-46DF-9508-255EB8022307}" type="slidenum">
+            <a:fld id="{12244DDB-56B2-4447-B2ED-ABCD48E8F09D}" type="slidenum">
               <a:rPr lang="en-US" sz="1400" spc="-1" strike="noStrike">
                 <a:solidFill>
                   <a:srgbClr val="000000"/>
@@ -586,7 +588,7 @@
       </p:sp>
       <p:sp>
         <p:nvSpPr>
-          <p:cNvPr id="234" name="PlaceHolder 2"/>
+          <p:cNvPr id="238" name="PlaceHolder 2"/>
           <p:cNvSpPr>
             <a:spLocks noGrp="1"/>
           </p:cNvSpPr>
@@ -634,7 +636,7 @@
       </p:grpSpPr>
       <p:sp>
         <p:nvSpPr>
-          <p:cNvPr id="235" name="CustomShape 1"/>
+          <p:cNvPr id="239" name="CustomShape 1"/>
           <p:cNvSpPr/>
           <p:nvPr/>
         </p:nvSpPr>
@@ -665,7 +667,7 @@
                 <a:spcPct val="100000"/>
               </a:lnSpc>
             </a:pPr>
-            <a:fld id="{693E1984-EB8A-4ADD-B58D-100D57F1A337}" type="slidenum">
+            <a:fld id="{DF8E85F2-C0E9-42FB-B969-8FA773B4995A}" type="slidenum">
               <a:rPr lang="en-US" sz="1400" spc="-1" strike="noStrike">
                 <a:solidFill>
                   <a:srgbClr val="000000"/>
@@ -686,7 +688,207 @@
       </p:sp>
       <p:sp>
         <p:nvSpPr>
-          <p:cNvPr id="236" name="PlaceHolder 2"/>
+          <p:cNvPr id="240" name="PlaceHolder 2"/>
+          <p:cNvSpPr>
+            <a:spLocks noGrp="1"/>
+          </p:cNvSpPr>
+          <p:nvPr>
+            <p:ph type="body"/>
+          </p:nvPr>
+        </p:nvSpPr>
+        <p:spPr>
+          <a:xfrm>
+            <a:off x="685800" y="4343400"/>
+            <a:ext cx="5485320" cy="4113720"/>
+          </a:xfrm>
+          <a:prstGeom prst="rect">
+            <a:avLst/>
+          </a:prstGeom>
+        </p:spPr>
+        <p:txBody>
+          <a:bodyPr lIns="0" rIns="0" tIns="0" bIns="0" anchor="ctr"/>
+          <a:p>
+            <a:endParaRPr/>
+          </a:p>
+        </p:txBody>
+      </p:sp>
+    </p:spTree>
+  </p:cSld>
+</p:notes>
+</file>
+
+<file path=ppt/notesSlides/notesSlide14.xml><?xml version="1.0" encoding="utf-8"?>
+<p:notes xmlns:a="http://schemas.openxmlformats.org/drawingml/2006/main" xmlns:p="http://schemas.openxmlformats.org/presentationml/2006/main" xmlns:r="http://schemas.openxmlformats.org/officeDocument/2006/relationships">
+  <p:cSld>
+    <p:spTree>
+      <p:nvGrpSpPr>
+        <p:cNvPr id="1" name=""/>
+        <p:cNvGrpSpPr/>
+        <p:nvPr/>
+      </p:nvGrpSpPr>
+      <p:grpSpPr>
+        <a:xfrm>
+          <a:off x="0" y="0"/>
+          <a:ext cx="0" cy="0"/>
+          <a:chOff x="0" y="0"/>
+          <a:chExt cx="0" cy="0"/>
+        </a:xfrm>
+      </p:grpSpPr>
+      <p:sp>
+        <p:nvSpPr>
+          <p:cNvPr id="241" name="CustomShape 1"/>
+          <p:cNvSpPr/>
+          <p:nvPr/>
+        </p:nvSpPr>
+        <p:spPr>
+          <a:xfrm>
+            <a:off x="3881520" y="8686800"/>
+            <a:ext cx="2972160" cy="452880"/>
+          </a:xfrm>
+          <a:prstGeom prst="rect">
+            <a:avLst/>
+          </a:prstGeom>
+          <a:noFill/>
+          <a:ln>
+            <a:noFill/>
+          </a:ln>
+        </p:spPr>
+        <p:style>
+          <a:lnRef idx="0"/>
+          <a:fillRef idx="0"/>
+          <a:effectRef idx="0"/>
+          <a:fontRef idx="minor"/>
+        </p:style>
+        <p:txBody>
+          <a:bodyPr lIns="0" rIns="0" tIns="0" bIns="0" anchor="b"/>
+          <a:p>
+            <a:pPr algn="r">
+              <a:lnSpc>
+                <a:spcPct val="100000"/>
+              </a:lnSpc>
+            </a:pPr>
+            <a:fld id="{86CABA81-1887-4F94-9CA3-DE31FA05141F}" type="slidenum">
+              <a:rPr lang="en-US" sz="1400" spc="-1" strike="noStrike">
+                <a:solidFill>
+                  <a:srgbClr val="000000"/>
+                </a:solidFill>
+                <a:uFill>
+                  <a:solidFill>
+                    <a:srgbClr val="ffffff"/>
+                  </a:solidFill>
+                </a:uFill>
+                <a:latin typeface="Arial"/>
+                <a:ea typeface="Lucida Sans Unicode"/>
+              </a:rPr>
+              <a:t>&lt;number&gt;</a:t>
+            </a:fld>
+            <a:endParaRPr/>
+          </a:p>
+        </p:txBody>
+      </p:sp>
+      <p:sp>
+        <p:nvSpPr>
+          <p:cNvPr id="242" name="PlaceHolder 2"/>
+          <p:cNvSpPr>
+            <a:spLocks noGrp="1"/>
+          </p:cNvSpPr>
+          <p:nvPr>
+            <p:ph type="body"/>
+          </p:nvPr>
+        </p:nvSpPr>
+        <p:spPr>
+          <a:xfrm>
+            <a:off x="685800" y="4343400"/>
+            <a:ext cx="5485320" cy="4113720"/>
+          </a:xfrm>
+          <a:prstGeom prst="rect">
+            <a:avLst/>
+          </a:prstGeom>
+        </p:spPr>
+        <p:txBody>
+          <a:bodyPr lIns="0" rIns="0" tIns="0" bIns="0" anchor="ctr"/>
+          <a:p>
+            <a:endParaRPr/>
+          </a:p>
+        </p:txBody>
+      </p:sp>
+    </p:spTree>
+  </p:cSld>
+</p:notes>
+</file>
+
+<file path=ppt/notesSlides/notesSlide15.xml><?xml version="1.0" encoding="utf-8"?>
+<p:notes xmlns:a="http://schemas.openxmlformats.org/drawingml/2006/main" xmlns:p="http://schemas.openxmlformats.org/presentationml/2006/main" xmlns:r="http://schemas.openxmlformats.org/officeDocument/2006/relationships">
+  <p:cSld>
+    <p:spTree>
+      <p:nvGrpSpPr>
+        <p:cNvPr id="1" name=""/>
+        <p:cNvGrpSpPr/>
+        <p:nvPr/>
+      </p:nvGrpSpPr>
+      <p:grpSpPr>
+        <a:xfrm>
+          <a:off x="0" y="0"/>
+          <a:ext cx="0" cy="0"/>
+          <a:chOff x="0" y="0"/>
+          <a:chExt cx="0" cy="0"/>
+        </a:xfrm>
+      </p:grpSpPr>
+      <p:sp>
+        <p:nvSpPr>
+          <p:cNvPr id="243" name="CustomShape 1"/>
+          <p:cNvSpPr/>
+          <p:nvPr/>
+        </p:nvSpPr>
+        <p:spPr>
+          <a:xfrm>
+            <a:off x="3881520" y="8686800"/>
+            <a:ext cx="2972160" cy="452880"/>
+          </a:xfrm>
+          <a:prstGeom prst="rect">
+            <a:avLst/>
+          </a:prstGeom>
+          <a:noFill/>
+          <a:ln>
+            <a:noFill/>
+          </a:ln>
+        </p:spPr>
+        <p:style>
+          <a:lnRef idx="0"/>
+          <a:fillRef idx="0"/>
+          <a:effectRef idx="0"/>
+          <a:fontRef idx="minor"/>
+        </p:style>
+        <p:txBody>
+          <a:bodyPr lIns="0" rIns="0" tIns="0" bIns="0" anchor="b"/>
+          <a:p>
+            <a:pPr algn="r">
+              <a:lnSpc>
+                <a:spcPct val="100000"/>
+              </a:lnSpc>
+            </a:pPr>
+            <a:fld id="{7C821A58-18BA-47AE-AD08-C2D8C916FB31}" type="slidenum">
+              <a:rPr lang="en-US" sz="1400" spc="-1" strike="noStrike">
+                <a:solidFill>
+                  <a:srgbClr val="000000"/>
+                </a:solidFill>
+                <a:uFill>
+                  <a:solidFill>
+                    <a:srgbClr val="ffffff"/>
+                  </a:solidFill>
+                </a:uFill>
+                <a:latin typeface="Arial"/>
+                <a:ea typeface="Lucida Sans Unicode"/>
+              </a:rPr>
+              <a:t>&lt;number&gt;</a:t>
+            </a:fld>
+            <a:endParaRPr/>
+          </a:p>
+        </p:txBody>
+      </p:sp>
+      <p:sp>
+        <p:nvSpPr>
+          <p:cNvPr id="244" name="PlaceHolder 2"/>
           <p:cNvSpPr>
             <a:spLocks noGrp="1"/>
           </p:cNvSpPr>
@@ -734,7 +936,7 @@
       </p:grpSpPr>
       <p:sp>
         <p:nvSpPr>
-          <p:cNvPr id="213" name="CustomShape 1"/>
+          <p:cNvPr id="217" name="CustomShape 1"/>
           <p:cNvSpPr/>
           <p:nvPr/>
         </p:nvSpPr>
@@ -765,7 +967,7 @@
                 <a:spcPct val="100000"/>
               </a:lnSpc>
             </a:pPr>
-            <a:fld id="{2A7322AC-441B-46A1-91B4-72DFEFA725B9}" type="slidenum">
+            <a:fld id="{357372B2-15AF-4116-899B-00B4AE27DE13}" type="slidenum">
               <a:rPr lang="en-US" sz="1400" spc="-1" strike="noStrike">
                 <a:solidFill>
                   <a:srgbClr val="000000"/>
@@ -786,7 +988,7 @@
       </p:sp>
       <p:sp>
         <p:nvSpPr>
-          <p:cNvPr id="214" name="CustomShape 2"/>
+          <p:cNvPr id="218" name="CustomShape 2"/>
           <p:cNvSpPr/>
           <p:nvPr/>
         </p:nvSpPr>
@@ -817,7 +1019,7 @@
                 <a:spcPct val="87000"/>
               </a:lnSpc>
             </a:pPr>
-            <a:fld id="{251C2B86-B956-473C-A97C-051E309AD6C6}" type="slidenum">
+            <a:fld id="{1C03ADEB-53B9-4907-99DF-765E4A0CBE88}" type="slidenum">
               <a:rPr lang="en-US" sz="1400" spc="-1" strike="noStrike">
                 <a:solidFill>
                   <a:srgbClr val="000000"/>
@@ -838,7 +1040,7 @@
       </p:sp>
       <p:sp>
         <p:nvSpPr>
-          <p:cNvPr id="215" name="PlaceHolder 3"/>
+          <p:cNvPr id="219" name="PlaceHolder 3"/>
           <p:cNvSpPr>
             <a:spLocks noGrp="1"/>
           </p:cNvSpPr>
@@ -886,7 +1088,7 @@
       </p:grpSpPr>
       <p:sp>
         <p:nvSpPr>
-          <p:cNvPr id="216" name="CustomShape 1"/>
+          <p:cNvPr id="220" name="CustomShape 1"/>
           <p:cNvSpPr/>
           <p:nvPr/>
         </p:nvSpPr>
@@ -917,7 +1119,7 @@
                 <a:spcPct val="100000"/>
               </a:lnSpc>
             </a:pPr>
-            <a:fld id="{23889B41-CC23-45B0-AFEE-DAE49C6FFA08}" type="slidenum">
+            <a:fld id="{540D2511-5D0F-4966-A93D-BB19A92E46EA}" type="slidenum">
               <a:rPr lang="en-US" sz="1400" spc="-1" strike="noStrike">
                 <a:solidFill>
                   <a:srgbClr val="000000"/>
@@ -938,7 +1140,7 @@
       </p:sp>
       <p:sp>
         <p:nvSpPr>
-          <p:cNvPr id="217" name="CustomShape 2"/>
+          <p:cNvPr id="221" name="CustomShape 2"/>
           <p:cNvSpPr/>
           <p:nvPr/>
         </p:nvSpPr>
@@ -969,7 +1171,7 @@
                 <a:spcPct val="87000"/>
               </a:lnSpc>
             </a:pPr>
-            <a:fld id="{89699B0B-9671-427D-BD82-DD25181F8976}" type="slidenum">
+            <a:fld id="{298F91EB-D659-4F24-9DC3-DDF0F6089FAF}" type="slidenum">
               <a:rPr lang="en-US" sz="1400" spc="-1" strike="noStrike">
                 <a:solidFill>
                   <a:srgbClr val="000000"/>
@@ -990,7 +1192,7 @@
       </p:sp>
       <p:sp>
         <p:nvSpPr>
-          <p:cNvPr id="218" name="PlaceHolder 3"/>
+          <p:cNvPr id="222" name="PlaceHolder 3"/>
           <p:cNvSpPr>
             <a:spLocks noGrp="1"/>
           </p:cNvSpPr>
@@ -1038,7 +1240,7 @@
       </p:grpSpPr>
       <p:sp>
         <p:nvSpPr>
-          <p:cNvPr id="219" name="CustomShape 1"/>
+          <p:cNvPr id="223" name="CustomShape 1"/>
           <p:cNvSpPr/>
           <p:nvPr/>
         </p:nvSpPr>
@@ -1069,7 +1271,7 @@
                 <a:spcPct val="100000"/>
               </a:lnSpc>
             </a:pPr>
-            <a:fld id="{B0150692-F807-4638-9C48-485115312867}" type="slidenum">
+            <a:fld id="{5CD23D53-A764-4D52-BE1C-79B620E706B7}" type="slidenum">
               <a:rPr lang="en-US" sz="1400" spc="-1" strike="noStrike">
                 <a:solidFill>
                   <a:srgbClr val="000000"/>
@@ -1090,7 +1292,7 @@
       </p:sp>
       <p:sp>
         <p:nvSpPr>
-          <p:cNvPr id="220" name="PlaceHolder 2"/>
+          <p:cNvPr id="224" name="PlaceHolder 2"/>
           <p:cNvSpPr>
             <a:spLocks noGrp="1"/>
           </p:cNvSpPr>
@@ -1138,7 +1340,7 @@
       </p:grpSpPr>
       <p:sp>
         <p:nvSpPr>
-          <p:cNvPr id="221" name="CustomShape 1"/>
+          <p:cNvPr id="225" name="CustomShape 1"/>
           <p:cNvSpPr/>
           <p:nvPr/>
         </p:nvSpPr>
@@ -1169,7 +1371,7 @@
                 <a:spcPct val="100000"/>
               </a:lnSpc>
             </a:pPr>
-            <a:fld id="{596DDC57-03B8-4F52-A31B-3DB8878FD5E4}" type="slidenum">
+            <a:fld id="{5B6DBC8B-3603-4454-AB97-CC80F01121EB}" type="slidenum">
               <a:rPr lang="en-US" sz="1400" spc="-1" strike="noStrike">
                 <a:solidFill>
                   <a:srgbClr val="000000"/>
@@ -1190,7 +1392,7 @@
       </p:sp>
       <p:sp>
         <p:nvSpPr>
-          <p:cNvPr id="222" name="PlaceHolder 2"/>
+          <p:cNvPr id="226" name="PlaceHolder 2"/>
           <p:cNvSpPr>
             <a:spLocks noGrp="1"/>
           </p:cNvSpPr>
@@ -1238,7 +1440,7 @@
       </p:grpSpPr>
       <p:sp>
         <p:nvSpPr>
-          <p:cNvPr id="223" name="CustomShape 1"/>
+          <p:cNvPr id="227" name="CustomShape 1"/>
           <p:cNvSpPr/>
           <p:nvPr/>
         </p:nvSpPr>
@@ -1269,7 +1471,7 @@
                 <a:spcPct val="100000"/>
               </a:lnSpc>
             </a:pPr>
-            <a:fld id="{06AB6482-91DC-429C-A606-539ADF167336}" type="slidenum">
+            <a:fld id="{318ED2BA-DA78-4922-B582-803722EDB076}" type="slidenum">
               <a:rPr lang="en-US" sz="1400" spc="-1" strike="noStrike">
                 <a:solidFill>
                   <a:srgbClr val="000000"/>
@@ -1290,7 +1492,7 @@
       </p:sp>
       <p:sp>
         <p:nvSpPr>
-          <p:cNvPr id="224" name="PlaceHolder 2"/>
+          <p:cNvPr id="228" name="PlaceHolder 2"/>
           <p:cNvSpPr>
             <a:spLocks noGrp="1"/>
           </p:cNvSpPr>
@@ -1338,7 +1540,7 @@
       </p:grpSpPr>
       <p:sp>
         <p:nvSpPr>
-          <p:cNvPr id="225" name="CustomShape 1"/>
+          <p:cNvPr id="229" name="CustomShape 1"/>
           <p:cNvSpPr/>
           <p:nvPr/>
         </p:nvSpPr>
@@ -1369,7 +1571,7 @@
                 <a:spcPct val="100000"/>
               </a:lnSpc>
             </a:pPr>
-            <a:fld id="{85410103-7436-4EA4-8F49-5525F79BC85A}" type="slidenum">
+            <a:fld id="{B8DC76D5-B080-4E06-910F-163453A57572}" type="slidenum">
               <a:rPr lang="en-US" sz="1400" spc="-1" strike="noStrike">
                 <a:solidFill>
                   <a:srgbClr val="000000"/>
@@ -1390,7 +1592,7 @@
       </p:sp>
       <p:sp>
         <p:nvSpPr>
-          <p:cNvPr id="226" name="PlaceHolder 2"/>
+          <p:cNvPr id="230" name="PlaceHolder 2"/>
           <p:cNvSpPr>
             <a:spLocks noGrp="1"/>
           </p:cNvSpPr>
@@ -1438,7 +1640,7 @@
       </p:grpSpPr>
       <p:sp>
         <p:nvSpPr>
-          <p:cNvPr id="227" name="CustomShape 1"/>
+          <p:cNvPr id="231" name="CustomShape 1"/>
           <p:cNvSpPr/>
           <p:nvPr/>
         </p:nvSpPr>
@@ -1469,7 +1671,7 @@
                 <a:spcPct val="100000"/>
               </a:lnSpc>
             </a:pPr>
-            <a:fld id="{3E5D1FB2-2DDF-4459-BEE2-2C1B85305291}" type="slidenum">
+            <a:fld id="{FC76B164-4B5C-441B-B998-FF06F444B268}" type="slidenum">
               <a:rPr lang="en-US" sz="1400" spc="-1" strike="noStrike">
                 <a:solidFill>
                   <a:srgbClr val="000000"/>
@@ -1490,7 +1692,7 @@
       </p:sp>
       <p:sp>
         <p:nvSpPr>
-          <p:cNvPr id="228" name="PlaceHolder 2"/>
+          <p:cNvPr id="232" name="PlaceHolder 2"/>
           <p:cNvSpPr>
             <a:spLocks noGrp="1"/>
           </p:cNvSpPr>
@@ -11051,8 +11253,8 @@
         </p:nvSpPr>
         <p:spPr>
           <a:xfrm>
-            <a:off x="1982160" y="2895480"/>
-            <a:ext cx="8223840" cy="387720"/>
+            <a:off x="274320" y="635040"/>
+            <a:ext cx="9786960" cy="645120"/>
           </a:xfrm>
           <a:prstGeom prst="rect">
             <a:avLst/>
@@ -11069,15 +11271,15 @@
           <a:fontRef idx="minor"/>
         </p:style>
         <p:txBody>
-          <a:bodyPr lIns="90000" rIns="90000" tIns="91440" bIns="45000"/>
-          <a:p>
-            <a:pPr algn="ctr">
+          <a:bodyPr lIns="90000" rIns="90000" tIns="112680" bIns="45000"/>
+          <a:p>
+            <a:pPr>
               <a:lnSpc>
                 <a:spcPct val="100000"/>
               </a:lnSpc>
             </a:pPr>
             <a:r>
-              <a:rPr b="1" lang="en-US" sz="3200" spc="-1" strike="noStrike">
+              <a:rPr b="1" lang="en-US" sz="2400" spc="-1" strike="noStrike">
                 <a:solidFill>
                   <a:srgbClr val="002060"/>
                 </a:solidFill>
@@ -11089,8 +11291,71 @@
                 <a:latin typeface="Arial"/>
                 <a:ea typeface="MS PGothic"/>
               </a:rPr>
-              <a:t>Questions?</a:t>
-            </a:r>
+              <a:t>Test application – install Chrome REST client</a:t>
+            </a:r>
+            <a:endParaRPr/>
+          </a:p>
+        </p:txBody>
+      </p:sp>
+      <p:sp>
+        <p:nvSpPr>
+          <p:cNvPr id="211" name="CustomShape 2"/>
+          <p:cNvSpPr/>
+          <p:nvPr/>
+        </p:nvSpPr>
+        <p:spPr>
+          <a:xfrm>
+            <a:off x="274320" y="1280160"/>
+            <a:ext cx="11612880" cy="5120640"/>
+          </a:xfrm>
+          <a:prstGeom prst="rect">
+            <a:avLst/>
+          </a:prstGeom>
+          <a:noFill/>
+          <a:ln>
+            <a:noFill/>
+          </a:ln>
+        </p:spPr>
+        <p:style>
+          <a:lnRef idx="0"/>
+          <a:fillRef idx="0"/>
+          <a:effectRef idx="0"/>
+          <a:fontRef idx="minor"/>
+        </p:style>
+        <p:txBody>
+          <a:bodyPr lIns="90000" rIns="90000" tIns="45000" bIns="45000"/>
+          <a:p>
+            <a:r>
+              <a:rPr lang="en-US" sz="1800" spc="-1" strike="noStrike">
+                <a:uFill>
+                  <a:solidFill>
+                    <a:srgbClr val="ffffff"/>
+                  </a:solidFill>
+                </a:uFill>
+                <a:latin typeface="Arial"/>
+              </a:rPr>
+              <a:t>Download and install Chrome REST client:</a:t>
+            </a:r>
+            <a:endParaRPr/>
+          </a:p>
+          <a:p>
+            <a:r>
+              <a:rPr lang="en-US" sz="1800" spc="-1" strike="noStrike">
+                <a:uFill>
+                  <a:solidFill>
+                    <a:srgbClr val="ffffff"/>
+                  </a:solidFill>
+                </a:uFill>
+                <a:latin typeface="Arial"/>
+              </a:rPr>
+              <a:t>https://chrome.google.com/webstore/detail/advanced-rest-client/hgmloofddffdnphfgcellkdfbfbjeloo?hl=en-US</a:t>
+            </a:r>
+            <a:endParaRPr/>
+          </a:p>
+          <a:p>
+            <a:endParaRPr/>
+          </a:p>
+          <a:p>
             <a:endParaRPr/>
           </a:p>
         </p:txBody>
@@ -11104,6 +11369,257 @@
           <p:childTnLst>
             <p:seq>
               <p:cTn id="28" nodeType="mainSeq"/>
+              <p:prevCondLst>
+                <p:cond delay="0" evt="onPrev">
+                  <p:tgtEl>
+                    <p:sldTgt/>
+                  </p:tgtEl>
+                </p:cond>
+              </p:prevCondLst>
+              <p:nextCondLst>
+                <p:cond delay="0" evt="onNext">
+                  <p:tgtEl>
+                    <p:sldTgt/>
+                  </p:tgtEl>
+                </p:cond>
+              </p:nextCondLst>
+            </p:seq>
+          </p:childTnLst>
+        </p:cTn>
+      </p:par>
+    </p:tnLst>
+  </p:timing>
+</p:sld>
+</file>
+
+<file path=ppt/slides/slide15.xml><?xml version="1.0" encoding="utf-8"?>
+<p:sld xmlns:a="http://schemas.openxmlformats.org/drawingml/2006/main" xmlns:p="http://schemas.openxmlformats.org/presentationml/2006/main" xmlns:r="http://schemas.openxmlformats.org/officeDocument/2006/relationships">
+  <p:cSld>
+    <p:spTree>
+      <p:nvGrpSpPr>
+        <p:cNvPr id="1" name=""/>
+        <p:cNvGrpSpPr/>
+        <p:nvPr/>
+      </p:nvGrpSpPr>
+      <p:grpSpPr>
+        <a:xfrm>
+          <a:off x="0" y="0"/>
+          <a:ext cx="0" cy="0"/>
+          <a:chOff x="0" y="0"/>
+          <a:chExt cx="0" cy="0"/>
+        </a:xfrm>
+      </p:grpSpPr>
+      <p:sp>
+        <p:nvSpPr>
+          <p:cNvPr id="212" name="CustomShape 1"/>
+          <p:cNvSpPr/>
+          <p:nvPr/>
+        </p:nvSpPr>
+        <p:spPr>
+          <a:xfrm>
+            <a:off x="274320" y="635040"/>
+            <a:ext cx="9786960" cy="645120"/>
+          </a:xfrm>
+          <a:prstGeom prst="rect">
+            <a:avLst/>
+          </a:prstGeom>
+          <a:noFill/>
+          <a:ln>
+            <a:noFill/>
+          </a:ln>
+        </p:spPr>
+        <p:style>
+          <a:lnRef idx="0"/>
+          <a:fillRef idx="0"/>
+          <a:effectRef idx="0"/>
+          <a:fontRef idx="minor"/>
+        </p:style>
+        <p:txBody>
+          <a:bodyPr lIns="90000" rIns="90000" tIns="112680" bIns="45000"/>
+          <a:p>
+            <a:pPr>
+              <a:lnSpc>
+                <a:spcPct val="100000"/>
+              </a:lnSpc>
+            </a:pPr>
+            <a:r>
+              <a:rPr b="1" lang="en-US" sz="2400" spc="-1" strike="noStrike">
+                <a:solidFill>
+                  <a:srgbClr val="002060"/>
+                </a:solidFill>
+                <a:uFill>
+                  <a:solidFill>
+                    <a:srgbClr val="ffffff"/>
+                  </a:solidFill>
+                </a:uFill>
+                <a:latin typeface="Arial"/>
+                <a:ea typeface="MS PGothic"/>
+              </a:rPr>
+              <a:t>Test application – test Cloudant getDatabases</a:t>
+            </a:r>
+            <a:endParaRPr/>
+          </a:p>
+        </p:txBody>
+      </p:sp>
+      <p:sp>
+        <p:nvSpPr>
+          <p:cNvPr id="213" name="CustomShape 2"/>
+          <p:cNvSpPr/>
+          <p:nvPr/>
+        </p:nvSpPr>
+        <p:spPr>
+          <a:xfrm>
+            <a:off x="274320" y="1280160"/>
+            <a:ext cx="11612880" cy="5120640"/>
+          </a:xfrm>
+          <a:prstGeom prst="rect">
+            <a:avLst/>
+          </a:prstGeom>
+          <a:noFill/>
+          <a:ln>
+            <a:noFill/>
+          </a:ln>
+        </p:spPr>
+        <p:style>
+          <a:lnRef idx="0"/>
+          <a:fillRef idx="0"/>
+          <a:effectRef idx="0"/>
+          <a:fontRef idx="minor"/>
+        </p:style>
+        <p:txBody>
+          <a:bodyPr lIns="90000" rIns="90000" tIns="45000" bIns="45000"/>
+          <a:p>
+            <a:r>
+              <a:rPr lang="en-US" sz="1800" spc="-1" strike="noStrike">
+                <a:uFill>
+                  <a:solidFill>
+                    <a:srgbClr val="ffffff"/>
+                  </a:solidFill>
+                </a:uFill>
+                <a:latin typeface="Arial"/>
+              </a:rPr>
+              <a:t>In Chrome REST client enter this URL:</a:t>
+            </a:r>
+            <a:endParaRPr/>
+          </a:p>
+          <a:p>
+            <a:endParaRPr/>
+          </a:p>
+          <a:p>
+            <a:endParaRPr/>
+          </a:p>
+        </p:txBody>
+      </p:sp>
+    </p:spTree>
+  </p:cSld>
+  <p:timing>
+    <p:tnLst>
+      <p:par>
+        <p:cTn id="29" dur="indefinite" restart="never" nodeType="tmRoot">
+          <p:childTnLst>
+            <p:seq>
+              <p:cTn id="30" nodeType="mainSeq"/>
+              <p:prevCondLst>
+                <p:cond delay="0" evt="onPrev">
+                  <p:tgtEl>
+                    <p:sldTgt/>
+                  </p:tgtEl>
+                </p:cond>
+              </p:prevCondLst>
+              <p:nextCondLst>
+                <p:cond delay="0" evt="onNext">
+                  <p:tgtEl>
+                    <p:sldTgt/>
+                  </p:tgtEl>
+                </p:cond>
+              </p:nextCondLst>
+            </p:seq>
+          </p:childTnLst>
+        </p:cTn>
+      </p:par>
+    </p:tnLst>
+  </p:timing>
+</p:sld>
+</file>
+
+<file path=ppt/slides/slide16.xml><?xml version="1.0" encoding="utf-8"?>
+<p:sld xmlns:a="http://schemas.openxmlformats.org/drawingml/2006/main" xmlns:p="http://schemas.openxmlformats.org/presentationml/2006/main" xmlns:r="http://schemas.openxmlformats.org/officeDocument/2006/relationships">
+  <p:cSld>
+    <p:spTree>
+      <p:nvGrpSpPr>
+        <p:cNvPr id="1" name=""/>
+        <p:cNvGrpSpPr/>
+        <p:nvPr/>
+      </p:nvGrpSpPr>
+      <p:grpSpPr>
+        <a:xfrm>
+          <a:off x="0" y="0"/>
+          <a:ext cx="0" cy="0"/>
+          <a:chOff x="0" y="0"/>
+          <a:chExt cx="0" cy="0"/>
+        </a:xfrm>
+      </p:grpSpPr>
+      <p:sp>
+        <p:nvSpPr>
+          <p:cNvPr id="214" name="CustomShape 1"/>
+          <p:cNvSpPr/>
+          <p:nvPr/>
+        </p:nvSpPr>
+        <p:spPr>
+          <a:xfrm>
+            <a:off x="1982160" y="2895480"/>
+            <a:ext cx="8223840" cy="387720"/>
+          </a:xfrm>
+          <a:prstGeom prst="rect">
+            <a:avLst/>
+          </a:prstGeom>
+          <a:noFill/>
+          <a:ln>
+            <a:noFill/>
+          </a:ln>
+        </p:spPr>
+        <p:style>
+          <a:lnRef idx="0"/>
+          <a:fillRef idx="0"/>
+          <a:effectRef idx="0"/>
+          <a:fontRef idx="minor"/>
+        </p:style>
+        <p:txBody>
+          <a:bodyPr lIns="90000" rIns="90000" tIns="91440" bIns="45000"/>
+          <a:p>
+            <a:pPr algn="ctr">
+              <a:lnSpc>
+                <a:spcPct val="100000"/>
+              </a:lnSpc>
+            </a:pPr>
+            <a:r>
+              <a:rPr b="1" lang="en-US" sz="3200" spc="-1" strike="noStrike">
+                <a:solidFill>
+                  <a:srgbClr val="002060"/>
+                </a:solidFill>
+                <a:uFill>
+                  <a:solidFill>
+                    <a:srgbClr val="ffffff"/>
+                  </a:solidFill>
+                </a:uFill>
+                <a:latin typeface="Arial"/>
+                <a:ea typeface="MS PGothic"/>
+              </a:rPr>
+              <a:t>Questions?</a:t>
+            </a:r>
+            <a:endParaRPr/>
+          </a:p>
+        </p:txBody>
+      </p:sp>
+    </p:spTree>
+  </p:cSld>
+  <p:timing>
+    <p:tnLst>
+      <p:par>
+        <p:cTn id="31" dur="indefinite" restart="never" nodeType="tmRoot">
+          <p:childTnLst>
+            <p:seq>
+              <p:cTn id="32" nodeType="mainSeq"/>
               <p:prevCondLst>
                 <p:cond delay="0" evt="onPrev">
                   <p:tgtEl>

--- a/documents/LabX - Java Plays - REST data services.pptx
+++ b/documents/LabX - Java Plays - REST data services.pptx
@@ -26,6 +26,9 @@
     <p:sldId id="269" r:id="rId19"/>
     <p:sldId id="270" r:id="rId20"/>
     <p:sldId id="271" r:id="rId21"/>
+    <p:sldId id="272" r:id="rId22"/>
+    <p:sldId id="273" r:id="rId23"/>
+    <p:sldId id="274" r:id="rId24"/>
   </p:sldIdLst>
   <p:sldSz cx="12193587" cy="6858000"/>
   <p:notesSz cx="6858000" cy="9144000"/>
@@ -201,7 +204,7 @@
           <a:bodyPr lIns="0" rIns="0" tIns="0" bIns="0" anchor="b"/>
           <a:p>
             <a:pPr algn="r"/>
-            <a:fld id="{728CCCD2-668A-4364-9F9A-8FC03639D55B}" type="slidenum">
+            <a:fld id="{F7AE8E79-0F3A-45E8-A836-232517E347E6}" type="slidenum">
               <a:rPr lang="en-US" sz="1400" spc="-1">
                 <a:latin typeface="Times New Roman"/>
               </a:rPr>
@@ -236,7 +239,7 @@
       </p:grpSpPr>
       <p:sp>
         <p:nvSpPr>
-          <p:cNvPr id="215" name="PlaceHolder 1"/>
+          <p:cNvPr id="234" name="PlaceHolder 1"/>
           <p:cNvSpPr>
             <a:spLocks noGrp="1"/>
           </p:cNvSpPr>
@@ -247,7 +250,7 @@
         <p:spPr>
           <a:xfrm>
             <a:off x="685800" y="4343400"/>
-            <a:ext cx="5482080" cy="4110480"/>
+            <a:ext cx="5481720" cy="4110120"/>
           </a:xfrm>
           <a:prstGeom prst="rect">
             <a:avLst/>
@@ -262,14 +265,14 @@
       </p:sp>
       <p:sp>
         <p:nvSpPr>
-          <p:cNvPr id="216" name="CustomShape 2"/>
+          <p:cNvPr id="235" name="CustomShape 2"/>
           <p:cNvSpPr/>
           <p:nvPr/>
         </p:nvSpPr>
         <p:spPr>
           <a:xfrm>
             <a:off x="3881520" y="8686800"/>
-            <a:ext cx="2972160" cy="452880"/>
+            <a:ext cx="2971800" cy="452520"/>
           </a:xfrm>
           <a:prstGeom prst="rect">
             <a:avLst/>
@@ -293,7 +296,7 @@
                 <a:spcPct val="100000"/>
               </a:lnSpc>
             </a:pPr>
-            <a:fld id="{1364D822-CF2D-4B34-86F7-20582131208B}" type="slidenum">
+            <a:fld id="{5D46379E-11B3-4B15-B8AA-7AECC3E27389}" type="slidenum">
               <a:rPr lang="en-US" sz="1400" spc="-1" strike="noStrike">
                 <a:solidFill>
                   <a:srgbClr val="000000"/>
@@ -336,14 +339,14 @@
       </p:grpSpPr>
       <p:sp>
         <p:nvSpPr>
-          <p:cNvPr id="233" name="CustomShape 1"/>
+          <p:cNvPr id="252" name="CustomShape 1"/>
           <p:cNvSpPr/>
           <p:nvPr/>
         </p:nvSpPr>
         <p:spPr>
           <a:xfrm>
             <a:off x="3881520" y="8686800"/>
-            <a:ext cx="2972160" cy="452880"/>
+            <a:ext cx="2971800" cy="452520"/>
           </a:xfrm>
           <a:prstGeom prst="rect">
             <a:avLst/>
@@ -367,7 +370,7 @@
                 <a:spcPct val="100000"/>
               </a:lnSpc>
             </a:pPr>
-            <a:fld id="{EEAECC29-4175-495A-8C77-4D429971C5E2}" type="slidenum">
+            <a:fld id="{7A2F7B27-C240-4F38-AFD2-C97B14D97A0E}" type="slidenum">
               <a:rPr lang="en-US" sz="1400" spc="-1" strike="noStrike">
                 <a:solidFill>
                   <a:srgbClr val="000000"/>
@@ -388,7 +391,7 @@
       </p:sp>
       <p:sp>
         <p:nvSpPr>
-          <p:cNvPr id="234" name="PlaceHolder 2"/>
+          <p:cNvPr id="253" name="PlaceHolder 2"/>
           <p:cNvSpPr>
             <a:spLocks noGrp="1"/>
           </p:cNvSpPr>
@@ -399,7 +402,7 @@
         <p:spPr>
           <a:xfrm>
             <a:off x="685800" y="4343400"/>
-            <a:ext cx="5485320" cy="4113720"/>
+            <a:ext cx="5484960" cy="4113360"/>
           </a:xfrm>
           <a:prstGeom prst="rect">
             <a:avLst/>
@@ -436,14 +439,14 @@
       </p:grpSpPr>
       <p:sp>
         <p:nvSpPr>
-          <p:cNvPr id="235" name="CustomShape 1"/>
+          <p:cNvPr id="254" name="CustomShape 1"/>
           <p:cNvSpPr/>
           <p:nvPr/>
         </p:nvSpPr>
         <p:spPr>
           <a:xfrm>
             <a:off x="3881520" y="8686800"/>
-            <a:ext cx="2972160" cy="452880"/>
+            <a:ext cx="2971800" cy="452520"/>
           </a:xfrm>
           <a:prstGeom prst="rect">
             <a:avLst/>
@@ -467,7 +470,7 @@
                 <a:spcPct val="100000"/>
               </a:lnSpc>
             </a:pPr>
-            <a:fld id="{F2E3AAAF-2F57-453B-B62B-B8E0E6BD5505}" type="slidenum">
+            <a:fld id="{9BD658A2-3013-48C8-83D4-42C7F46E1870}" type="slidenum">
               <a:rPr lang="en-US" sz="1400" spc="-1" strike="noStrike">
                 <a:solidFill>
                   <a:srgbClr val="000000"/>
@@ -488,7 +491,7 @@
       </p:sp>
       <p:sp>
         <p:nvSpPr>
-          <p:cNvPr id="236" name="PlaceHolder 2"/>
+          <p:cNvPr id="255" name="PlaceHolder 2"/>
           <p:cNvSpPr>
             <a:spLocks noGrp="1"/>
           </p:cNvSpPr>
@@ -499,7 +502,7 @@
         <p:spPr>
           <a:xfrm>
             <a:off x="685800" y="4343400"/>
-            <a:ext cx="5485320" cy="4113720"/>
+            <a:ext cx="5484960" cy="4113360"/>
           </a:xfrm>
           <a:prstGeom prst="rect">
             <a:avLst/>
@@ -536,14 +539,14 @@
       </p:grpSpPr>
       <p:sp>
         <p:nvSpPr>
-          <p:cNvPr id="237" name="CustomShape 1"/>
+          <p:cNvPr id="256" name="CustomShape 1"/>
           <p:cNvSpPr/>
           <p:nvPr/>
         </p:nvSpPr>
         <p:spPr>
           <a:xfrm>
             <a:off x="3881520" y="8686800"/>
-            <a:ext cx="2972160" cy="452880"/>
+            <a:ext cx="2971800" cy="452520"/>
           </a:xfrm>
           <a:prstGeom prst="rect">
             <a:avLst/>
@@ -567,7 +570,7 @@
                 <a:spcPct val="100000"/>
               </a:lnSpc>
             </a:pPr>
-            <a:fld id="{12244DDB-56B2-4447-B2ED-ABCD48E8F09D}" type="slidenum">
+            <a:fld id="{0E2F24B7-B3BF-4DF8-BC7C-82A37A0B105A}" type="slidenum">
               <a:rPr lang="en-US" sz="1400" spc="-1" strike="noStrike">
                 <a:solidFill>
                   <a:srgbClr val="000000"/>
@@ -588,7 +591,7 @@
       </p:sp>
       <p:sp>
         <p:nvSpPr>
-          <p:cNvPr id="238" name="PlaceHolder 2"/>
+          <p:cNvPr id="257" name="PlaceHolder 2"/>
           <p:cNvSpPr>
             <a:spLocks noGrp="1"/>
           </p:cNvSpPr>
@@ -599,7 +602,7 @@
         <p:spPr>
           <a:xfrm>
             <a:off x="685800" y="4343400"/>
-            <a:ext cx="5485320" cy="4113720"/>
+            <a:ext cx="5484960" cy="4113360"/>
           </a:xfrm>
           <a:prstGeom prst="rect">
             <a:avLst/>
@@ -636,14 +639,14 @@
       </p:grpSpPr>
       <p:sp>
         <p:nvSpPr>
-          <p:cNvPr id="239" name="CustomShape 1"/>
+          <p:cNvPr id="258" name="CustomShape 1"/>
           <p:cNvSpPr/>
           <p:nvPr/>
         </p:nvSpPr>
         <p:spPr>
           <a:xfrm>
             <a:off x="3881520" y="8686800"/>
-            <a:ext cx="2972160" cy="452880"/>
+            <a:ext cx="2971800" cy="452520"/>
           </a:xfrm>
           <a:prstGeom prst="rect">
             <a:avLst/>
@@ -667,7 +670,7 @@
                 <a:spcPct val="100000"/>
               </a:lnSpc>
             </a:pPr>
-            <a:fld id="{DF8E85F2-C0E9-42FB-B969-8FA773B4995A}" type="slidenum">
+            <a:fld id="{58CF0CA8-301D-4451-ACE8-8C15D460ECAC}" type="slidenum">
               <a:rPr lang="en-US" sz="1400" spc="-1" strike="noStrike">
                 <a:solidFill>
                   <a:srgbClr val="000000"/>
@@ -688,7 +691,7 @@
       </p:sp>
       <p:sp>
         <p:nvSpPr>
-          <p:cNvPr id="240" name="PlaceHolder 2"/>
+          <p:cNvPr id="259" name="PlaceHolder 2"/>
           <p:cNvSpPr>
             <a:spLocks noGrp="1"/>
           </p:cNvSpPr>
@@ -699,7 +702,7 @@
         <p:spPr>
           <a:xfrm>
             <a:off x="685800" y="4343400"/>
-            <a:ext cx="5485320" cy="4113720"/>
+            <a:ext cx="5484960" cy="4113360"/>
           </a:xfrm>
           <a:prstGeom prst="rect">
             <a:avLst/>
@@ -736,14 +739,14 @@
       </p:grpSpPr>
       <p:sp>
         <p:nvSpPr>
-          <p:cNvPr id="241" name="CustomShape 1"/>
+          <p:cNvPr id="260" name="CustomShape 1"/>
           <p:cNvSpPr/>
           <p:nvPr/>
         </p:nvSpPr>
         <p:spPr>
           <a:xfrm>
             <a:off x="3881520" y="8686800"/>
-            <a:ext cx="2972160" cy="452880"/>
+            <a:ext cx="2971800" cy="452520"/>
           </a:xfrm>
           <a:prstGeom prst="rect">
             <a:avLst/>
@@ -767,7 +770,7 @@
                 <a:spcPct val="100000"/>
               </a:lnSpc>
             </a:pPr>
-            <a:fld id="{86CABA81-1887-4F94-9CA3-DE31FA05141F}" type="slidenum">
+            <a:fld id="{CC19EBAA-A670-4BFD-B862-F4DC8391E24D}" type="slidenum">
               <a:rPr lang="en-US" sz="1400" spc="-1" strike="noStrike">
                 <a:solidFill>
                   <a:srgbClr val="000000"/>
@@ -788,7 +791,7 @@
       </p:sp>
       <p:sp>
         <p:nvSpPr>
-          <p:cNvPr id="242" name="PlaceHolder 2"/>
+          <p:cNvPr id="261" name="PlaceHolder 2"/>
           <p:cNvSpPr>
             <a:spLocks noGrp="1"/>
           </p:cNvSpPr>
@@ -799,7 +802,7 @@
         <p:spPr>
           <a:xfrm>
             <a:off x="685800" y="4343400"/>
-            <a:ext cx="5485320" cy="4113720"/>
+            <a:ext cx="5484960" cy="4113360"/>
           </a:xfrm>
           <a:prstGeom prst="rect">
             <a:avLst/>
@@ -836,14 +839,14 @@
       </p:grpSpPr>
       <p:sp>
         <p:nvSpPr>
-          <p:cNvPr id="243" name="CustomShape 1"/>
+          <p:cNvPr id="262" name="CustomShape 1"/>
           <p:cNvSpPr/>
           <p:nvPr/>
         </p:nvSpPr>
         <p:spPr>
           <a:xfrm>
             <a:off x="3881520" y="8686800"/>
-            <a:ext cx="2972160" cy="452880"/>
+            <a:ext cx="2971800" cy="452520"/>
           </a:xfrm>
           <a:prstGeom prst="rect">
             <a:avLst/>
@@ -867,7 +870,7 @@
                 <a:spcPct val="100000"/>
               </a:lnSpc>
             </a:pPr>
-            <a:fld id="{7C821A58-18BA-47AE-AD08-C2D8C916FB31}" type="slidenum">
+            <a:fld id="{B976B1E0-470D-480A-AE38-1B1ECEC456CC}" type="slidenum">
               <a:rPr lang="en-US" sz="1400" spc="-1" strike="noStrike">
                 <a:solidFill>
                   <a:srgbClr val="000000"/>
@@ -888,7 +891,7 @@
       </p:sp>
       <p:sp>
         <p:nvSpPr>
-          <p:cNvPr id="244" name="PlaceHolder 2"/>
+          <p:cNvPr id="263" name="PlaceHolder 2"/>
           <p:cNvSpPr>
             <a:spLocks noGrp="1"/>
           </p:cNvSpPr>
@@ -899,7 +902,307 @@
         <p:spPr>
           <a:xfrm>
             <a:off x="685800" y="4343400"/>
-            <a:ext cx="5485320" cy="4113720"/>
+            <a:ext cx="5484960" cy="4113360"/>
+          </a:xfrm>
+          <a:prstGeom prst="rect">
+            <a:avLst/>
+          </a:prstGeom>
+        </p:spPr>
+        <p:txBody>
+          <a:bodyPr lIns="0" rIns="0" tIns="0" bIns="0" anchor="ctr"/>
+          <a:p>
+            <a:endParaRPr/>
+          </a:p>
+        </p:txBody>
+      </p:sp>
+    </p:spTree>
+  </p:cSld>
+</p:notes>
+</file>
+
+<file path=ppt/notesSlides/notesSlide16.xml><?xml version="1.0" encoding="utf-8"?>
+<p:notes xmlns:a="http://schemas.openxmlformats.org/drawingml/2006/main" xmlns:p="http://schemas.openxmlformats.org/presentationml/2006/main" xmlns:r="http://schemas.openxmlformats.org/officeDocument/2006/relationships">
+  <p:cSld>
+    <p:spTree>
+      <p:nvGrpSpPr>
+        <p:cNvPr id="1" name=""/>
+        <p:cNvGrpSpPr/>
+        <p:nvPr/>
+      </p:nvGrpSpPr>
+      <p:grpSpPr>
+        <a:xfrm>
+          <a:off x="0" y="0"/>
+          <a:ext cx="0" cy="0"/>
+          <a:chOff x="0" y="0"/>
+          <a:chExt cx="0" cy="0"/>
+        </a:xfrm>
+      </p:grpSpPr>
+      <p:sp>
+        <p:nvSpPr>
+          <p:cNvPr id="264" name="CustomShape 1"/>
+          <p:cNvSpPr/>
+          <p:nvPr/>
+        </p:nvSpPr>
+        <p:spPr>
+          <a:xfrm>
+            <a:off x="3881520" y="8686800"/>
+            <a:ext cx="2971800" cy="452520"/>
+          </a:xfrm>
+          <a:prstGeom prst="rect">
+            <a:avLst/>
+          </a:prstGeom>
+          <a:noFill/>
+          <a:ln>
+            <a:noFill/>
+          </a:ln>
+        </p:spPr>
+        <p:style>
+          <a:lnRef idx="0"/>
+          <a:fillRef idx="0"/>
+          <a:effectRef idx="0"/>
+          <a:fontRef idx="minor"/>
+        </p:style>
+        <p:txBody>
+          <a:bodyPr lIns="0" rIns="0" tIns="0" bIns="0" anchor="b"/>
+          <a:p>
+            <a:pPr algn="r">
+              <a:lnSpc>
+                <a:spcPct val="100000"/>
+              </a:lnSpc>
+            </a:pPr>
+            <a:fld id="{55136BD7-4B7E-4133-9453-AEBEA6372A97}" type="slidenum">
+              <a:rPr lang="en-US" sz="1400" spc="-1" strike="noStrike">
+                <a:solidFill>
+                  <a:srgbClr val="000000"/>
+                </a:solidFill>
+                <a:uFill>
+                  <a:solidFill>
+                    <a:srgbClr val="ffffff"/>
+                  </a:solidFill>
+                </a:uFill>
+                <a:latin typeface="Arial"/>
+                <a:ea typeface="Lucida Sans Unicode"/>
+              </a:rPr>
+              <a:t>&lt;number&gt;</a:t>
+            </a:fld>
+            <a:endParaRPr/>
+          </a:p>
+        </p:txBody>
+      </p:sp>
+      <p:sp>
+        <p:nvSpPr>
+          <p:cNvPr id="265" name="PlaceHolder 2"/>
+          <p:cNvSpPr>
+            <a:spLocks noGrp="1"/>
+          </p:cNvSpPr>
+          <p:nvPr>
+            <p:ph type="body"/>
+          </p:nvPr>
+        </p:nvSpPr>
+        <p:spPr>
+          <a:xfrm>
+            <a:off x="685800" y="4343400"/>
+            <a:ext cx="5484960" cy="4113360"/>
+          </a:xfrm>
+          <a:prstGeom prst="rect">
+            <a:avLst/>
+          </a:prstGeom>
+        </p:spPr>
+        <p:txBody>
+          <a:bodyPr lIns="0" rIns="0" tIns="0" bIns="0" anchor="ctr"/>
+          <a:p>
+            <a:endParaRPr/>
+          </a:p>
+        </p:txBody>
+      </p:sp>
+    </p:spTree>
+  </p:cSld>
+</p:notes>
+</file>
+
+<file path=ppt/notesSlides/notesSlide17.xml><?xml version="1.0" encoding="utf-8"?>
+<p:notes xmlns:a="http://schemas.openxmlformats.org/drawingml/2006/main" xmlns:p="http://schemas.openxmlformats.org/presentationml/2006/main" xmlns:r="http://schemas.openxmlformats.org/officeDocument/2006/relationships">
+  <p:cSld>
+    <p:spTree>
+      <p:nvGrpSpPr>
+        <p:cNvPr id="1" name=""/>
+        <p:cNvGrpSpPr/>
+        <p:nvPr/>
+      </p:nvGrpSpPr>
+      <p:grpSpPr>
+        <a:xfrm>
+          <a:off x="0" y="0"/>
+          <a:ext cx="0" cy="0"/>
+          <a:chOff x="0" y="0"/>
+          <a:chExt cx="0" cy="0"/>
+        </a:xfrm>
+      </p:grpSpPr>
+      <p:sp>
+        <p:nvSpPr>
+          <p:cNvPr id="266" name="CustomShape 1"/>
+          <p:cNvSpPr/>
+          <p:nvPr/>
+        </p:nvSpPr>
+        <p:spPr>
+          <a:xfrm>
+            <a:off x="3881520" y="8686800"/>
+            <a:ext cx="2971800" cy="452520"/>
+          </a:xfrm>
+          <a:prstGeom prst="rect">
+            <a:avLst/>
+          </a:prstGeom>
+          <a:noFill/>
+          <a:ln>
+            <a:noFill/>
+          </a:ln>
+        </p:spPr>
+        <p:style>
+          <a:lnRef idx="0"/>
+          <a:fillRef idx="0"/>
+          <a:effectRef idx="0"/>
+          <a:fontRef idx="minor"/>
+        </p:style>
+        <p:txBody>
+          <a:bodyPr lIns="0" rIns="0" tIns="0" bIns="0" anchor="b"/>
+          <a:p>
+            <a:pPr algn="r">
+              <a:lnSpc>
+                <a:spcPct val="100000"/>
+              </a:lnSpc>
+            </a:pPr>
+            <a:fld id="{60269FD4-6DCF-4708-821A-0118D8ACE41E}" type="slidenum">
+              <a:rPr lang="en-US" sz="1400" spc="-1" strike="noStrike">
+                <a:solidFill>
+                  <a:srgbClr val="000000"/>
+                </a:solidFill>
+                <a:uFill>
+                  <a:solidFill>
+                    <a:srgbClr val="ffffff"/>
+                  </a:solidFill>
+                </a:uFill>
+                <a:latin typeface="Arial"/>
+                <a:ea typeface="Lucida Sans Unicode"/>
+              </a:rPr>
+              <a:t>&lt;number&gt;</a:t>
+            </a:fld>
+            <a:endParaRPr/>
+          </a:p>
+        </p:txBody>
+      </p:sp>
+      <p:sp>
+        <p:nvSpPr>
+          <p:cNvPr id="267" name="PlaceHolder 2"/>
+          <p:cNvSpPr>
+            <a:spLocks noGrp="1"/>
+          </p:cNvSpPr>
+          <p:nvPr>
+            <p:ph type="body"/>
+          </p:nvPr>
+        </p:nvSpPr>
+        <p:spPr>
+          <a:xfrm>
+            <a:off x="685800" y="4343400"/>
+            <a:ext cx="5484960" cy="4113360"/>
+          </a:xfrm>
+          <a:prstGeom prst="rect">
+            <a:avLst/>
+          </a:prstGeom>
+        </p:spPr>
+        <p:txBody>
+          <a:bodyPr lIns="0" rIns="0" tIns="0" bIns="0" anchor="ctr"/>
+          <a:p>
+            <a:endParaRPr/>
+          </a:p>
+        </p:txBody>
+      </p:sp>
+    </p:spTree>
+  </p:cSld>
+</p:notes>
+</file>
+
+<file path=ppt/notesSlides/notesSlide18.xml><?xml version="1.0" encoding="utf-8"?>
+<p:notes xmlns:a="http://schemas.openxmlformats.org/drawingml/2006/main" xmlns:p="http://schemas.openxmlformats.org/presentationml/2006/main" xmlns:r="http://schemas.openxmlformats.org/officeDocument/2006/relationships">
+  <p:cSld>
+    <p:spTree>
+      <p:nvGrpSpPr>
+        <p:cNvPr id="1" name=""/>
+        <p:cNvGrpSpPr/>
+        <p:nvPr/>
+      </p:nvGrpSpPr>
+      <p:grpSpPr>
+        <a:xfrm>
+          <a:off x="0" y="0"/>
+          <a:ext cx="0" cy="0"/>
+          <a:chOff x="0" y="0"/>
+          <a:chExt cx="0" cy="0"/>
+        </a:xfrm>
+      </p:grpSpPr>
+      <p:sp>
+        <p:nvSpPr>
+          <p:cNvPr id="268" name="CustomShape 1"/>
+          <p:cNvSpPr/>
+          <p:nvPr/>
+        </p:nvSpPr>
+        <p:spPr>
+          <a:xfrm>
+            <a:off x="3881520" y="8686800"/>
+            <a:ext cx="2971800" cy="452520"/>
+          </a:xfrm>
+          <a:prstGeom prst="rect">
+            <a:avLst/>
+          </a:prstGeom>
+          <a:noFill/>
+          <a:ln>
+            <a:noFill/>
+          </a:ln>
+        </p:spPr>
+        <p:style>
+          <a:lnRef idx="0"/>
+          <a:fillRef idx="0"/>
+          <a:effectRef idx="0"/>
+          <a:fontRef idx="minor"/>
+        </p:style>
+        <p:txBody>
+          <a:bodyPr lIns="0" rIns="0" tIns="0" bIns="0" anchor="b"/>
+          <a:p>
+            <a:pPr algn="r">
+              <a:lnSpc>
+                <a:spcPct val="100000"/>
+              </a:lnSpc>
+            </a:pPr>
+            <a:fld id="{0AE2086D-272D-4F5F-83B0-2A8EF359EFDB}" type="slidenum">
+              <a:rPr lang="en-US" sz="1400" spc="-1" strike="noStrike">
+                <a:solidFill>
+                  <a:srgbClr val="000000"/>
+                </a:solidFill>
+                <a:uFill>
+                  <a:solidFill>
+                    <a:srgbClr val="ffffff"/>
+                  </a:solidFill>
+                </a:uFill>
+                <a:latin typeface="Arial"/>
+                <a:ea typeface="Lucida Sans Unicode"/>
+              </a:rPr>
+              <a:t>&lt;number&gt;</a:t>
+            </a:fld>
+            <a:endParaRPr/>
+          </a:p>
+        </p:txBody>
+      </p:sp>
+      <p:sp>
+        <p:nvSpPr>
+          <p:cNvPr id="269" name="PlaceHolder 2"/>
+          <p:cNvSpPr>
+            <a:spLocks noGrp="1"/>
+          </p:cNvSpPr>
+          <p:nvPr>
+            <p:ph type="body"/>
+          </p:nvPr>
+        </p:nvSpPr>
+        <p:spPr>
+          <a:xfrm>
+            <a:off x="685800" y="4343400"/>
+            <a:ext cx="5484960" cy="4113360"/>
           </a:xfrm>
           <a:prstGeom prst="rect">
             <a:avLst/>
@@ -936,14 +1239,14 @@
       </p:grpSpPr>
       <p:sp>
         <p:nvSpPr>
-          <p:cNvPr id="217" name="CustomShape 1"/>
+          <p:cNvPr id="236" name="CustomShape 1"/>
           <p:cNvSpPr/>
           <p:nvPr/>
         </p:nvSpPr>
         <p:spPr>
           <a:xfrm>
             <a:off x="3881520" y="8686800"/>
-            <a:ext cx="2972160" cy="452880"/>
+            <a:ext cx="2971800" cy="452520"/>
           </a:xfrm>
           <a:prstGeom prst="rect">
             <a:avLst/>
@@ -967,7 +1270,7 @@
                 <a:spcPct val="100000"/>
               </a:lnSpc>
             </a:pPr>
-            <a:fld id="{357372B2-15AF-4116-899B-00B4AE27DE13}" type="slidenum">
+            <a:fld id="{7D020A06-67DE-4F62-AAB5-8CCAD20A6B18}" type="slidenum">
               <a:rPr lang="en-US" sz="1400" spc="-1" strike="noStrike">
                 <a:solidFill>
                   <a:srgbClr val="000000"/>
@@ -988,14 +1291,14 @@
       </p:sp>
       <p:sp>
         <p:nvSpPr>
-          <p:cNvPr id="218" name="CustomShape 2"/>
+          <p:cNvPr id="237" name="CustomShape 2"/>
           <p:cNvSpPr/>
           <p:nvPr/>
         </p:nvSpPr>
         <p:spPr>
           <a:xfrm>
             <a:off x="3881520" y="8686800"/>
-            <a:ext cx="2973960" cy="454680"/>
+            <a:ext cx="2973600" cy="454320"/>
           </a:xfrm>
           <a:prstGeom prst="rect">
             <a:avLst/>
@@ -1019,7 +1322,7 @@
                 <a:spcPct val="87000"/>
               </a:lnSpc>
             </a:pPr>
-            <a:fld id="{1C03ADEB-53B9-4907-99DF-765E4A0CBE88}" type="slidenum">
+            <a:fld id="{2078FC2A-A69D-4449-8DE4-EEB6F6A47EE1}" type="slidenum">
               <a:rPr lang="en-US" sz="1400" spc="-1" strike="noStrike">
                 <a:solidFill>
                   <a:srgbClr val="000000"/>
@@ -1040,7 +1343,7 @@
       </p:sp>
       <p:sp>
         <p:nvSpPr>
-          <p:cNvPr id="219" name="PlaceHolder 3"/>
+          <p:cNvPr id="238" name="PlaceHolder 3"/>
           <p:cNvSpPr>
             <a:spLocks noGrp="1"/>
           </p:cNvSpPr>
@@ -1051,7 +1354,7 @@
         <p:spPr>
           <a:xfrm>
             <a:off x="685800" y="4343400"/>
-            <a:ext cx="5483880" cy="4113720"/>
+            <a:ext cx="5483520" cy="4113360"/>
           </a:xfrm>
           <a:prstGeom prst="rect">
             <a:avLst/>
@@ -1088,14 +1391,14 @@
       </p:grpSpPr>
       <p:sp>
         <p:nvSpPr>
-          <p:cNvPr id="220" name="CustomShape 1"/>
+          <p:cNvPr id="239" name="CustomShape 1"/>
           <p:cNvSpPr/>
           <p:nvPr/>
         </p:nvSpPr>
         <p:spPr>
           <a:xfrm>
             <a:off x="3881520" y="8686800"/>
-            <a:ext cx="2972160" cy="452880"/>
+            <a:ext cx="2971800" cy="452520"/>
           </a:xfrm>
           <a:prstGeom prst="rect">
             <a:avLst/>
@@ -1119,7 +1422,7 @@
                 <a:spcPct val="100000"/>
               </a:lnSpc>
             </a:pPr>
-            <a:fld id="{540D2511-5D0F-4966-A93D-BB19A92E46EA}" type="slidenum">
+            <a:fld id="{38FBB716-932E-417D-A0FF-0C0F22847167}" type="slidenum">
               <a:rPr lang="en-US" sz="1400" spc="-1" strike="noStrike">
                 <a:solidFill>
                   <a:srgbClr val="000000"/>
@@ -1140,14 +1443,14 @@
       </p:sp>
       <p:sp>
         <p:nvSpPr>
-          <p:cNvPr id="221" name="CustomShape 2"/>
+          <p:cNvPr id="240" name="CustomShape 2"/>
           <p:cNvSpPr/>
           <p:nvPr/>
         </p:nvSpPr>
         <p:spPr>
           <a:xfrm>
             <a:off x="3881520" y="8686800"/>
-            <a:ext cx="2973960" cy="454680"/>
+            <a:ext cx="2973600" cy="454320"/>
           </a:xfrm>
           <a:prstGeom prst="rect">
             <a:avLst/>
@@ -1171,7 +1474,7 @@
                 <a:spcPct val="87000"/>
               </a:lnSpc>
             </a:pPr>
-            <a:fld id="{298F91EB-D659-4F24-9DC3-DDF0F6089FAF}" type="slidenum">
+            <a:fld id="{5F05A70B-7D5B-41DF-BE32-F8FFF1E3DC69}" type="slidenum">
               <a:rPr lang="en-US" sz="1400" spc="-1" strike="noStrike">
                 <a:solidFill>
                   <a:srgbClr val="000000"/>
@@ -1192,7 +1495,7 @@
       </p:sp>
       <p:sp>
         <p:nvSpPr>
-          <p:cNvPr id="222" name="PlaceHolder 3"/>
+          <p:cNvPr id="241" name="PlaceHolder 3"/>
           <p:cNvSpPr>
             <a:spLocks noGrp="1"/>
           </p:cNvSpPr>
@@ -1203,7 +1506,7 @@
         <p:spPr>
           <a:xfrm>
             <a:off x="685800" y="4343400"/>
-            <a:ext cx="5483880" cy="4113720"/>
+            <a:ext cx="5483520" cy="4113360"/>
           </a:xfrm>
           <a:prstGeom prst="rect">
             <a:avLst/>
@@ -1240,14 +1543,14 @@
       </p:grpSpPr>
       <p:sp>
         <p:nvSpPr>
-          <p:cNvPr id="223" name="CustomShape 1"/>
+          <p:cNvPr id="242" name="CustomShape 1"/>
           <p:cNvSpPr/>
           <p:nvPr/>
         </p:nvSpPr>
         <p:spPr>
           <a:xfrm>
             <a:off x="3881520" y="8686800"/>
-            <a:ext cx="2972160" cy="452880"/>
+            <a:ext cx="2971800" cy="452520"/>
           </a:xfrm>
           <a:prstGeom prst="rect">
             <a:avLst/>
@@ -1271,7 +1574,7 @@
                 <a:spcPct val="100000"/>
               </a:lnSpc>
             </a:pPr>
-            <a:fld id="{5CD23D53-A764-4D52-BE1C-79B620E706B7}" type="slidenum">
+            <a:fld id="{F744CC8B-995E-464A-9EAE-82B9CC567CF5}" type="slidenum">
               <a:rPr lang="en-US" sz="1400" spc="-1" strike="noStrike">
                 <a:solidFill>
                   <a:srgbClr val="000000"/>
@@ -1292,7 +1595,7 @@
       </p:sp>
       <p:sp>
         <p:nvSpPr>
-          <p:cNvPr id="224" name="PlaceHolder 2"/>
+          <p:cNvPr id="243" name="PlaceHolder 2"/>
           <p:cNvSpPr>
             <a:spLocks noGrp="1"/>
           </p:cNvSpPr>
@@ -1303,7 +1606,7 @@
         <p:spPr>
           <a:xfrm>
             <a:off x="685800" y="4343400"/>
-            <a:ext cx="5485320" cy="4113720"/>
+            <a:ext cx="5484960" cy="4113360"/>
           </a:xfrm>
           <a:prstGeom prst="rect">
             <a:avLst/>
@@ -1340,14 +1643,14 @@
       </p:grpSpPr>
       <p:sp>
         <p:nvSpPr>
-          <p:cNvPr id="225" name="CustomShape 1"/>
+          <p:cNvPr id="244" name="CustomShape 1"/>
           <p:cNvSpPr/>
           <p:nvPr/>
         </p:nvSpPr>
         <p:spPr>
           <a:xfrm>
             <a:off x="3881520" y="8686800"/>
-            <a:ext cx="2972160" cy="452880"/>
+            <a:ext cx="2971800" cy="452520"/>
           </a:xfrm>
           <a:prstGeom prst="rect">
             <a:avLst/>
@@ -1371,7 +1674,7 @@
                 <a:spcPct val="100000"/>
               </a:lnSpc>
             </a:pPr>
-            <a:fld id="{5B6DBC8B-3603-4454-AB97-CC80F01121EB}" type="slidenum">
+            <a:fld id="{BC1EAFB7-3CD0-4C7A-B5CF-94E244755BAB}" type="slidenum">
               <a:rPr lang="en-US" sz="1400" spc="-1" strike="noStrike">
                 <a:solidFill>
                   <a:srgbClr val="000000"/>
@@ -1392,7 +1695,7 @@
       </p:sp>
       <p:sp>
         <p:nvSpPr>
-          <p:cNvPr id="226" name="PlaceHolder 2"/>
+          <p:cNvPr id="245" name="PlaceHolder 2"/>
           <p:cNvSpPr>
             <a:spLocks noGrp="1"/>
           </p:cNvSpPr>
@@ -1403,7 +1706,7 @@
         <p:spPr>
           <a:xfrm>
             <a:off x="685800" y="4343400"/>
-            <a:ext cx="5485320" cy="4113720"/>
+            <a:ext cx="5484960" cy="4113360"/>
           </a:xfrm>
           <a:prstGeom prst="rect">
             <a:avLst/>
@@ -1440,14 +1743,14 @@
       </p:grpSpPr>
       <p:sp>
         <p:nvSpPr>
-          <p:cNvPr id="227" name="CustomShape 1"/>
+          <p:cNvPr id="246" name="CustomShape 1"/>
           <p:cNvSpPr/>
           <p:nvPr/>
         </p:nvSpPr>
         <p:spPr>
           <a:xfrm>
             <a:off x="3881520" y="8686800"/>
-            <a:ext cx="2972160" cy="452880"/>
+            <a:ext cx="2971800" cy="452520"/>
           </a:xfrm>
           <a:prstGeom prst="rect">
             <a:avLst/>
@@ -1471,7 +1774,7 @@
                 <a:spcPct val="100000"/>
               </a:lnSpc>
             </a:pPr>
-            <a:fld id="{318ED2BA-DA78-4922-B582-803722EDB076}" type="slidenum">
+            <a:fld id="{EAF16FBB-D27F-4C11-A145-C6B1EE79280B}" type="slidenum">
               <a:rPr lang="en-US" sz="1400" spc="-1" strike="noStrike">
                 <a:solidFill>
                   <a:srgbClr val="000000"/>
@@ -1492,7 +1795,7 @@
       </p:sp>
       <p:sp>
         <p:nvSpPr>
-          <p:cNvPr id="228" name="PlaceHolder 2"/>
+          <p:cNvPr id="247" name="PlaceHolder 2"/>
           <p:cNvSpPr>
             <a:spLocks noGrp="1"/>
           </p:cNvSpPr>
@@ -1503,7 +1806,7 @@
         <p:spPr>
           <a:xfrm>
             <a:off x="685800" y="4343400"/>
-            <a:ext cx="5485320" cy="4113720"/>
+            <a:ext cx="5484960" cy="4113360"/>
           </a:xfrm>
           <a:prstGeom prst="rect">
             <a:avLst/>
@@ -1540,14 +1843,14 @@
       </p:grpSpPr>
       <p:sp>
         <p:nvSpPr>
-          <p:cNvPr id="229" name="CustomShape 1"/>
+          <p:cNvPr id="248" name="CustomShape 1"/>
           <p:cNvSpPr/>
           <p:nvPr/>
         </p:nvSpPr>
         <p:spPr>
           <a:xfrm>
             <a:off x="3881520" y="8686800"/>
-            <a:ext cx="2972160" cy="452880"/>
+            <a:ext cx="2971800" cy="452520"/>
           </a:xfrm>
           <a:prstGeom prst="rect">
             <a:avLst/>
@@ -1571,7 +1874,7 @@
                 <a:spcPct val="100000"/>
               </a:lnSpc>
             </a:pPr>
-            <a:fld id="{B8DC76D5-B080-4E06-910F-163453A57572}" type="slidenum">
+            <a:fld id="{80C96C5F-DEB2-40D2-B948-C95E64F61830}" type="slidenum">
               <a:rPr lang="en-US" sz="1400" spc="-1" strike="noStrike">
                 <a:solidFill>
                   <a:srgbClr val="000000"/>
@@ -1592,7 +1895,7 @@
       </p:sp>
       <p:sp>
         <p:nvSpPr>
-          <p:cNvPr id="230" name="PlaceHolder 2"/>
+          <p:cNvPr id="249" name="PlaceHolder 2"/>
           <p:cNvSpPr>
             <a:spLocks noGrp="1"/>
           </p:cNvSpPr>
@@ -1603,7 +1906,7 @@
         <p:spPr>
           <a:xfrm>
             <a:off x="685800" y="4343400"/>
-            <a:ext cx="5485320" cy="4113720"/>
+            <a:ext cx="5484960" cy="4113360"/>
           </a:xfrm>
           <a:prstGeom prst="rect">
             <a:avLst/>
@@ -1640,14 +1943,14 @@
       </p:grpSpPr>
       <p:sp>
         <p:nvSpPr>
-          <p:cNvPr id="231" name="CustomShape 1"/>
+          <p:cNvPr id="250" name="CustomShape 1"/>
           <p:cNvSpPr/>
           <p:nvPr/>
         </p:nvSpPr>
         <p:spPr>
           <a:xfrm>
             <a:off x="3881520" y="8686800"/>
-            <a:ext cx="2972160" cy="452880"/>
+            <a:ext cx="2971800" cy="452520"/>
           </a:xfrm>
           <a:prstGeom prst="rect">
             <a:avLst/>
@@ -1671,7 +1974,7 @@
                 <a:spcPct val="100000"/>
               </a:lnSpc>
             </a:pPr>
-            <a:fld id="{FC76B164-4B5C-441B-B998-FF06F444B268}" type="slidenum">
+            <a:fld id="{C1F9BEFC-C284-4228-A181-65134DB0DAB8}" type="slidenum">
               <a:rPr lang="en-US" sz="1400" spc="-1" strike="noStrike">
                 <a:solidFill>
                   <a:srgbClr val="000000"/>
@@ -1692,7 +1995,7 @@
       </p:sp>
       <p:sp>
         <p:nvSpPr>
-          <p:cNvPr id="232" name="PlaceHolder 2"/>
+          <p:cNvPr id="251" name="PlaceHolder 2"/>
           <p:cNvSpPr>
             <a:spLocks noGrp="1"/>
           </p:cNvSpPr>
@@ -1703,7 +2006,7 @@
         <p:spPr>
           <a:xfrm>
             <a:off x="685800" y="4343400"/>
-            <a:ext cx="5485320" cy="4113720"/>
+            <a:ext cx="5484960" cy="4113360"/>
           </a:xfrm>
           <a:prstGeom prst="rect">
             <a:avLst/>
@@ -5216,7 +5519,7 @@
         <p:spPr>
           <a:xfrm>
             <a:off x="0" y="0"/>
-            <a:ext cx="12192480" cy="6856920"/>
+            <a:ext cx="12192120" cy="6856560"/>
           </a:xfrm>
           <a:prstGeom prst="rect">
             <a:avLst/>
@@ -5257,7 +5560,7 @@
         <p:spPr>
           <a:xfrm>
             <a:off x="8535600" y="0"/>
-            <a:ext cx="3656880" cy="6856920"/>
+            <a:ext cx="3656520" cy="6856560"/>
           </a:xfrm>
           <a:prstGeom prst="rect">
             <a:avLst/>
@@ -5302,7 +5605,7 @@
         <p:spPr>
           <a:xfrm>
             <a:off x="8908560" y="6456240"/>
-            <a:ext cx="1207080" cy="149760"/>
+            <a:ext cx="1206720" cy="149400"/>
           </a:xfrm>
           <a:prstGeom prst="rect">
             <a:avLst/>
@@ -5325,7 +5628,7 @@
         <p:spPr>
           <a:xfrm>
             <a:off x="844560" y="1433520"/>
-            <a:ext cx="3888720" cy="2467440"/>
+            <a:ext cx="3888360" cy="2467080"/>
           </a:xfrm>
           <a:prstGeom prst="rect">
             <a:avLst/>
@@ -5344,7 +5647,7 @@
         <p:spPr>
           <a:xfrm>
             <a:off x="8840520" y="4937040"/>
-            <a:ext cx="2315520" cy="273600"/>
+            <a:ext cx="2315160" cy="273240"/>
           </a:xfrm>
           <a:prstGeom prst="rect">
             <a:avLst/>
@@ -5369,7 +5672,7 @@
               </a:lnSpc>
             </a:pPr>
             <a:r>
-              <a:rPr b="1" lang="en-US" sz="1600" spc="-24" strike="noStrike">
+              <a:rPr b="1" lang="en-US" sz="1600" spc="-21" strike="noStrike">
                 <a:solidFill>
                   <a:srgbClr val="ffffff"/>
                 </a:solidFill>
@@ -5643,7 +5946,7 @@
         <p:spPr>
           <a:xfrm>
             <a:off x="7888320" y="6481800"/>
-            <a:ext cx="4072320" cy="250920"/>
+            <a:ext cx="4071960" cy="250560"/>
           </a:xfrm>
           <a:prstGeom prst="rect">
             <a:avLst/>
@@ -5695,7 +5998,7 @@
         <p:spPr>
           <a:xfrm>
             <a:off x="228600" y="6456240"/>
-            <a:ext cx="735480" cy="246600"/>
+            <a:ext cx="735120" cy="246240"/>
           </a:xfrm>
           <a:prstGeom prst="rect">
             <a:avLst/>
@@ -5725,7 +6028,7 @@
         <p:spPr>
           <a:xfrm>
             <a:off x="363600" y="338040"/>
-            <a:ext cx="1413360" cy="160920"/>
+            <a:ext cx="1413000" cy="160560"/>
           </a:xfrm>
           <a:prstGeom prst="rect">
             <a:avLst/>
@@ -5748,7 +6051,7 @@
         <p:spPr>
           <a:xfrm>
             <a:off x="10596600" y="263520"/>
-            <a:ext cx="1230840" cy="240120"/>
+            <a:ext cx="1230480" cy="239760"/>
           </a:xfrm>
           <a:prstGeom prst="rect">
             <a:avLst/>
@@ -6014,7 +6317,7 @@
         <p:spPr>
           <a:xfrm>
             <a:off x="7888320" y="6481800"/>
-            <a:ext cx="4072320" cy="250920"/>
+            <a:ext cx="4071960" cy="250560"/>
           </a:xfrm>
           <a:prstGeom prst="rect">
             <a:avLst/>
@@ -6066,7 +6369,7 @@
         <p:spPr>
           <a:xfrm>
             <a:off x="228600" y="6456240"/>
-            <a:ext cx="735480" cy="246600"/>
+            <a:ext cx="735120" cy="246240"/>
           </a:xfrm>
           <a:prstGeom prst="rect">
             <a:avLst/>
@@ -6096,7 +6399,7 @@
         <p:spPr>
           <a:xfrm>
             <a:off x="363600" y="338040"/>
-            <a:ext cx="1413360" cy="160920"/>
+            <a:ext cx="1413000" cy="160560"/>
           </a:xfrm>
           <a:prstGeom prst="rect">
             <a:avLst/>
@@ -6119,7 +6422,7 @@
         <p:spPr>
           <a:xfrm>
             <a:off x="10596600" y="263520"/>
-            <a:ext cx="1230840" cy="240120"/>
+            <a:ext cx="1230480" cy="239760"/>
           </a:xfrm>
           <a:prstGeom prst="rect">
             <a:avLst/>
@@ -6350,7 +6653,7 @@
         <p:spPr>
           <a:xfrm>
             <a:off x="821520" y="3878280"/>
-            <a:ext cx="6110640" cy="1141920"/>
+            <a:ext cx="6110280" cy="1141560"/>
           </a:xfrm>
           <a:prstGeom prst="rect">
             <a:avLst/>
@@ -6375,7 +6678,7 @@
               </a:lnSpc>
             </a:pPr>
             <a:r>
-              <a:rPr b="1" lang="en-US" sz="2800" spc="-24" strike="noStrike">
+              <a:rPr b="1" lang="en-US" sz="2800" spc="-21" strike="noStrike">
                 <a:solidFill>
                   <a:srgbClr val="ffffff"/>
                 </a:solidFill>
@@ -6402,7 +6705,7 @@
         <p:spPr>
           <a:xfrm>
             <a:off x="8840160" y="5349960"/>
-            <a:ext cx="1691280" cy="684720"/>
+            <a:ext cx="1690920" cy="684360"/>
           </a:xfrm>
           <a:prstGeom prst="rect">
             <a:avLst/>
@@ -6427,7 +6730,7 @@
               </a:lnSpc>
             </a:pPr>
             <a:r>
-              <a:rPr lang="en-US" sz="1600" spc="-24" strike="noStrike">
+              <a:rPr lang="en-US" sz="1600" spc="-21" strike="noStrike">
                 <a:solidFill>
                   <a:srgbClr val="ffffff"/>
                 </a:solidFill>
@@ -6499,14 +6802,14 @@
       </p:grpSpPr>
       <p:sp>
         <p:nvSpPr>
-          <p:cNvPr id="183" name="CustomShape 1"/>
+          <p:cNvPr id="185" name="CustomShape 1"/>
           <p:cNvSpPr/>
           <p:nvPr/>
         </p:nvSpPr>
         <p:spPr>
           <a:xfrm>
             <a:off x="349920" y="635040"/>
-            <a:ext cx="9746280" cy="387720"/>
+            <a:ext cx="9745920" cy="387360"/>
           </a:xfrm>
           <a:prstGeom prst="rect">
             <a:avLst/>
@@ -6551,14 +6854,14 @@
       </p:sp>
       <p:sp>
         <p:nvSpPr>
-          <p:cNvPr id="184" name="CustomShape 2"/>
+          <p:cNvPr id="186" name="CustomShape 2"/>
           <p:cNvSpPr/>
           <p:nvPr/>
         </p:nvSpPr>
         <p:spPr>
           <a:xfrm>
             <a:off x="426240" y="1711440"/>
-            <a:ext cx="5669640" cy="1594440"/>
+            <a:ext cx="5669280" cy="1594080"/>
           </a:xfrm>
           <a:prstGeom prst="rect">
             <a:avLst/>
@@ -6577,14 +6880,14 @@
       </p:sp>
       <p:sp>
         <p:nvSpPr>
-          <p:cNvPr id="185" name="CustomShape 3"/>
+          <p:cNvPr id="187" name="CustomShape 3"/>
           <p:cNvSpPr/>
           <p:nvPr/>
         </p:nvSpPr>
         <p:spPr>
           <a:xfrm>
             <a:off x="457200" y="1263600"/>
-            <a:ext cx="8383680" cy="3673440"/>
+            <a:ext cx="8383320" cy="3673080"/>
           </a:xfrm>
           <a:prstGeom prst="rect">
             <a:avLst/>
@@ -6603,14 +6906,14 @@
       </p:sp>
       <p:sp>
         <p:nvSpPr>
-          <p:cNvPr id="186" name="CustomShape 4"/>
+          <p:cNvPr id="188" name="CustomShape 4"/>
           <p:cNvSpPr/>
           <p:nvPr/>
         </p:nvSpPr>
         <p:spPr>
           <a:xfrm>
             <a:off x="425880" y="2011680"/>
-            <a:ext cx="4877280" cy="1274040"/>
+            <a:ext cx="4876920" cy="1273680"/>
           </a:xfrm>
           <a:prstGeom prst="rect">
             <a:avLst/>
@@ -6866,14 +7169,14 @@
       </p:sp>
       <p:sp>
         <p:nvSpPr>
-          <p:cNvPr id="187" name="CustomShape 5"/>
+          <p:cNvPr id="189" name="CustomShape 5"/>
           <p:cNvSpPr/>
           <p:nvPr/>
         </p:nvSpPr>
         <p:spPr>
           <a:xfrm>
             <a:off x="453240" y="4486320"/>
-            <a:ext cx="3021120" cy="1274040"/>
+            <a:ext cx="3020760" cy="1273680"/>
           </a:xfrm>
           <a:prstGeom prst="rect">
             <a:avLst/>
@@ -7084,14 +7387,14 @@
       </p:sp>
       <p:sp>
         <p:nvSpPr>
-          <p:cNvPr id="188" name="CustomShape 6"/>
+          <p:cNvPr id="190" name="CustomShape 6"/>
           <p:cNvSpPr/>
           <p:nvPr/>
         </p:nvSpPr>
         <p:spPr>
           <a:xfrm>
             <a:off x="365760" y="1554480"/>
-            <a:ext cx="2792520" cy="345960"/>
+            <a:ext cx="2792160" cy="345600"/>
           </a:xfrm>
           <a:prstGeom prst="rect">
             <a:avLst/>
@@ -7112,12 +7415,16 @@
           <a:p>
             <a:r>
               <a:rPr lang="en-US" sz="1800" spc="-1" strike="noStrike">
+                <a:solidFill>
+                  <a:srgbClr val="000000"/>
+                </a:solidFill>
                 <a:uFill>
                   <a:solidFill>
                     <a:srgbClr val="ffffff"/>
                   </a:solidFill>
                 </a:uFill>
                 <a:latin typeface="Arial"/>
+                <a:ea typeface="DejaVu Sans"/>
               </a:rPr>
               <a:t>Get Cloudant client object</a:t>
             </a:r>
@@ -7127,14 +7434,14 @@
       </p:sp>
       <p:sp>
         <p:nvSpPr>
-          <p:cNvPr id="189" name="CustomShape 7"/>
+          <p:cNvPr id="191" name="CustomShape 7"/>
           <p:cNvSpPr/>
           <p:nvPr/>
         </p:nvSpPr>
         <p:spPr>
           <a:xfrm>
             <a:off x="365760" y="3749040"/>
-            <a:ext cx="2793960" cy="345960"/>
+            <a:ext cx="2793600" cy="345600"/>
           </a:xfrm>
           <a:prstGeom prst="rect">
             <a:avLst/>
@@ -7155,12 +7462,16 @@
           <a:p>
             <a:r>
               <a:rPr lang="en-US" sz="1800" spc="-1" strike="noStrike">
+                <a:solidFill>
+                  <a:srgbClr val="000000"/>
+                </a:solidFill>
                 <a:uFill>
                   <a:solidFill>
                     <a:srgbClr val="ffffff"/>
                   </a:solidFill>
                 </a:uFill>
                 <a:latin typeface="Arial"/>
+                <a:ea typeface="DejaVu Sans"/>
               </a:rPr>
               <a:t>API method: getDatabase</a:t>
             </a:r>
@@ -7170,14 +7481,14 @@
       </p:sp>
       <p:sp>
         <p:nvSpPr>
-          <p:cNvPr id="190" name="CustomShape 8"/>
+          <p:cNvPr id="192" name="CustomShape 8"/>
           <p:cNvSpPr/>
           <p:nvPr/>
         </p:nvSpPr>
         <p:spPr>
           <a:xfrm>
             <a:off x="6021000" y="1446120"/>
-            <a:ext cx="5682960" cy="4771440"/>
+            <a:ext cx="5682600" cy="4771080"/>
           </a:xfrm>
           <a:prstGeom prst="rect">
             <a:avLst/>
@@ -7196,7 +7507,7 @@
         <p:txBody>
           <a:bodyPr lIns="90000" rIns="90000" tIns="45000" bIns="45000"/>
           <a:p>
-            <a:pPr marL="216000" indent="-215640">
+            <a:pPr marL="216000" indent="-215280">
               <a:lnSpc>
                 <a:spcPct val="100000"/>
               </a:lnSpc>
@@ -7208,19 +7519,23 @@
             </a:pPr>
             <a:r>
               <a:rPr lang="en-US" sz="1800" spc="-1" strike="noStrike">
+                <a:solidFill>
+                  <a:srgbClr val="000000"/>
+                </a:solidFill>
                 <a:uFill>
                   <a:solidFill>
                     <a:srgbClr val="ffffff"/>
                   </a:solidFill>
                 </a:uFill>
                 <a:latin typeface="Arial"/>
+                <a:ea typeface="DejaVu Sans"/>
               </a:rPr>
               <a:t>Retrieves Cloudant client object from ServiceDiscovery class.</a:t>
             </a:r>
             <a:endParaRPr/>
           </a:p>
           <a:p>
-            <a:pPr marL="216000" indent="-215640">
+            <a:pPr marL="216000" indent="-215280">
               <a:lnSpc>
                 <a:spcPct val="100000"/>
               </a:lnSpc>
@@ -7232,19 +7547,23 @@
             </a:pPr>
             <a:r>
               <a:rPr lang="en-US" sz="1800" spc="-1" strike="noStrike">
+                <a:solidFill>
+                  <a:srgbClr val="000000"/>
+                </a:solidFill>
                 <a:uFill>
                   <a:solidFill>
                     <a:srgbClr val="ffffff"/>
                   </a:solidFill>
                 </a:uFill>
                 <a:latin typeface="Arial"/>
+                <a:ea typeface="DejaVu Sans"/>
               </a:rPr>
               <a:t>Example of API method “getDatabase”:</a:t>
             </a:r>
             <a:endParaRPr/>
           </a:p>
           <a:p>
-            <a:pPr marL="216000" indent="-215640">
+            <a:pPr marL="216000" indent="-215280">
               <a:lnSpc>
                 <a:spcPct val="100000"/>
               </a:lnSpc>
@@ -7256,12 +7575,16 @@
             </a:pPr>
             <a:r>
               <a:rPr lang="en-US" sz="1800" spc="-1" strike="noStrike">
+                <a:solidFill>
+                  <a:srgbClr val="000000"/>
+                </a:solidFill>
                 <a:uFill>
                   <a:solidFill>
                     <a:srgbClr val="ffffff"/>
                   </a:solidFill>
                 </a:uFill>
                 <a:latin typeface="Arial"/>
+                <a:ea typeface="DejaVu Sans"/>
               </a:rPr>
               <a:t>Uses Cloudant client object to call underlying Cloudant API.</a:t>
             </a:r>
@@ -7320,14 +7643,14 @@
       </p:grpSpPr>
       <p:sp>
         <p:nvSpPr>
-          <p:cNvPr id="191" name="CustomShape 1"/>
+          <p:cNvPr id="193" name="CustomShape 1"/>
           <p:cNvSpPr/>
           <p:nvPr/>
         </p:nvSpPr>
         <p:spPr>
           <a:xfrm>
             <a:off x="349920" y="635040"/>
-            <a:ext cx="9746280" cy="387720"/>
+            <a:ext cx="9745920" cy="387360"/>
           </a:xfrm>
           <a:prstGeom prst="rect">
             <a:avLst/>
@@ -7372,14 +7695,14 @@
       </p:sp>
       <p:sp>
         <p:nvSpPr>
-          <p:cNvPr id="192" name="CustomShape 2"/>
+          <p:cNvPr id="194" name="CustomShape 2"/>
           <p:cNvSpPr/>
           <p:nvPr/>
         </p:nvSpPr>
         <p:spPr>
           <a:xfrm>
             <a:off x="426240" y="1711440"/>
-            <a:ext cx="5669640" cy="1594440"/>
+            <a:ext cx="5669280" cy="1594080"/>
           </a:xfrm>
           <a:prstGeom prst="rect">
             <a:avLst/>
@@ -7398,14 +7721,14 @@
       </p:sp>
       <p:sp>
         <p:nvSpPr>
-          <p:cNvPr id="193" name="CustomShape 3"/>
+          <p:cNvPr id="195" name="CustomShape 3"/>
           <p:cNvSpPr/>
           <p:nvPr/>
         </p:nvSpPr>
         <p:spPr>
           <a:xfrm>
             <a:off x="457200" y="1263600"/>
-            <a:ext cx="8383680" cy="3673440"/>
+            <a:ext cx="8383320" cy="3673080"/>
           </a:xfrm>
           <a:prstGeom prst="rect">
             <a:avLst/>
@@ -7424,14 +7747,14 @@
       </p:sp>
       <p:sp>
         <p:nvSpPr>
-          <p:cNvPr id="194" name="CustomShape 4"/>
+          <p:cNvPr id="196" name="CustomShape 4"/>
           <p:cNvSpPr/>
           <p:nvPr/>
         </p:nvSpPr>
         <p:spPr>
           <a:xfrm>
             <a:off x="274320" y="4114800"/>
-            <a:ext cx="5120280" cy="2285640"/>
+            <a:ext cx="5119920" cy="2285280"/>
           </a:xfrm>
           <a:prstGeom prst="rect">
             <a:avLst/>
@@ -7450,7 +7773,7 @@
         <p:txBody>
           <a:bodyPr lIns="90000" rIns="90000" tIns="45000" bIns="45000"/>
           <a:p>
-            <a:pPr marL="216000" indent="-215640">
+            <a:pPr marL="216000" indent="-215280">
               <a:lnSpc>
                 <a:spcPct val="100000"/>
               </a:lnSpc>
@@ -7462,19 +7785,23 @@
             </a:pPr>
             <a:r>
               <a:rPr lang="en-US" sz="1800" spc="-1" strike="noStrike">
+                <a:solidFill>
+                  <a:srgbClr val="000000"/>
+                </a:solidFill>
                 <a:uFill>
                   <a:solidFill>
                     <a:srgbClr val="ffffff"/>
                   </a:solidFill>
                 </a:uFill>
                 <a:latin typeface="Arial"/>
+                <a:ea typeface="DejaVu Sans"/>
               </a:rPr>
               <a:t>Retrieves SQL data source from ServiceDiscovery class.</a:t>
             </a:r>
             <a:endParaRPr/>
           </a:p>
           <a:p>
-            <a:pPr marL="216000" indent="-215640">
+            <a:pPr marL="216000" indent="-215280">
               <a:lnSpc>
                 <a:spcPct val="100000"/>
               </a:lnSpc>
@@ -7486,19 +7813,23 @@
             </a:pPr>
             <a:r>
               <a:rPr lang="en-US" sz="1800" spc="-1" strike="noStrike">
+                <a:solidFill>
+                  <a:srgbClr val="000000"/>
+                </a:solidFill>
                 <a:uFill>
                   <a:solidFill>
                     <a:srgbClr val="ffffff"/>
                   </a:solidFill>
                 </a:uFill>
                 <a:latin typeface="Arial"/>
+                <a:ea typeface="DejaVu Sans"/>
               </a:rPr>
               <a:t>Initializes query runner client with this data source.</a:t>
             </a:r>
             <a:endParaRPr/>
           </a:p>
           <a:p>
-            <a:pPr marL="216000" indent="-215640">
+            <a:pPr marL="216000" indent="-215280">
               <a:lnSpc>
                 <a:spcPct val="100000"/>
               </a:lnSpc>
@@ -7510,19 +7841,23 @@
             </a:pPr>
             <a:r>
               <a:rPr lang="en-US" sz="1800" spc="-1" strike="noStrike">
+                <a:solidFill>
+                  <a:srgbClr val="000000"/>
+                </a:solidFill>
                 <a:uFill>
                   <a:solidFill>
                     <a:srgbClr val="ffffff"/>
                   </a:solidFill>
                 </a:uFill>
                 <a:latin typeface="Arial"/>
+                <a:ea typeface="DejaVu Sans"/>
               </a:rPr>
               <a:t>Example of API method “select” (on the right):</a:t>
             </a:r>
             <a:endParaRPr/>
           </a:p>
           <a:p>
-            <a:pPr marL="216000" indent="-215640">
+            <a:pPr marL="216000" indent="-215280">
               <a:lnSpc>
                 <a:spcPct val="100000"/>
               </a:lnSpc>
@@ -7534,12 +7869,16 @@
             </a:pPr>
             <a:r>
               <a:rPr lang="en-US" sz="1800" spc="-1" strike="noStrike">
+                <a:solidFill>
+                  <a:srgbClr val="000000"/>
+                </a:solidFill>
                 <a:uFill>
                   <a:solidFill>
                     <a:srgbClr val="ffffff"/>
                   </a:solidFill>
                 </a:uFill>
                 <a:latin typeface="Arial"/>
+                <a:ea typeface="DejaVu Sans"/>
               </a:rPr>
               <a:t>Uses initialized query runner object to query data from SQL database.</a:t>
             </a:r>
@@ -7549,14 +7888,14 @@
       </p:sp>
       <p:sp>
         <p:nvSpPr>
-          <p:cNvPr id="195" name="CustomShape 5"/>
+          <p:cNvPr id="197" name="CustomShape 5"/>
           <p:cNvSpPr/>
           <p:nvPr/>
         </p:nvSpPr>
         <p:spPr>
           <a:xfrm>
             <a:off x="319680" y="1737360"/>
-            <a:ext cx="3755520" cy="1865880"/>
+            <a:ext cx="3755160" cy="1865520"/>
           </a:xfrm>
           <a:prstGeom prst="rect">
             <a:avLst/>
@@ -7899,14 +8238,14 @@
       </p:sp>
       <p:sp>
         <p:nvSpPr>
-          <p:cNvPr id="196" name="CustomShape 6"/>
+          <p:cNvPr id="198" name="CustomShape 6"/>
           <p:cNvSpPr/>
           <p:nvPr/>
         </p:nvSpPr>
         <p:spPr>
           <a:xfrm>
             <a:off x="365760" y="1263600"/>
-            <a:ext cx="3683880" cy="381960"/>
+            <a:ext cx="3683520" cy="381600"/>
           </a:xfrm>
           <a:prstGeom prst="rect">
             <a:avLst/>
@@ -7927,12 +8266,16 @@
           <a:p>
             <a:r>
               <a:rPr lang="en-US" sz="1800" spc="-1" strike="noStrike">
+                <a:solidFill>
+                  <a:srgbClr val="000000"/>
+                </a:solidFill>
                 <a:uFill>
                   <a:solidFill>
                     <a:srgbClr val="ffffff"/>
                   </a:solidFill>
                 </a:uFill>
                 <a:latin typeface="Arial"/>
+                <a:ea typeface="DejaVu Sans"/>
               </a:rPr>
               <a:t>SQL data source and query runner</a:t>
             </a:r>
@@ -7942,14 +8285,14 @@
       </p:sp>
       <p:sp>
         <p:nvSpPr>
-          <p:cNvPr id="197" name="CustomShape 7"/>
+          <p:cNvPr id="199" name="CustomShape 7"/>
           <p:cNvSpPr/>
           <p:nvPr/>
         </p:nvSpPr>
         <p:spPr>
           <a:xfrm>
             <a:off x="6082920" y="553320"/>
-            <a:ext cx="4066560" cy="6304320"/>
+            <a:ext cx="4066200" cy="6303960"/>
           </a:xfrm>
           <a:prstGeom prst="rect">
             <a:avLst/>
@@ -9226,14 +9569,14 @@
       </p:grpSpPr>
       <p:sp>
         <p:nvSpPr>
-          <p:cNvPr id="198" name="CustomShape 1"/>
+          <p:cNvPr id="200" name="CustomShape 1"/>
           <p:cNvSpPr/>
           <p:nvPr/>
         </p:nvSpPr>
         <p:spPr>
           <a:xfrm>
             <a:off x="349920" y="635040"/>
-            <a:ext cx="9746280" cy="387720"/>
+            <a:ext cx="9745920" cy="387360"/>
           </a:xfrm>
           <a:prstGeom prst="rect">
             <a:avLst/>
@@ -9278,14 +9621,14 @@
       </p:sp>
       <p:sp>
         <p:nvSpPr>
-          <p:cNvPr id="199" name="CustomShape 2"/>
+          <p:cNvPr id="201" name="CustomShape 2"/>
           <p:cNvSpPr/>
           <p:nvPr/>
         </p:nvSpPr>
         <p:spPr>
           <a:xfrm>
             <a:off x="343440" y="1828800"/>
-            <a:ext cx="3405240" cy="1274040"/>
+            <a:ext cx="3404880" cy="1273680"/>
           </a:xfrm>
           <a:prstGeom prst="rect">
             <a:avLst/>
@@ -9541,14 +9884,14 @@
       </p:sp>
       <p:sp>
         <p:nvSpPr>
-          <p:cNvPr id="200" name="CustomShape 3"/>
+          <p:cNvPr id="202" name="CustomShape 3"/>
           <p:cNvSpPr/>
           <p:nvPr/>
         </p:nvSpPr>
         <p:spPr>
           <a:xfrm>
             <a:off x="365760" y="1463040"/>
-            <a:ext cx="2879280" cy="345960"/>
+            <a:ext cx="2878920" cy="345600"/>
           </a:xfrm>
           <a:prstGeom prst="rect">
             <a:avLst/>
@@ -9569,12 +9912,16 @@
           <a:p>
             <a:r>
               <a:rPr lang="en-US" sz="1800" spc="-1" strike="noStrike">
+                <a:solidFill>
+                  <a:srgbClr val="000000"/>
+                </a:solidFill>
                 <a:uFill>
                   <a:solidFill>
                     <a:srgbClr val="ffffff"/>
                   </a:solidFill>
                 </a:uFill>
                 <a:latin typeface="Arial"/>
+                <a:ea typeface="DejaVu Sans"/>
               </a:rPr>
               <a:t>CloudantService reference</a:t>
             </a:r>
@@ -9584,14 +9931,14 @@
       </p:sp>
       <p:sp>
         <p:nvSpPr>
-          <p:cNvPr id="201" name="CustomShape 4"/>
+          <p:cNvPr id="203" name="CustomShape 4"/>
           <p:cNvSpPr/>
           <p:nvPr/>
         </p:nvSpPr>
         <p:spPr>
           <a:xfrm>
             <a:off x="447120" y="4225320"/>
-            <a:ext cx="2844360" cy="1717920"/>
+            <a:ext cx="2844000" cy="1717560"/>
           </a:xfrm>
           <a:prstGeom prst="rect">
             <a:avLst/>
@@ -9991,14 +10338,14 @@
       </p:sp>
       <p:sp>
         <p:nvSpPr>
-          <p:cNvPr id="202" name="CustomShape 5"/>
+          <p:cNvPr id="204" name="CustomShape 5"/>
           <p:cNvSpPr/>
           <p:nvPr/>
         </p:nvSpPr>
         <p:spPr>
           <a:xfrm>
             <a:off x="455760" y="3566160"/>
-            <a:ext cx="2711880" cy="345960"/>
+            <a:ext cx="2711520" cy="345600"/>
           </a:xfrm>
           <a:prstGeom prst="rect">
             <a:avLst/>
@@ -10019,12 +10366,16 @@
           <a:p>
             <a:r>
               <a:rPr lang="en-US" sz="1800" spc="-1" strike="noStrike">
+                <a:solidFill>
+                  <a:srgbClr val="000000"/>
+                </a:solidFill>
                 <a:uFill>
                   <a:solidFill>
                     <a:srgbClr val="ffffff"/>
                   </a:solidFill>
                 </a:uFill>
                 <a:latin typeface="Arial"/>
+                <a:ea typeface="DejaVu Sans"/>
               </a:rPr>
               <a:t>REST end point example</a:t>
             </a:r>
@@ -10034,14 +10385,14 @@
       </p:sp>
       <p:sp>
         <p:nvSpPr>
-          <p:cNvPr id="203" name="CustomShape 6"/>
+          <p:cNvPr id="205" name="CustomShape 6"/>
           <p:cNvSpPr/>
           <p:nvPr/>
         </p:nvSpPr>
         <p:spPr>
           <a:xfrm>
             <a:off x="5852160" y="1554480"/>
-            <a:ext cx="5486040" cy="1113840"/>
+            <a:ext cx="5485680" cy="1113480"/>
           </a:xfrm>
           <a:prstGeom prst="rect">
             <a:avLst/>
@@ -10060,7 +10411,7 @@
         <p:txBody>
           <a:bodyPr lIns="90000" rIns="90000" tIns="45000" bIns="45000"/>
           <a:p>
-            <a:pPr marL="216000" indent="-215640">
+            <a:pPr marL="216000" indent="-215280">
               <a:lnSpc>
                 <a:spcPct val="100000"/>
               </a:lnSpc>
@@ -10072,19 +10423,23 @@
             </a:pPr>
             <a:r>
               <a:rPr lang="en-US" sz="1800" spc="-1" strike="noStrike">
+                <a:solidFill>
+                  <a:srgbClr val="000000"/>
+                </a:solidFill>
                 <a:uFill>
                   <a:solidFill>
                     <a:srgbClr val="ffffff"/>
                   </a:solidFill>
                 </a:uFill>
                 <a:latin typeface="Arial"/>
+                <a:ea typeface="DejaVu Sans"/>
               </a:rPr>
               <a:t>Inject CloudantService object for all REST endpoints to use.</a:t>
             </a:r>
             <a:endParaRPr/>
           </a:p>
           <a:p>
-            <a:pPr marL="216000" indent="-215640">
+            <a:pPr marL="216000" indent="-215280">
               <a:lnSpc>
                 <a:spcPct val="100000"/>
               </a:lnSpc>
@@ -10096,12 +10451,16 @@
             </a:pPr>
             <a:r>
               <a:rPr lang="en-US" sz="1800" spc="-1" strike="noStrike">
+                <a:solidFill>
+                  <a:srgbClr val="000000"/>
+                </a:solidFill>
                 <a:uFill>
                   <a:solidFill>
                     <a:srgbClr val="ffffff"/>
                   </a:solidFill>
                 </a:uFill>
                 <a:latin typeface="Arial"/>
+                <a:ea typeface="DejaVu Sans"/>
               </a:rPr>
               <a:t>Each end point redirects call to corresponding CloudantService method.</a:t>
             </a:r>
@@ -10160,14 +10519,14 @@
       </p:grpSpPr>
       <p:sp>
         <p:nvSpPr>
-          <p:cNvPr id="204" name="CustomShape 1"/>
+          <p:cNvPr id="206" name="CustomShape 1"/>
           <p:cNvSpPr/>
           <p:nvPr/>
         </p:nvSpPr>
         <p:spPr>
           <a:xfrm>
             <a:off x="349920" y="635040"/>
-            <a:ext cx="9746280" cy="387720"/>
+            <a:ext cx="9745920" cy="387360"/>
           </a:xfrm>
           <a:prstGeom prst="rect">
             <a:avLst/>
@@ -10212,14 +10571,14 @@
       </p:sp>
       <p:sp>
         <p:nvSpPr>
-          <p:cNvPr id="205" name="CustomShape 2"/>
+          <p:cNvPr id="207" name="CustomShape 2"/>
           <p:cNvSpPr/>
           <p:nvPr/>
         </p:nvSpPr>
         <p:spPr>
           <a:xfrm>
             <a:off x="365760" y="1463040"/>
-            <a:ext cx="2550240" cy="345960"/>
+            <a:ext cx="2549880" cy="345600"/>
           </a:xfrm>
           <a:prstGeom prst="rect">
             <a:avLst/>
@@ -10240,12 +10599,16 @@
           <a:p>
             <a:r>
               <a:rPr lang="en-US" sz="1800" spc="-1" strike="noStrike">
+                <a:solidFill>
+                  <a:srgbClr val="000000"/>
+                </a:solidFill>
                 <a:uFill>
                   <a:solidFill>
                     <a:srgbClr val="ffffff"/>
                   </a:solidFill>
                 </a:uFill>
                 <a:latin typeface="Arial"/>
+                <a:ea typeface="DejaVu Sans"/>
               </a:rPr>
               <a:t>SqldbService reference</a:t>
             </a:r>
@@ -10255,14 +10618,14 @@
       </p:sp>
       <p:sp>
         <p:nvSpPr>
-          <p:cNvPr id="206" name="CustomShape 3"/>
+          <p:cNvPr id="208" name="CustomShape 3"/>
           <p:cNvSpPr/>
           <p:nvPr/>
         </p:nvSpPr>
         <p:spPr>
           <a:xfrm>
             <a:off x="455760" y="3566160"/>
-            <a:ext cx="2711880" cy="345960"/>
+            <a:ext cx="2711520" cy="345600"/>
           </a:xfrm>
           <a:prstGeom prst="rect">
             <a:avLst/>
@@ -10283,12 +10646,16 @@
           <a:p>
             <a:r>
               <a:rPr lang="en-US" sz="1800" spc="-1" strike="noStrike">
+                <a:solidFill>
+                  <a:srgbClr val="000000"/>
+                </a:solidFill>
                 <a:uFill>
                   <a:solidFill>
                     <a:srgbClr val="ffffff"/>
                   </a:solidFill>
                 </a:uFill>
                 <a:latin typeface="Arial"/>
+                <a:ea typeface="DejaVu Sans"/>
               </a:rPr>
               <a:t>REST end point example</a:t>
             </a:r>
@@ -10298,14 +10665,14 @@
       </p:sp>
       <p:sp>
         <p:nvSpPr>
-          <p:cNvPr id="207" name="CustomShape 4"/>
+          <p:cNvPr id="209" name="CustomShape 4"/>
           <p:cNvSpPr/>
           <p:nvPr/>
         </p:nvSpPr>
         <p:spPr>
           <a:xfrm>
             <a:off x="5852160" y="1554480"/>
-            <a:ext cx="5486040" cy="1113840"/>
+            <a:ext cx="5485680" cy="1113480"/>
           </a:xfrm>
           <a:prstGeom prst="rect">
             <a:avLst/>
@@ -10324,7 +10691,7 @@
         <p:txBody>
           <a:bodyPr lIns="90000" rIns="90000" tIns="45000" bIns="45000"/>
           <a:p>
-            <a:pPr marL="216000" indent="-215640">
+            <a:pPr marL="216000" indent="-215280">
               <a:lnSpc>
                 <a:spcPct val="100000"/>
               </a:lnSpc>
@@ -10336,19 +10703,23 @@
             </a:pPr>
             <a:r>
               <a:rPr lang="en-US" sz="1800" spc="-1" strike="noStrike">
+                <a:solidFill>
+                  <a:srgbClr val="000000"/>
+                </a:solidFill>
                 <a:uFill>
                   <a:solidFill>
                     <a:srgbClr val="ffffff"/>
                   </a:solidFill>
                 </a:uFill>
                 <a:latin typeface="Arial"/>
+                <a:ea typeface="DejaVu Sans"/>
               </a:rPr>
               <a:t>Inject SqldbService object for all REST endpoints to use.</a:t>
             </a:r>
             <a:endParaRPr/>
           </a:p>
           <a:p>
-            <a:pPr marL="216000" indent="-215640">
+            <a:pPr marL="216000" indent="-215280">
               <a:lnSpc>
                 <a:spcPct val="100000"/>
               </a:lnSpc>
@@ -10360,12 +10731,16 @@
             </a:pPr>
             <a:r>
               <a:rPr lang="en-US" sz="1800" spc="-1" strike="noStrike">
+                <a:solidFill>
+                  <a:srgbClr val="000000"/>
+                </a:solidFill>
                 <a:uFill>
                   <a:solidFill>
                     <a:srgbClr val="ffffff"/>
                   </a:solidFill>
                 </a:uFill>
                 <a:latin typeface="Arial"/>
+                <a:ea typeface="DejaVu Sans"/>
               </a:rPr>
               <a:t>Each end point redirects call to corresponding SqldbService method.</a:t>
             </a:r>
@@ -10375,14 +10750,14 @@
       </p:sp>
       <p:sp>
         <p:nvSpPr>
-          <p:cNvPr id="208" name="CustomShape 5"/>
+          <p:cNvPr id="210" name="CustomShape 5"/>
           <p:cNvSpPr/>
           <p:nvPr/>
         </p:nvSpPr>
         <p:spPr>
           <a:xfrm>
             <a:off x="398160" y="2011680"/>
-            <a:ext cx="2984760" cy="1274040"/>
+            <a:ext cx="2984400" cy="1273680"/>
           </a:xfrm>
           <a:prstGeom prst="rect">
             <a:avLst/>
@@ -10638,14 +11013,14 @@
       </p:sp>
       <p:sp>
         <p:nvSpPr>
-          <p:cNvPr id="209" name="CustomShape 6"/>
+          <p:cNvPr id="211" name="CustomShape 6"/>
           <p:cNvSpPr/>
           <p:nvPr/>
         </p:nvSpPr>
         <p:spPr>
           <a:xfrm>
             <a:off x="457200" y="4260240"/>
-            <a:ext cx="3618360" cy="1865880"/>
+            <a:ext cx="3618000" cy="1865520"/>
           </a:xfrm>
           <a:prstGeom prst="rect">
             <a:avLst/>
@@ -11247,14 +11622,14 @@
       </p:grpSpPr>
       <p:sp>
         <p:nvSpPr>
-          <p:cNvPr id="210" name="CustomShape 1"/>
+          <p:cNvPr id="212" name="CustomShape 1"/>
           <p:cNvSpPr/>
           <p:nvPr/>
         </p:nvSpPr>
         <p:spPr>
           <a:xfrm>
             <a:off x="274320" y="635040"/>
-            <a:ext cx="9786960" cy="645120"/>
+            <a:ext cx="9786600" cy="644760"/>
           </a:xfrm>
           <a:prstGeom prst="rect">
             <a:avLst/>
@@ -11299,14 +11674,14 @@
       </p:sp>
       <p:sp>
         <p:nvSpPr>
-          <p:cNvPr id="211" name="CustomShape 2"/>
+          <p:cNvPr id="213" name="CustomShape 2"/>
           <p:cNvSpPr/>
           <p:nvPr/>
         </p:nvSpPr>
         <p:spPr>
           <a:xfrm>
             <a:off x="274320" y="1280160"/>
-            <a:ext cx="11612880" cy="5120640"/>
+            <a:ext cx="11612520" cy="5120280"/>
           </a:xfrm>
           <a:prstGeom prst="rect">
             <a:avLst/>
@@ -11327,12 +11702,16 @@
           <a:p>
             <a:r>
               <a:rPr lang="en-US" sz="1800" spc="-1" strike="noStrike">
+                <a:solidFill>
+                  <a:srgbClr val="000000"/>
+                </a:solidFill>
                 <a:uFill>
                   <a:solidFill>
                     <a:srgbClr val="ffffff"/>
                   </a:solidFill>
                 </a:uFill>
                 <a:latin typeface="Arial"/>
+                <a:ea typeface="DejaVu Sans"/>
               </a:rPr>
               <a:t>Download and install Chrome REST client:</a:t>
             </a:r>
@@ -11341,12 +11720,16 @@
           <a:p>
             <a:r>
               <a:rPr lang="en-US" sz="1800" spc="-1" strike="noStrike">
+                <a:solidFill>
+                  <a:srgbClr val="000000"/>
+                </a:solidFill>
                 <a:uFill>
                   <a:solidFill>
                     <a:srgbClr val="ffffff"/>
                   </a:solidFill>
                 </a:uFill>
                 <a:latin typeface="Arial"/>
+                <a:ea typeface="DejaVu Sans"/>
               </a:rPr>
               <a:t>https://chrome.google.com/webstore/detail/advanced-rest-client/hgmloofddffdnphfgcellkdfbfbjeloo?hl=en-US</a:t>
             </a:r>
@@ -11411,14 +11794,14 @@
       </p:grpSpPr>
       <p:sp>
         <p:nvSpPr>
-          <p:cNvPr id="212" name="CustomShape 1"/>
+          <p:cNvPr id="214" name="CustomShape 1"/>
           <p:cNvSpPr/>
           <p:nvPr/>
         </p:nvSpPr>
         <p:spPr>
           <a:xfrm>
             <a:off x="274320" y="635040"/>
-            <a:ext cx="9786960" cy="645120"/>
+            <a:ext cx="9786600" cy="644760"/>
           </a:xfrm>
           <a:prstGeom prst="rect">
             <a:avLst/>
@@ -11463,14 +11846,14 @@
       </p:sp>
       <p:sp>
         <p:nvSpPr>
-          <p:cNvPr id="213" name="CustomShape 2"/>
+          <p:cNvPr id="215" name="CustomShape 2"/>
           <p:cNvSpPr/>
           <p:nvPr/>
         </p:nvSpPr>
         <p:spPr>
           <a:xfrm>
             <a:off x="274320" y="1280160"/>
-            <a:ext cx="11612880" cy="5120640"/>
+            <a:ext cx="11612520" cy="457200"/>
           </a:xfrm>
           <a:prstGeom prst="rect">
             <a:avLst/>
@@ -11491,14 +11874,94 @@
           <a:p>
             <a:r>
               <a:rPr lang="en-US" sz="1800" spc="-1" strike="noStrike">
+                <a:solidFill>
+                  <a:srgbClr val="000000"/>
+                </a:solidFill>
                 <a:uFill>
                   <a:solidFill>
                     <a:srgbClr val="ffffff"/>
                   </a:solidFill>
                 </a:uFill>
                 <a:latin typeface="Arial"/>
-              </a:rPr>
-              <a:t>In Chrome REST client enter this URL:</a:t>
+                <a:ea typeface="DejaVu Sans"/>
+              </a:rPr>
+              <a:t>In Chrome REST client enter these parameters:</a:t>
+            </a:r>
+            <a:endParaRPr/>
+          </a:p>
+          <a:p>
+            <a:endParaRPr/>
+          </a:p>
+          <a:p>
+            <a:endParaRPr/>
+          </a:p>
+        </p:txBody>
+      </p:sp>
+      <p:pic>
+        <p:nvPicPr>
+          <p:cNvPr id="216" name="" descr=""/>
+          <p:cNvPicPr/>
+          <p:nvPr/>
+        </p:nvPicPr>
+        <p:blipFill>
+          <a:blip r:embed="rId1"/>
+          <a:stretch/>
+        </p:blipFill>
+        <p:spPr>
+          <a:xfrm>
+            <a:off x="367200" y="1890000"/>
+            <a:ext cx="7039440" cy="2133360"/>
+          </a:xfrm>
+          <a:prstGeom prst="rect">
+            <a:avLst/>
+          </a:prstGeom>
+          <a:ln>
+            <a:noFill/>
+          </a:ln>
+        </p:spPr>
+      </p:pic>
+      <p:sp>
+        <p:nvSpPr>
+          <p:cNvPr id="217" name="CustomShape 3"/>
+          <p:cNvSpPr/>
+          <p:nvPr/>
+        </p:nvSpPr>
+        <p:spPr>
+          <a:xfrm>
+            <a:off x="274680" y="4206240"/>
+            <a:ext cx="11612520" cy="457200"/>
+          </a:xfrm>
+          <a:prstGeom prst="rect">
+            <a:avLst/>
+          </a:prstGeom>
+          <a:noFill/>
+          <a:ln>
+            <a:noFill/>
+          </a:ln>
+        </p:spPr>
+        <p:style>
+          <a:lnRef idx="0"/>
+          <a:fillRef idx="0"/>
+          <a:effectRef idx="0"/>
+          <a:fontRef idx="minor"/>
+        </p:style>
+        <p:txBody>
+          <a:bodyPr lIns="90000" rIns="90000" tIns="45000" bIns="45000"/>
+          <a:p>
+            <a:r>
+              <a:rPr lang="en-US" sz="1800" spc="-1" strike="noStrike">
+                <a:solidFill>
+                  <a:srgbClr val="000000"/>
+                </a:solidFill>
+                <a:uFill>
+                  <a:solidFill>
+                    <a:srgbClr val="ffffff"/>
+                  </a:solidFill>
+                </a:uFill>
+                <a:latin typeface="Arial"/>
+                <a:ea typeface="DejaVu Sans"/>
+              </a:rPr>
+              <a:t>You should receive a JSON array with database names.</a:t>
             </a:r>
             <a:endParaRPr/>
           </a:p>
@@ -11561,14 +12024,14 @@
       </p:grpSpPr>
       <p:sp>
         <p:nvSpPr>
-          <p:cNvPr id="214" name="CustomShape 1"/>
+          <p:cNvPr id="218" name="CustomShape 1"/>
           <p:cNvSpPr/>
           <p:nvPr/>
         </p:nvSpPr>
         <p:spPr>
           <a:xfrm>
-            <a:off x="1982160" y="2895480"/>
-            <a:ext cx="8223840" cy="387720"/>
+            <a:off x="274320" y="635040"/>
+            <a:ext cx="9786600" cy="644760"/>
           </a:xfrm>
           <a:prstGeom prst="rect">
             <a:avLst/>
@@ -11585,15 +12048,15 @@
           <a:fontRef idx="minor"/>
         </p:style>
         <p:txBody>
-          <a:bodyPr lIns="90000" rIns="90000" tIns="91440" bIns="45000"/>
-          <a:p>
-            <a:pPr algn="ctr">
+          <a:bodyPr lIns="90000" rIns="90000" tIns="112680" bIns="45000"/>
+          <a:p>
+            <a:pPr>
               <a:lnSpc>
                 <a:spcPct val="100000"/>
               </a:lnSpc>
             </a:pPr>
             <a:r>
-              <a:rPr b="1" lang="en-US" sz="3200" spc="-1" strike="noStrike">
+              <a:rPr b="1" lang="en-US" sz="2400" spc="-1" strike="noStrike">
                 <a:solidFill>
                   <a:srgbClr val="002060"/>
                 </a:solidFill>
@@ -11605,12 +12068,164 @@
                 <a:latin typeface="Arial"/>
                 <a:ea typeface="MS PGothic"/>
               </a:rPr>
-              <a:t>Questions?</a:t>
-            </a:r>
-            <a:endParaRPr/>
-          </a:p>
-        </p:txBody>
-      </p:sp>
+              <a:t>Test application – test Cloudant createDatabase</a:t>
+            </a:r>
+            <a:endParaRPr/>
+          </a:p>
+        </p:txBody>
+      </p:sp>
+      <p:sp>
+        <p:nvSpPr>
+          <p:cNvPr id="219" name="CustomShape 2"/>
+          <p:cNvSpPr/>
+          <p:nvPr/>
+        </p:nvSpPr>
+        <p:spPr>
+          <a:xfrm>
+            <a:off x="274320" y="1280160"/>
+            <a:ext cx="11612520" cy="457200"/>
+          </a:xfrm>
+          <a:prstGeom prst="rect">
+            <a:avLst/>
+          </a:prstGeom>
+          <a:noFill/>
+          <a:ln>
+            <a:noFill/>
+          </a:ln>
+        </p:spPr>
+        <p:style>
+          <a:lnRef idx="0"/>
+          <a:fillRef idx="0"/>
+          <a:effectRef idx="0"/>
+          <a:fontRef idx="minor"/>
+        </p:style>
+        <p:txBody>
+          <a:bodyPr lIns="90000" rIns="90000" tIns="45000" bIns="45000"/>
+          <a:p>
+            <a:r>
+              <a:rPr lang="en-US" sz="1800" spc="-1" strike="noStrike">
+                <a:solidFill>
+                  <a:srgbClr val="000000"/>
+                </a:solidFill>
+                <a:uFill>
+                  <a:solidFill>
+                    <a:srgbClr val="ffffff"/>
+                  </a:solidFill>
+                </a:uFill>
+                <a:latin typeface="Arial"/>
+                <a:ea typeface="DejaVu Sans"/>
+              </a:rPr>
+              <a:t>In Chrome REST client enter these parameters:</a:t>
+            </a:r>
+            <a:endParaRPr/>
+          </a:p>
+          <a:p>
+            <a:endParaRPr/>
+          </a:p>
+          <a:p>
+            <a:endParaRPr/>
+          </a:p>
+        </p:txBody>
+      </p:sp>
+      <p:sp>
+        <p:nvSpPr>
+          <p:cNvPr id="220" name="CustomShape 3"/>
+          <p:cNvSpPr/>
+          <p:nvPr/>
+        </p:nvSpPr>
+        <p:spPr>
+          <a:xfrm>
+            <a:off x="6217560" y="1280160"/>
+            <a:ext cx="5669280" cy="457200"/>
+          </a:xfrm>
+          <a:prstGeom prst="rect">
+            <a:avLst/>
+          </a:prstGeom>
+          <a:noFill/>
+          <a:ln>
+            <a:noFill/>
+          </a:ln>
+        </p:spPr>
+        <p:style>
+          <a:lnRef idx="0"/>
+          <a:fillRef idx="0"/>
+          <a:effectRef idx="0"/>
+          <a:fontRef idx="minor"/>
+        </p:style>
+        <p:txBody>
+          <a:bodyPr lIns="90000" rIns="90000" tIns="45000" bIns="45000"/>
+          <a:p>
+            <a:r>
+              <a:rPr lang="en-US" sz="1800" spc="-1" strike="noStrike">
+                <a:solidFill>
+                  <a:srgbClr val="000000"/>
+                </a:solidFill>
+                <a:uFill>
+                  <a:solidFill>
+                    <a:srgbClr val="ffffff"/>
+                  </a:solidFill>
+                </a:uFill>
+                <a:latin typeface="Arial"/>
+                <a:ea typeface="DejaVu Sans"/>
+              </a:rPr>
+              <a:t>You should receive similar response.</a:t>
+            </a:r>
+            <a:endParaRPr/>
+          </a:p>
+          <a:p>
+            <a:endParaRPr/>
+          </a:p>
+          <a:p>
+            <a:endParaRPr/>
+          </a:p>
+        </p:txBody>
+      </p:sp>
+      <p:pic>
+        <p:nvPicPr>
+          <p:cNvPr id="221" name="" descr=""/>
+          <p:cNvPicPr/>
+          <p:nvPr/>
+        </p:nvPicPr>
+        <p:blipFill>
+          <a:blip r:embed="rId1"/>
+          <a:stretch/>
+        </p:blipFill>
+        <p:spPr>
+          <a:xfrm>
+            <a:off x="365760" y="1754280"/>
+            <a:ext cx="5477040" cy="4372200"/>
+          </a:xfrm>
+          <a:prstGeom prst="rect">
+            <a:avLst/>
+          </a:prstGeom>
+          <a:ln>
+            <a:noFill/>
+          </a:ln>
+        </p:spPr>
+      </p:pic>
+      <p:pic>
+        <p:nvPicPr>
+          <p:cNvPr id="222" name="" descr=""/>
+          <p:cNvPicPr/>
+          <p:nvPr/>
+        </p:nvPicPr>
+        <p:blipFill>
+          <a:blip r:embed="rId2"/>
+          <a:stretch/>
+        </p:blipFill>
+        <p:spPr>
+          <a:xfrm>
+            <a:off x="6336000" y="1828800"/>
+            <a:ext cx="3905280" cy="1047240"/>
+          </a:xfrm>
+          <a:prstGeom prst="rect">
+            <a:avLst/>
+          </a:prstGeom>
+          <a:ln>
+            <a:noFill/>
+          </a:ln>
+        </p:spPr>
+      </p:pic>
     </p:spTree>
   </p:cSld>
   <p:timing>
@@ -11620,6 +12235,613 @@
           <p:childTnLst>
             <p:seq>
               <p:cTn id="32" nodeType="mainSeq"/>
+              <p:prevCondLst>
+                <p:cond delay="0" evt="onPrev">
+                  <p:tgtEl>
+                    <p:sldTgt/>
+                  </p:tgtEl>
+                </p:cond>
+              </p:prevCondLst>
+              <p:nextCondLst>
+                <p:cond delay="0" evt="onNext">
+                  <p:tgtEl>
+                    <p:sldTgt/>
+                  </p:tgtEl>
+                </p:cond>
+              </p:nextCondLst>
+            </p:seq>
+          </p:childTnLst>
+        </p:cTn>
+      </p:par>
+    </p:tnLst>
+  </p:timing>
+</p:sld>
+</file>
+
+<file path=ppt/slides/slide17.xml><?xml version="1.0" encoding="utf-8"?>
+<p:sld xmlns:a="http://schemas.openxmlformats.org/drawingml/2006/main" xmlns:p="http://schemas.openxmlformats.org/presentationml/2006/main" xmlns:r="http://schemas.openxmlformats.org/officeDocument/2006/relationships">
+  <p:cSld>
+    <p:spTree>
+      <p:nvGrpSpPr>
+        <p:cNvPr id="1" name=""/>
+        <p:cNvGrpSpPr/>
+        <p:nvPr/>
+      </p:nvGrpSpPr>
+      <p:grpSpPr>
+        <a:xfrm>
+          <a:off x="0" y="0"/>
+          <a:ext cx="0" cy="0"/>
+          <a:chOff x="0" y="0"/>
+          <a:chExt cx="0" cy="0"/>
+        </a:xfrm>
+      </p:grpSpPr>
+      <p:sp>
+        <p:nvSpPr>
+          <p:cNvPr id="223" name="CustomShape 1"/>
+          <p:cNvSpPr/>
+          <p:nvPr/>
+        </p:nvSpPr>
+        <p:spPr>
+          <a:xfrm>
+            <a:off x="274320" y="635040"/>
+            <a:ext cx="9786600" cy="644760"/>
+          </a:xfrm>
+          <a:prstGeom prst="rect">
+            <a:avLst/>
+          </a:prstGeom>
+          <a:noFill/>
+          <a:ln>
+            <a:noFill/>
+          </a:ln>
+        </p:spPr>
+        <p:style>
+          <a:lnRef idx="0"/>
+          <a:fillRef idx="0"/>
+          <a:effectRef idx="0"/>
+          <a:fontRef idx="minor"/>
+        </p:style>
+        <p:txBody>
+          <a:bodyPr lIns="90000" rIns="90000" tIns="112680" bIns="45000"/>
+          <a:p>
+            <a:pPr>
+              <a:lnSpc>
+                <a:spcPct val="100000"/>
+              </a:lnSpc>
+            </a:pPr>
+            <a:r>
+              <a:rPr b="1" lang="en-US" sz="2400" spc="-1" strike="noStrike">
+                <a:solidFill>
+                  <a:srgbClr val="002060"/>
+                </a:solidFill>
+                <a:uFill>
+                  <a:solidFill>
+                    <a:srgbClr val="ffffff"/>
+                  </a:solidFill>
+                </a:uFill>
+                <a:latin typeface="Arial"/>
+                <a:ea typeface="MS PGothic"/>
+              </a:rPr>
+              <a:t>Test application – test Cloudant createDocument</a:t>
+            </a:r>
+            <a:endParaRPr/>
+          </a:p>
+        </p:txBody>
+      </p:sp>
+      <p:sp>
+        <p:nvSpPr>
+          <p:cNvPr id="224" name="CustomShape 2"/>
+          <p:cNvSpPr/>
+          <p:nvPr/>
+        </p:nvSpPr>
+        <p:spPr>
+          <a:xfrm>
+            <a:off x="274320" y="1280160"/>
+            <a:ext cx="11612520" cy="457200"/>
+          </a:xfrm>
+          <a:prstGeom prst="rect">
+            <a:avLst/>
+          </a:prstGeom>
+          <a:noFill/>
+          <a:ln>
+            <a:noFill/>
+          </a:ln>
+        </p:spPr>
+        <p:style>
+          <a:lnRef idx="0"/>
+          <a:fillRef idx="0"/>
+          <a:effectRef idx="0"/>
+          <a:fontRef idx="minor"/>
+        </p:style>
+        <p:txBody>
+          <a:bodyPr lIns="90000" rIns="90000" tIns="45000" bIns="45000"/>
+          <a:p>
+            <a:r>
+              <a:rPr lang="en-US" sz="1800" spc="-1" strike="noStrike">
+                <a:solidFill>
+                  <a:srgbClr val="000000"/>
+                </a:solidFill>
+                <a:uFill>
+                  <a:solidFill>
+                    <a:srgbClr val="ffffff"/>
+                  </a:solidFill>
+                </a:uFill>
+                <a:latin typeface="Arial"/>
+                <a:ea typeface="DejaVu Sans"/>
+              </a:rPr>
+              <a:t>In Chrome REST client enter these parameters:</a:t>
+            </a:r>
+            <a:endParaRPr/>
+          </a:p>
+          <a:p>
+            <a:endParaRPr/>
+          </a:p>
+          <a:p>
+            <a:endParaRPr/>
+          </a:p>
+        </p:txBody>
+      </p:sp>
+      <p:sp>
+        <p:nvSpPr>
+          <p:cNvPr id="225" name="CustomShape 3"/>
+          <p:cNvSpPr/>
+          <p:nvPr/>
+        </p:nvSpPr>
+        <p:spPr>
+          <a:xfrm>
+            <a:off x="6217560" y="1280160"/>
+            <a:ext cx="5669280" cy="457200"/>
+          </a:xfrm>
+          <a:prstGeom prst="rect">
+            <a:avLst/>
+          </a:prstGeom>
+          <a:noFill/>
+          <a:ln>
+            <a:noFill/>
+          </a:ln>
+        </p:spPr>
+        <p:style>
+          <a:lnRef idx="0"/>
+          <a:fillRef idx="0"/>
+          <a:effectRef idx="0"/>
+          <a:fontRef idx="minor"/>
+        </p:style>
+        <p:txBody>
+          <a:bodyPr lIns="90000" rIns="90000" tIns="45000" bIns="45000"/>
+          <a:p>
+            <a:r>
+              <a:rPr lang="en-US" sz="1800" spc="-1" strike="noStrike">
+                <a:solidFill>
+                  <a:srgbClr val="000000"/>
+                </a:solidFill>
+                <a:uFill>
+                  <a:solidFill>
+                    <a:srgbClr val="ffffff"/>
+                  </a:solidFill>
+                </a:uFill>
+                <a:latin typeface="Arial"/>
+                <a:ea typeface="DejaVu Sans"/>
+              </a:rPr>
+              <a:t>You should receive similar response.</a:t>
+            </a:r>
+            <a:endParaRPr/>
+          </a:p>
+          <a:p>
+            <a:endParaRPr/>
+          </a:p>
+          <a:p>
+            <a:endParaRPr/>
+          </a:p>
+        </p:txBody>
+      </p:sp>
+      <p:pic>
+        <p:nvPicPr>
+          <p:cNvPr id="226" name="" descr=""/>
+          <p:cNvPicPr/>
+          <p:nvPr/>
+        </p:nvPicPr>
+        <p:blipFill>
+          <a:blip r:embed="rId1"/>
+          <a:stretch/>
+        </p:blipFill>
+        <p:spPr>
+          <a:xfrm>
+            <a:off x="365760" y="1920240"/>
+            <a:ext cx="5600880" cy="4276800"/>
+          </a:xfrm>
+          <a:prstGeom prst="rect">
+            <a:avLst/>
+          </a:prstGeom>
+          <a:ln>
+            <a:noFill/>
+          </a:ln>
+        </p:spPr>
+      </p:pic>
+      <p:pic>
+        <p:nvPicPr>
+          <p:cNvPr id="227" name="" descr=""/>
+          <p:cNvPicPr/>
+          <p:nvPr/>
+        </p:nvPicPr>
+        <p:blipFill>
+          <a:blip r:embed="rId2"/>
+          <a:stretch/>
+        </p:blipFill>
+        <p:spPr>
+          <a:xfrm>
+            <a:off x="6356520" y="1828800"/>
+            <a:ext cx="5439240" cy="754920"/>
+          </a:xfrm>
+          <a:prstGeom prst="rect">
+            <a:avLst/>
+          </a:prstGeom>
+          <a:ln>
+            <a:noFill/>
+          </a:ln>
+        </p:spPr>
+      </p:pic>
+    </p:spTree>
+  </p:cSld>
+  <p:timing>
+    <p:tnLst>
+      <p:par>
+        <p:cTn id="33" dur="indefinite" restart="never" nodeType="tmRoot">
+          <p:childTnLst>
+            <p:seq>
+              <p:cTn id="34" nodeType="mainSeq"/>
+              <p:prevCondLst>
+                <p:cond delay="0" evt="onPrev">
+                  <p:tgtEl>
+                    <p:sldTgt/>
+                  </p:tgtEl>
+                </p:cond>
+              </p:prevCondLst>
+              <p:nextCondLst>
+                <p:cond delay="0" evt="onNext">
+                  <p:tgtEl>
+                    <p:sldTgt/>
+                  </p:tgtEl>
+                </p:cond>
+              </p:nextCondLst>
+            </p:seq>
+          </p:childTnLst>
+        </p:cTn>
+      </p:par>
+    </p:tnLst>
+  </p:timing>
+</p:sld>
+</file>
+
+<file path=ppt/slides/slide18.xml><?xml version="1.0" encoding="utf-8"?>
+<p:sld xmlns:a="http://schemas.openxmlformats.org/drawingml/2006/main" xmlns:p="http://schemas.openxmlformats.org/presentationml/2006/main" xmlns:r="http://schemas.openxmlformats.org/officeDocument/2006/relationships">
+  <p:cSld>
+    <p:spTree>
+      <p:nvGrpSpPr>
+        <p:cNvPr id="1" name=""/>
+        <p:cNvGrpSpPr/>
+        <p:nvPr/>
+      </p:nvGrpSpPr>
+      <p:grpSpPr>
+        <a:xfrm>
+          <a:off x="0" y="0"/>
+          <a:ext cx="0" cy="0"/>
+          <a:chOff x="0" y="0"/>
+          <a:chExt cx="0" cy="0"/>
+        </a:xfrm>
+      </p:grpSpPr>
+      <p:sp>
+        <p:nvSpPr>
+          <p:cNvPr id="228" name="CustomShape 1"/>
+          <p:cNvSpPr/>
+          <p:nvPr/>
+        </p:nvSpPr>
+        <p:spPr>
+          <a:xfrm>
+            <a:off x="274320" y="635040"/>
+            <a:ext cx="9786600" cy="644760"/>
+          </a:xfrm>
+          <a:prstGeom prst="rect">
+            <a:avLst/>
+          </a:prstGeom>
+          <a:noFill/>
+          <a:ln>
+            <a:noFill/>
+          </a:ln>
+        </p:spPr>
+        <p:style>
+          <a:lnRef idx="0"/>
+          <a:fillRef idx="0"/>
+          <a:effectRef idx="0"/>
+          <a:fontRef idx="minor"/>
+        </p:style>
+        <p:txBody>
+          <a:bodyPr lIns="90000" rIns="90000" tIns="112680" bIns="45000"/>
+          <a:p>
+            <a:pPr>
+              <a:lnSpc>
+                <a:spcPct val="100000"/>
+              </a:lnSpc>
+            </a:pPr>
+            <a:r>
+              <a:rPr b="1" lang="en-US" sz="2400" spc="-1" strike="noStrike">
+                <a:solidFill>
+                  <a:srgbClr val="002060"/>
+                </a:solidFill>
+                <a:uFill>
+                  <a:solidFill>
+                    <a:srgbClr val="ffffff"/>
+                  </a:solidFill>
+                </a:uFill>
+                <a:latin typeface="Arial"/>
+                <a:ea typeface="MS PGothic"/>
+              </a:rPr>
+              <a:t>Test application – test Cloudant getDocument</a:t>
+            </a:r>
+            <a:endParaRPr/>
+          </a:p>
+        </p:txBody>
+      </p:sp>
+      <p:sp>
+        <p:nvSpPr>
+          <p:cNvPr id="229" name="CustomShape 2"/>
+          <p:cNvSpPr/>
+          <p:nvPr/>
+        </p:nvSpPr>
+        <p:spPr>
+          <a:xfrm>
+            <a:off x="274320" y="1280160"/>
+            <a:ext cx="11612520" cy="457200"/>
+          </a:xfrm>
+          <a:prstGeom prst="rect">
+            <a:avLst/>
+          </a:prstGeom>
+          <a:noFill/>
+          <a:ln>
+            <a:noFill/>
+          </a:ln>
+        </p:spPr>
+        <p:style>
+          <a:lnRef idx="0"/>
+          <a:fillRef idx="0"/>
+          <a:effectRef idx="0"/>
+          <a:fontRef idx="minor"/>
+        </p:style>
+        <p:txBody>
+          <a:bodyPr lIns="90000" rIns="90000" tIns="45000" bIns="45000"/>
+          <a:p>
+            <a:r>
+              <a:rPr lang="en-US" sz="1800" spc="-1" strike="noStrike">
+                <a:solidFill>
+                  <a:srgbClr val="000000"/>
+                </a:solidFill>
+                <a:uFill>
+                  <a:solidFill>
+                    <a:srgbClr val="ffffff"/>
+                  </a:solidFill>
+                </a:uFill>
+                <a:latin typeface="Arial"/>
+                <a:ea typeface="DejaVu Sans"/>
+              </a:rPr>
+              <a:t>In Chrome REST client enter these parameters:</a:t>
+            </a:r>
+            <a:endParaRPr/>
+          </a:p>
+          <a:p>
+            <a:endParaRPr/>
+          </a:p>
+          <a:p>
+            <a:endParaRPr/>
+          </a:p>
+        </p:txBody>
+      </p:sp>
+      <p:sp>
+        <p:nvSpPr>
+          <p:cNvPr id="230" name="CustomShape 3"/>
+          <p:cNvSpPr/>
+          <p:nvPr/>
+        </p:nvSpPr>
+        <p:spPr>
+          <a:xfrm>
+            <a:off x="6217560" y="1280160"/>
+            <a:ext cx="5669280" cy="457200"/>
+          </a:xfrm>
+          <a:prstGeom prst="rect">
+            <a:avLst/>
+          </a:prstGeom>
+          <a:noFill/>
+          <a:ln>
+            <a:noFill/>
+          </a:ln>
+        </p:spPr>
+        <p:style>
+          <a:lnRef idx="0"/>
+          <a:fillRef idx="0"/>
+          <a:effectRef idx="0"/>
+          <a:fontRef idx="minor"/>
+        </p:style>
+        <p:txBody>
+          <a:bodyPr lIns="90000" rIns="90000" tIns="45000" bIns="45000"/>
+          <a:p>
+            <a:r>
+              <a:rPr lang="en-US" sz="1800" spc="-1" strike="noStrike">
+                <a:solidFill>
+                  <a:srgbClr val="000000"/>
+                </a:solidFill>
+                <a:uFill>
+                  <a:solidFill>
+                    <a:srgbClr val="ffffff"/>
+                  </a:solidFill>
+                </a:uFill>
+                <a:latin typeface="Arial"/>
+                <a:ea typeface="DejaVu Sans"/>
+              </a:rPr>
+              <a:t>You should receive similar response.</a:t>
+            </a:r>
+            <a:endParaRPr/>
+          </a:p>
+          <a:p>
+            <a:endParaRPr/>
+          </a:p>
+          <a:p>
+            <a:endParaRPr/>
+          </a:p>
+        </p:txBody>
+      </p:sp>
+      <p:pic>
+        <p:nvPicPr>
+          <p:cNvPr id="231" name="" descr=""/>
+          <p:cNvPicPr/>
+          <p:nvPr/>
+        </p:nvPicPr>
+        <p:blipFill>
+          <a:blip r:embed="rId1"/>
+          <a:stretch/>
+        </p:blipFill>
+        <p:spPr>
+          <a:xfrm>
+            <a:off x="350280" y="1828800"/>
+            <a:ext cx="4953240" cy="4295880"/>
+          </a:xfrm>
+          <a:prstGeom prst="rect">
+            <a:avLst/>
+          </a:prstGeom>
+          <a:ln>
+            <a:noFill/>
+          </a:ln>
+        </p:spPr>
+      </p:pic>
+      <p:pic>
+        <p:nvPicPr>
+          <p:cNvPr id="232" name="" descr=""/>
+          <p:cNvPicPr/>
+          <p:nvPr/>
+        </p:nvPicPr>
+        <p:blipFill>
+          <a:blip r:embed="rId2"/>
+          <a:stretch/>
+        </p:blipFill>
+        <p:spPr>
+          <a:xfrm>
+            <a:off x="6301800" y="1840680"/>
+            <a:ext cx="3390840" cy="1085400"/>
+          </a:xfrm>
+          <a:prstGeom prst="rect">
+            <a:avLst/>
+          </a:prstGeom>
+          <a:ln>
+            <a:noFill/>
+          </a:ln>
+        </p:spPr>
+      </p:pic>
+    </p:spTree>
+  </p:cSld>
+  <p:timing>
+    <p:tnLst>
+      <p:par>
+        <p:cTn id="35" dur="indefinite" restart="never" nodeType="tmRoot">
+          <p:childTnLst>
+            <p:seq>
+              <p:cTn id="36" nodeType="mainSeq"/>
+              <p:prevCondLst>
+                <p:cond delay="0" evt="onPrev">
+                  <p:tgtEl>
+                    <p:sldTgt/>
+                  </p:tgtEl>
+                </p:cond>
+              </p:prevCondLst>
+              <p:nextCondLst>
+                <p:cond delay="0" evt="onNext">
+                  <p:tgtEl>
+                    <p:sldTgt/>
+                  </p:tgtEl>
+                </p:cond>
+              </p:nextCondLst>
+            </p:seq>
+          </p:childTnLst>
+        </p:cTn>
+      </p:par>
+    </p:tnLst>
+  </p:timing>
+</p:sld>
+</file>
+
+<file path=ppt/slides/slide19.xml><?xml version="1.0" encoding="utf-8"?>
+<p:sld xmlns:a="http://schemas.openxmlformats.org/drawingml/2006/main" xmlns:p="http://schemas.openxmlformats.org/presentationml/2006/main" xmlns:r="http://schemas.openxmlformats.org/officeDocument/2006/relationships">
+  <p:cSld>
+    <p:spTree>
+      <p:nvGrpSpPr>
+        <p:cNvPr id="1" name=""/>
+        <p:cNvGrpSpPr/>
+        <p:nvPr/>
+      </p:nvGrpSpPr>
+      <p:grpSpPr>
+        <a:xfrm>
+          <a:off x="0" y="0"/>
+          <a:ext cx="0" cy="0"/>
+          <a:chOff x="0" y="0"/>
+          <a:chExt cx="0" cy="0"/>
+        </a:xfrm>
+      </p:grpSpPr>
+      <p:sp>
+        <p:nvSpPr>
+          <p:cNvPr id="233" name="CustomShape 1"/>
+          <p:cNvSpPr/>
+          <p:nvPr/>
+        </p:nvSpPr>
+        <p:spPr>
+          <a:xfrm>
+            <a:off x="1982160" y="2895480"/>
+            <a:ext cx="8223480" cy="387360"/>
+          </a:xfrm>
+          <a:prstGeom prst="rect">
+            <a:avLst/>
+          </a:prstGeom>
+          <a:noFill/>
+          <a:ln>
+            <a:noFill/>
+          </a:ln>
+        </p:spPr>
+        <p:style>
+          <a:lnRef idx="0"/>
+          <a:fillRef idx="0"/>
+          <a:effectRef idx="0"/>
+          <a:fontRef idx="minor"/>
+        </p:style>
+        <p:txBody>
+          <a:bodyPr lIns="90000" rIns="90000" tIns="91440" bIns="45000"/>
+          <a:p>
+            <a:pPr algn="ctr">
+              <a:lnSpc>
+                <a:spcPct val="100000"/>
+              </a:lnSpc>
+            </a:pPr>
+            <a:r>
+              <a:rPr b="1" lang="en-US" sz="3200" spc="-1" strike="noStrike">
+                <a:solidFill>
+                  <a:srgbClr val="002060"/>
+                </a:solidFill>
+                <a:uFill>
+                  <a:solidFill>
+                    <a:srgbClr val="ffffff"/>
+                  </a:solidFill>
+                </a:uFill>
+                <a:latin typeface="Arial"/>
+                <a:ea typeface="MS PGothic"/>
+              </a:rPr>
+              <a:t>Questions?</a:t>
+            </a:r>
+            <a:endParaRPr/>
+          </a:p>
+        </p:txBody>
+      </p:sp>
+    </p:spTree>
+  </p:cSld>
+  <p:timing>
+    <p:tnLst>
+      <p:par>
+        <p:cTn id="37" dur="indefinite" restart="never" nodeType="tmRoot">
+          <p:childTnLst>
+            <p:seq>
+              <p:cTn id="38" nodeType="mainSeq"/>
               <p:prevCondLst>
                 <p:cond delay="0" evt="onPrev">
                   <p:tgtEl>
@@ -11669,7 +12891,7 @@
         <p:spPr>
           <a:xfrm>
             <a:off x="358920" y="609480"/>
-            <a:ext cx="6761520" cy="761400"/>
+            <a:ext cx="6761160" cy="761040"/>
           </a:xfrm>
           <a:prstGeom prst="rect">
             <a:avLst/>
@@ -11706,7 +12928,7 @@
                 <a:latin typeface="Arial"/>
                 <a:ea typeface="MS PGothic"/>
               </a:rPr>
-              <a:t>Use case</a:t>
+              <a:t>High level interaction diagram</a:t>
             </a:r>
             <a:endParaRPr/>
           </a:p>
@@ -11721,7 +12943,7 @@
         <p:spPr>
           <a:xfrm>
             <a:off x="504360" y="1463040"/>
-            <a:ext cx="2497680" cy="306720"/>
+            <a:ext cx="2497320" cy="306360"/>
           </a:xfrm>
           <a:prstGeom prst="rect">
             <a:avLst/>
@@ -11773,7 +12995,7 @@
         <p:spPr>
           <a:xfrm>
             <a:off x="3743640" y="1425600"/>
-            <a:ext cx="3113640" cy="446400"/>
+            <a:ext cx="3113280" cy="446040"/>
           </a:xfrm>
           <a:prstGeom prst="rect">
             <a:avLst/>
@@ -11825,7 +13047,7 @@
         <p:spPr>
           <a:xfrm>
             <a:off x="3743640" y="1951920"/>
-            <a:ext cx="3113640" cy="1522080"/>
+            <a:ext cx="3113280" cy="1521720"/>
           </a:xfrm>
           <a:prstGeom prst="rect">
             <a:avLst/>
@@ -11860,7 +13082,7 @@
         <p:spPr>
           <a:xfrm>
             <a:off x="3826800" y="2088000"/>
-            <a:ext cx="1349280" cy="1222200"/>
+            <a:ext cx="1348920" cy="1221840"/>
           </a:xfrm>
           <a:prstGeom prst="rect">
             <a:avLst/>
@@ -11883,7 +13105,7 @@
         <p:spPr>
           <a:xfrm>
             <a:off x="5564160" y="2106360"/>
-            <a:ext cx="1169280" cy="1217520"/>
+            <a:ext cx="1168920" cy="1217160"/>
           </a:xfrm>
           <a:prstGeom prst="rect">
             <a:avLst/>
@@ -11901,8 +13123,8 @@
         </p:nvSpPr>
         <p:spPr>
           <a:xfrm flipV="1">
-            <a:off x="2608560" y="2584800"/>
-            <a:ext cx="1134000" cy="2160"/>
+            <a:off x="2608560" y="2584080"/>
+            <a:ext cx="1133640" cy="1800"/>
           </a:xfrm>
           <a:custGeom>
             <a:avLst/>
@@ -11946,7 +13168,7 @@
         <p:spPr>
           <a:xfrm>
             <a:off x="2849760" y="2372760"/>
-            <a:ext cx="575280" cy="251280"/>
+            <a:ext cx="574920" cy="250920"/>
           </a:xfrm>
           <a:prstGeom prst="rect">
             <a:avLst/>
@@ -12002,7 +13224,7 @@
         <p:spPr>
           <a:xfrm>
             <a:off x="711360" y="1770480"/>
-            <a:ext cx="1924560" cy="1977840"/>
+            <a:ext cx="1924200" cy="1977480"/>
           </a:xfrm>
           <a:prstGeom prst="rect">
             <a:avLst/>
@@ -12025,7 +13247,7 @@
         <p:spPr>
           <a:xfrm>
             <a:off x="8412480" y="1903680"/>
-            <a:ext cx="2033280" cy="1661760"/>
+            <a:ext cx="2032920" cy="1661400"/>
           </a:xfrm>
           <a:prstGeom prst="rect">
             <a:avLst/>
@@ -12048,7 +13270,7 @@
         <p:spPr>
           <a:xfrm>
             <a:off x="8564400" y="3596040"/>
-            <a:ext cx="1881360" cy="1615320"/>
+            <a:ext cx="1881000" cy="1614960"/>
           </a:xfrm>
           <a:prstGeom prst="rect">
             <a:avLst/>
@@ -12067,7 +13289,7 @@
         <p:spPr>
           <a:xfrm>
             <a:off x="6858000" y="2834640"/>
-            <a:ext cx="2102400" cy="1553760"/>
+            <a:ext cx="2102040" cy="1553400"/>
           </a:xfrm>
           <a:custGeom>
             <a:avLst/>
@@ -12111,7 +13333,7 @@
         <p:spPr>
           <a:xfrm>
             <a:off x="6858000" y="2706480"/>
-            <a:ext cx="2102400" cy="360"/>
+            <a:ext cx="2102040" cy="360"/>
           </a:xfrm>
           <a:custGeom>
             <a:avLst/>
@@ -12155,7 +13377,7 @@
         <p:spPr>
           <a:xfrm>
             <a:off x="7858440" y="1381680"/>
-            <a:ext cx="3113640" cy="446400"/>
+            <a:ext cx="3113280" cy="446040"/>
           </a:xfrm>
           <a:prstGeom prst="rect">
             <a:avLst/>
@@ -12207,7 +13429,7 @@
         <p:spPr>
           <a:xfrm>
             <a:off x="7562880" y="2327040"/>
-            <a:ext cx="575280" cy="379440"/>
+            <a:ext cx="574920" cy="379080"/>
           </a:xfrm>
           <a:prstGeom prst="rect">
             <a:avLst/>
@@ -12259,7 +13481,7 @@
         <p:spPr>
           <a:xfrm>
             <a:off x="7863840" y="3278160"/>
-            <a:ext cx="575280" cy="379440"/>
+            <a:ext cx="574920" cy="379080"/>
           </a:xfrm>
           <a:prstGeom prst="rect">
             <a:avLst/>
@@ -12360,7 +13582,7 @@
         <p:spPr>
           <a:xfrm>
             <a:off x="358920" y="609480"/>
-            <a:ext cx="11528280" cy="761400"/>
+            <a:ext cx="11527920" cy="761040"/>
           </a:xfrm>
           <a:prstGeom prst="rect">
             <a:avLst/>
@@ -12397,7 +13619,7 @@
                 <a:latin typeface="Arial"/>
                 <a:ea typeface="MS PGothic"/>
               </a:rPr>
-              <a:t>Application architecture (Cloudant example flow)</a:t>
+              <a:t>Application architecture (Cloudant example control and data flow)</a:t>
             </a:r>
             <a:endParaRPr/>
           </a:p>
@@ -12412,7 +13634,7 @@
         <p:spPr>
           <a:xfrm>
             <a:off x="1920240" y="1404000"/>
-            <a:ext cx="3114360" cy="1522080"/>
+            <a:ext cx="3114000" cy="1521720"/>
           </a:xfrm>
           <a:prstGeom prst="rect">
             <a:avLst/>
@@ -12437,8 +13659,17 @@
           <a:bodyPr lIns="90000" rIns="90000" tIns="45000" bIns="45000"/>
           <a:p>
             <a:r>
-              <a:rPr b="1" lang="en-US" sz="1800" spc="-1">
+              <a:rPr b="1" lang="en-US" sz="1800" spc="-1" strike="noStrike">
+                <a:solidFill>
+                  <a:srgbClr val="000000"/>
+                </a:solidFill>
+                <a:uFill>
+                  <a:solidFill>
+                    <a:srgbClr val="ffffff"/>
+                  </a:solidFill>
+                </a:uFill>
                 <a:latin typeface="Arial"/>
+                <a:ea typeface="DejaVu Sans"/>
               </a:rPr>
               <a:t>CloudantController</a:t>
             </a:r>
@@ -12446,8 +13677,17 @@
           </a:p>
           <a:p>
             <a:r>
-              <a:rPr lang="en-US" sz="1800" spc="-1">
+              <a:rPr lang="en-US" sz="1800" spc="-1" strike="noStrike">
+                <a:solidFill>
+                  <a:srgbClr val="000000"/>
+                </a:solidFill>
+                <a:uFill>
+                  <a:solidFill>
+                    <a:srgbClr val="ffffff"/>
+                  </a:solidFill>
+                </a:uFill>
                 <a:latin typeface="Arial"/>
+                <a:ea typeface="DejaVu Sans"/>
               </a:rPr>
               <a:t>Accepts REST calls and delegates them to Cloudant Service methods.</a:t>
             </a:r>
@@ -12463,8 +13703,8 @@
         </p:nvSpPr>
         <p:spPr>
           <a:xfrm flipH="1">
-            <a:off x="341640" y="1860120"/>
-            <a:ext cx="1554480" cy="360"/>
+            <a:off x="274320" y="1859760"/>
+            <a:ext cx="1645920" cy="360"/>
           </a:xfrm>
           <a:custGeom>
             <a:avLst/>
@@ -12505,8 +13745,17 @@
           </a:p>
           <a:p>
             <a:r>
-              <a:rPr lang="en-US" sz="1800" spc="-1">
+              <a:rPr lang="en-US" sz="1800" spc="-1" strike="noStrike">
+                <a:solidFill>
+                  <a:srgbClr val="000000"/>
+                </a:solidFill>
+                <a:uFill>
+                  <a:solidFill>
+                    <a:srgbClr val="ffffff"/>
+                  </a:solidFill>
+                </a:uFill>
                 <a:latin typeface="Arial"/>
+                <a:ea typeface="DejaVu Sans"/>
               </a:rPr>
               <a:t>REST call</a:t>
             </a:r>
@@ -12526,8 +13775,8 @@
         </p:blipFill>
         <p:spPr>
           <a:xfrm>
-            <a:off x="8412480" y="1903680"/>
-            <a:ext cx="2033280" cy="1661760"/>
+            <a:off x="8412480" y="1920240"/>
+            <a:ext cx="2032920" cy="1661400"/>
           </a:xfrm>
           <a:prstGeom prst="rect">
             <a:avLst/>
@@ -12549,8 +13798,8 @@
         </p:blipFill>
         <p:spPr>
           <a:xfrm>
-            <a:off x="8564400" y="3596040"/>
-            <a:ext cx="1881360" cy="1615320"/>
+            <a:off x="8503920" y="3322800"/>
+            <a:ext cx="1881000" cy="1614960"/>
           </a:xfrm>
           <a:prstGeom prst="rect">
             <a:avLst/>
@@ -12569,7 +13818,7 @@
         <p:spPr>
           <a:xfrm>
             <a:off x="5029200" y="3931920"/>
-            <a:ext cx="3931920" cy="457200"/>
+            <a:ext cx="3931560" cy="182880"/>
           </a:xfrm>
           <a:custGeom>
             <a:avLst/>
@@ -12613,7 +13862,7 @@
         <p:spPr>
           <a:xfrm>
             <a:off x="7858440" y="1381680"/>
-            <a:ext cx="3113640" cy="446400"/>
+            <a:ext cx="3113280" cy="446040"/>
           </a:xfrm>
           <a:prstGeom prst="rect">
             <a:avLst/>
@@ -12665,7 +13914,7 @@
         <p:spPr>
           <a:xfrm>
             <a:off x="1920240" y="4970160"/>
-            <a:ext cx="3113640" cy="1522080"/>
+            <a:ext cx="3113280" cy="1521720"/>
           </a:xfrm>
           <a:prstGeom prst="rect">
             <a:avLst/>
@@ -12690,8 +13939,17 @@
           <a:bodyPr lIns="90000" rIns="90000" tIns="45000" bIns="45000"/>
           <a:p>
             <a:r>
-              <a:rPr b="1" lang="en-US" sz="1800" spc="-1">
+              <a:rPr b="1" lang="en-US" sz="1800" spc="-1" strike="noStrike">
+                <a:solidFill>
+                  <a:srgbClr val="000000"/>
+                </a:solidFill>
+                <a:uFill>
+                  <a:solidFill>
+                    <a:srgbClr val="ffffff"/>
+                  </a:solidFill>
+                </a:uFill>
                 <a:latin typeface="Arial"/>
+                <a:ea typeface="DejaVu Sans"/>
               </a:rPr>
               <a:t>ServiceDiscovery</a:t>
             </a:r>
@@ -12699,8 +13957,17 @@
           </a:p>
           <a:p>
             <a:r>
-              <a:rPr lang="en-US" sz="1800" spc="-1">
+              <a:rPr lang="en-US" sz="1800" spc="-1" strike="noStrike">
+                <a:solidFill>
+                  <a:srgbClr val="000000"/>
+                </a:solidFill>
+                <a:uFill>
+                  <a:solidFill>
+                    <a:srgbClr val="ffffff"/>
+                  </a:solidFill>
+                </a:uFill>
                 <a:latin typeface="Arial"/>
+                <a:ea typeface="DejaVu Sans"/>
               </a:rPr>
               <a:t>Parses VCAP_SERVICES variable and provides connection to underlying Bluemix services.</a:t>
             </a:r>
@@ -12717,7 +13984,7 @@
         <p:spPr>
           <a:xfrm>
             <a:off x="1915560" y="3200400"/>
-            <a:ext cx="3113640" cy="1522080"/>
+            <a:ext cx="3113280" cy="1521720"/>
           </a:xfrm>
           <a:prstGeom prst="rect">
             <a:avLst/>
@@ -12742,8 +14009,17 @@
           <a:bodyPr lIns="90000" rIns="90000" tIns="45000" bIns="45000"/>
           <a:p>
             <a:r>
-              <a:rPr b="1" lang="en-US" sz="1800" spc="-1">
+              <a:rPr b="1" lang="en-US" sz="1800" spc="-1" strike="noStrike">
+                <a:solidFill>
+                  <a:srgbClr val="000000"/>
+                </a:solidFill>
+                <a:uFill>
+                  <a:solidFill>
+                    <a:srgbClr val="ffffff"/>
+                  </a:solidFill>
+                </a:uFill>
                 <a:latin typeface="Arial"/>
+                <a:ea typeface="DejaVu Sans"/>
               </a:rPr>
               <a:t>CloudantService</a:t>
             </a:r>
@@ -12751,8 +14027,17 @@
           </a:p>
           <a:p>
             <a:r>
-              <a:rPr lang="en-US" sz="1800" spc="-1">
+              <a:rPr lang="en-US" sz="1800" spc="-1" strike="noStrike">
+                <a:solidFill>
+                  <a:srgbClr val="000000"/>
+                </a:solidFill>
+                <a:uFill>
+                  <a:solidFill>
+                    <a:srgbClr val="ffffff"/>
+                  </a:solidFill>
+                </a:uFill>
                 <a:latin typeface="Arial"/>
+                <a:ea typeface="DejaVu Sans"/>
               </a:rPr>
               <a:t>Accepts Java method calls and converts them to underlying Bluemix database API calls.</a:t>
             </a:r>
@@ -12768,8 +14053,8 @@
         </p:nvSpPr>
         <p:spPr>
           <a:xfrm flipH="1">
-            <a:off x="5029200" y="2651760"/>
-            <a:ext cx="3931920" cy="1280160"/>
+            <a:off x="5028480" y="2743200"/>
+            <a:ext cx="3931560" cy="1188360"/>
           </a:xfrm>
           <a:custGeom>
             <a:avLst/>
@@ -12807,8 +14092,17 @@
           <a:bodyPr lIns="90000" rIns="90000" tIns="45000" bIns="45000"/>
           <a:p>
             <a:r>
-              <a:rPr lang="en-US" sz="1800" spc="-1">
+              <a:rPr lang="en-US" sz="1800" spc="-1" strike="noStrike">
+                <a:solidFill>
+                  <a:srgbClr val="000000"/>
+                </a:solidFill>
+                <a:uFill>
+                  <a:solidFill>
+                    <a:srgbClr val="ffffff"/>
+                  </a:solidFill>
+                </a:uFill>
                 <a:latin typeface="Arial"/>
+                <a:ea typeface="DejaVu Sans"/>
               </a:rPr>
               <a:t>Bluemix service API call</a:t>
             </a:r>
@@ -12828,7 +14122,7 @@
         <p:spPr>
           <a:xfrm>
             <a:off x="3383280" y="2926080"/>
-            <a:ext cx="360" cy="274320"/>
+            <a:ext cx="360" cy="273960"/>
           </a:xfrm>
           <a:custGeom>
             <a:avLst/>
@@ -12872,7 +14166,7 @@
         <p:spPr>
           <a:xfrm>
             <a:off x="3383280" y="4722480"/>
-            <a:ext cx="360" cy="274320"/>
+            <a:ext cx="360" cy="273960"/>
           </a:xfrm>
           <a:custGeom>
             <a:avLst/>
@@ -12897,6 +14191,120 @@
             </a:solidFill>
             <a:round/>
             <a:headEnd len="sm" type="oval" w="lg"/>
+            <a:tailEnd len="med" type="triangle" w="med"/>
+          </a:ln>
+        </p:spPr>
+        <p:style>
+          <a:lnRef idx="0"/>
+          <a:fillRef idx="0"/>
+          <a:effectRef idx="0"/>
+          <a:fontRef idx="minor"/>
+        </p:style>
+      </p:sp>
+      <p:sp>
+        <p:nvSpPr>
+          <p:cNvPr id="158" name="CustomShape 11"/>
+          <p:cNvSpPr/>
+          <p:nvPr/>
+        </p:nvSpPr>
+        <p:spPr>
+          <a:xfrm>
+            <a:off x="6945120" y="5120640"/>
+            <a:ext cx="3113280" cy="731520"/>
+          </a:xfrm>
+          <a:prstGeom prst="rect">
+            <a:avLst/>
+          </a:prstGeom>
+          <a:solidFill>
+            <a:srgbClr val="ffffff"/>
+          </a:solidFill>
+          <a:ln w="25560">
+            <a:solidFill>
+              <a:srgbClr val="000000"/>
+            </a:solidFill>
+            <a:round/>
+          </a:ln>
+        </p:spPr>
+        <p:style>
+          <a:lnRef idx="0"/>
+          <a:fillRef idx="0"/>
+          <a:effectRef idx="0"/>
+          <a:fontRef idx="minor"/>
+        </p:style>
+        <p:txBody>
+          <a:bodyPr lIns="90000" rIns="90000" tIns="45000" bIns="45000"/>
+          <a:p>
+            <a:r>
+              <a:rPr b="1" lang="en-US" sz="1800" spc="-1" strike="noStrike">
+                <a:solidFill>
+                  <a:srgbClr val="000000"/>
+                </a:solidFill>
+                <a:uFill>
+                  <a:solidFill>
+                    <a:srgbClr val="ffffff"/>
+                  </a:solidFill>
+                </a:uFill>
+                <a:latin typeface="Arial"/>
+                <a:ea typeface="DejaVu Sans"/>
+              </a:rPr>
+              <a:t>Environment variables</a:t>
+            </a:r>
+            <a:endParaRPr/>
+          </a:p>
+          <a:p>
+            <a:r>
+              <a:rPr lang="en-US" sz="1800" spc="-1" strike="noStrike">
+                <a:solidFill>
+                  <a:srgbClr val="000000"/>
+                </a:solidFill>
+                <a:uFill>
+                  <a:solidFill>
+                    <a:srgbClr val="ffffff"/>
+                  </a:solidFill>
+                </a:uFill>
+                <a:latin typeface="Arial"/>
+                <a:ea typeface="DejaVu Sans"/>
+              </a:rPr>
+              <a:t>VCAP_SERVICES</a:t>
+            </a:r>
+            <a:endParaRPr/>
+          </a:p>
+        </p:txBody>
+      </p:sp>
+      <p:sp>
+        <p:nvSpPr>
+          <p:cNvPr id="159" name="CustomShape 12"/>
+          <p:cNvSpPr/>
+          <p:nvPr/>
+        </p:nvSpPr>
+        <p:spPr>
+          <a:xfrm flipV="1">
+            <a:off x="5033520" y="5486400"/>
+            <a:ext cx="1911600" cy="274320"/>
+          </a:xfrm>
+          <a:custGeom>
+            <a:avLst/>
+            <a:gdLst/>
+            <a:ahLst/>
+            <a:rect l="l" t="t" r="r" b="b"/>
+            <a:pathLst>
+              <a:path w="21600" h="21600">
+                <a:moveTo>
+                  <a:pt x="0" y="0"/>
+                </a:moveTo>
+                <a:lnTo>
+                  <a:pt x="21600" y="21600"/>
+                </a:lnTo>
+              </a:path>
+            </a:pathLst>
+          </a:custGeom>
+          <a:noFill/>
+          <a:ln w="25560">
+            <a:solidFill>
+              <a:srgbClr val="000000"/>
+            </a:solidFill>
+            <a:round/>
+            <a:headEnd len="med" type="triangle" w="med"/>
             <a:tailEnd len="med" type="triangle" w="med"/>
           </a:ln>
         </p:spPr>
@@ -12958,14 +14366,14 @@
       </p:grpSpPr>
       <p:sp>
         <p:nvSpPr>
-          <p:cNvPr id="158" name="CustomShape 1"/>
+          <p:cNvPr id="160" name="CustomShape 1"/>
           <p:cNvSpPr/>
           <p:nvPr/>
         </p:nvSpPr>
         <p:spPr>
           <a:xfrm>
             <a:off x="365760" y="1005840"/>
-            <a:ext cx="8224200" cy="388440"/>
+            <a:ext cx="8223840" cy="388080"/>
           </a:xfrm>
           <a:prstGeom prst="rect">
             <a:avLst/>
@@ -13005,14 +14413,14 @@
       </p:sp>
       <p:sp>
         <p:nvSpPr>
-          <p:cNvPr id="159" name="CustomShape 2"/>
+          <p:cNvPr id="161" name="CustomShape 2"/>
           <p:cNvSpPr/>
           <p:nvPr/>
         </p:nvSpPr>
         <p:spPr>
           <a:xfrm>
             <a:off x="349200" y="1873080"/>
-            <a:ext cx="11405160" cy="4489920"/>
+            <a:ext cx="11404800" cy="4489560"/>
           </a:xfrm>
           <a:prstGeom prst="rect">
             <a:avLst/>
@@ -13031,7 +14439,7 @@
         <p:txBody>
           <a:bodyPr lIns="0" rIns="0" tIns="0" bIns="0"/>
           <a:p>
-            <a:pPr marL="216000" indent="-215640">
+            <a:pPr marL="216000" indent="-215280">
               <a:lnSpc>
                 <a:spcPct val="100000"/>
               </a:lnSpc>
@@ -13059,7 +14467,7 @@
             <a:endParaRPr/>
           </a:p>
           <a:p>
-            <a:pPr lvl="1" marL="432000" indent="-215640">
+            <a:pPr lvl="1" marL="432000" indent="-215280">
               <a:lnSpc>
                 <a:spcPct val="100000"/>
               </a:lnSpc>
@@ -13087,7 +14495,7 @@
             <a:endParaRPr/>
           </a:p>
           <a:p>
-            <a:pPr lvl="1" marL="864000" indent="-323280">
+            <a:pPr lvl="1" marL="864000" indent="-322920">
               <a:lnSpc>
                 <a:spcPct val="100000"/>
               </a:lnSpc>
@@ -13115,7 +14523,7 @@
             <a:endParaRPr/>
           </a:p>
           <a:p>
-            <a:pPr lvl="1" marL="864000" indent="-323280">
+            <a:pPr lvl="1" marL="864000" indent="-322920">
               <a:lnSpc>
                 <a:spcPct val="100000"/>
               </a:lnSpc>
@@ -13143,7 +14551,7 @@
             <a:endParaRPr/>
           </a:p>
           <a:p>
-            <a:pPr lvl="1" marL="864000" indent="-323280">
+            <a:pPr lvl="1" marL="864000" indent="-322920">
               <a:lnSpc>
                 <a:spcPct val="100000"/>
               </a:lnSpc>
@@ -13171,7 +14579,7 @@
             <a:endParaRPr/>
           </a:p>
           <a:p>
-            <a:pPr lvl="1" marL="864000" indent="-323280">
+            <a:pPr lvl="1" marL="864000" indent="-322920">
               <a:lnSpc>
                 <a:spcPct val="100000"/>
               </a:lnSpc>
@@ -13199,7 +14607,7 @@
             <a:endParaRPr/>
           </a:p>
           <a:p>
-            <a:pPr marL="432000" indent="-323280">
+            <a:pPr marL="432000" indent="-322920">
               <a:lnSpc>
                 <a:spcPct val="100000"/>
               </a:lnSpc>
@@ -13227,7 +14635,7 @@
             <a:endParaRPr/>
           </a:p>
           <a:p>
-            <a:pPr lvl="1" marL="864000" indent="-323280">
+            <a:pPr lvl="1" marL="864000" indent="-322920">
               <a:lnSpc>
                 <a:spcPct val="100000"/>
               </a:lnSpc>
@@ -13255,7 +14663,7 @@
             <a:endParaRPr/>
           </a:p>
           <a:p>
-            <a:pPr marL="432000" indent="-323280">
+            <a:pPr marL="432000" indent="-322920">
               <a:lnSpc>
                 <a:spcPct val="100000"/>
               </a:lnSpc>
@@ -13283,7 +14691,7 @@
             <a:endParaRPr/>
           </a:p>
           <a:p>
-            <a:pPr marL="432000" indent="-323280">
+            <a:pPr marL="432000" indent="-322920">
               <a:lnSpc>
                 <a:spcPct val="100000"/>
               </a:lnSpc>
@@ -13311,7 +14719,7 @@
             <a:endParaRPr/>
           </a:p>
           <a:p>
-            <a:pPr marL="432000" indent="-323280">
+            <a:pPr marL="432000" indent="-322920">
               <a:lnSpc>
                 <a:spcPct val="100000"/>
               </a:lnSpc>
@@ -13391,14 +14799,14 @@
       </p:grpSpPr>
       <p:sp>
         <p:nvSpPr>
-          <p:cNvPr id="160" name="CustomShape 1"/>
+          <p:cNvPr id="162" name="CustomShape 1"/>
           <p:cNvSpPr/>
           <p:nvPr/>
         </p:nvSpPr>
         <p:spPr>
           <a:xfrm>
             <a:off x="349920" y="673200"/>
-            <a:ext cx="8222040" cy="387720"/>
+            <a:ext cx="8221680" cy="387360"/>
           </a:xfrm>
           <a:prstGeom prst="rect">
             <a:avLst/>
@@ -13443,14 +14851,14 @@
       </p:sp>
       <p:sp>
         <p:nvSpPr>
-          <p:cNvPr id="161" name="CustomShape 2"/>
+          <p:cNvPr id="163" name="CustomShape 2"/>
           <p:cNvSpPr/>
           <p:nvPr/>
         </p:nvSpPr>
         <p:spPr>
           <a:xfrm>
             <a:off x="5792040" y="1523880"/>
-            <a:ext cx="1705320" cy="1218600"/>
+            <a:ext cx="1704960" cy="1218240"/>
           </a:xfrm>
           <a:prstGeom prst="ellipse">
             <a:avLst/>
@@ -13508,7 +14916,7 @@
       </p:sp>
       <p:pic>
         <p:nvPicPr>
-          <p:cNvPr id="162" name="Picture 5" descr=""/>
+          <p:cNvPr id="164" name="Picture 5" descr=""/>
           <p:cNvPicPr/>
           <p:nvPr/>
         </p:nvPicPr>
@@ -13519,7 +14927,7 @@
         <p:spPr>
           <a:xfrm>
             <a:off x="1067760" y="2208240"/>
-            <a:ext cx="2310480" cy="2373840"/>
+            <a:ext cx="2310120" cy="2373480"/>
           </a:xfrm>
           <a:prstGeom prst="rect">
             <a:avLst/>
@@ -13531,14 +14939,14 @@
       </p:pic>
       <p:sp>
         <p:nvSpPr>
-          <p:cNvPr id="163" name="CustomShape 3"/>
+          <p:cNvPr id="165" name="CustomShape 3"/>
           <p:cNvSpPr/>
           <p:nvPr/>
         </p:nvSpPr>
         <p:spPr>
           <a:xfrm flipV="1">
-            <a:off x="3090240" y="2193840"/>
-            <a:ext cx="2701080" cy="1080720"/>
+            <a:off x="3090240" y="2193120"/>
+            <a:ext cx="2700720" cy="1080360"/>
           </a:xfrm>
           <a:custGeom>
             <a:avLst/>
@@ -13576,14 +14984,14 @@
       </p:sp>
       <p:sp>
         <p:nvSpPr>
-          <p:cNvPr id="164" name="CustomShape 4"/>
+          <p:cNvPr id="166" name="CustomShape 4"/>
           <p:cNvSpPr/>
           <p:nvPr/>
         </p:nvSpPr>
         <p:spPr>
           <a:xfrm>
             <a:off x="7925760" y="1752480"/>
-            <a:ext cx="3885120" cy="4266000"/>
+            <a:ext cx="3884760" cy="4265640"/>
           </a:xfrm>
           <a:prstGeom prst="rect">
             <a:avLst/>
@@ -13686,14 +15094,14 @@
       </p:grpSpPr>
       <p:sp>
         <p:nvSpPr>
-          <p:cNvPr id="165" name="CustomShape 1"/>
+          <p:cNvPr id="167" name="CustomShape 1"/>
           <p:cNvSpPr/>
           <p:nvPr/>
         </p:nvSpPr>
         <p:spPr>
           <a:xfrm>
             <a:off x="349920" y="673200"/>
-            <a:ext cx="9860400" cy="387720"/>
+            <a:ext cx="9860040" cy="387360"/>
           </a:xfrm>
           <a:prstGeom prst="rect">
             <a:avLst/>
@@ -13738,14 +15146,14 @@
       </p:sp>
       <p:sp>
         <p:nvSpPr>
-          <p:cNvPr id="166" name="CustomShape 2"/>
+          <p:cNvPr id="168" name="CustomShape 2"/>
           <p:cNvSpPr/>
           <p:nvPr/>
         </p:nvSpPr>
         <p:spPr>
           <a:xfrm>
             <a:off x="349920" y="1752480"/>
-            <a:ext cx="10704960" cy="4266000"/>
+            <a:ext cx="10704600" cy="4265640"/>
           </a:xfrm>
           <a:prstGeom prst="rect">
             <a:avLst/>
@@ -13824,14 +15232,14 @@
       </p:sp>
       <p:sp>
         <p:nvSpPr>
-          <p:cNvPr id="167" name="CustomShape 3"/>
+          <p:cNvPr id="169" name="CustomShape 3"/>
           <p:cNvSpPr/>
           <p:nvPr/>
         </p:nvSpPr>
         <p:spPr>
           <a:xfrm>
             <a:off x="349920" y="3625560"/>
-            <a:ext cx="183600" cy="348840"/>
+            <a:ext cx="183240" cy="348480"/>
           </a:xfrm>
           <a:prstGeom prst="rect">
             <a:avLst/>
@@ -13899,14 +15307,14 @@
       </p:grpSpPr>
       <p:sp>
         <p:nvSpPr>
-          <p:cNvPr id="168" name="CustomShape 1"/>
+          <p:cNvPr id="170" name="CustomShape 1"/>
           <p:cNvSpPr/>
           <p:nvPr/>
         </p:nvSpPr>
         <p:spPr>
           <a:xfrm>
             <a:off x="349920" y="673200"/>
-            <a:ext cx="9860400" cy="387720"/>
+            <a:ext cx="9860040" cy="387360"/>
           </a:xfrm>
           <a:prstGeom prst="rect">
             <a:avLst/>
@@ -13951,14 +15359,14 @@
       </p:sp>
       <p:sp>
         <p:nvSpPr>
-          <p:cNvPr id="169" name="CustomShape 2"/>
+          <p:cNvPr id="171" name="CustomShape 2"/>
           <p:cNvSpPr/>
           <p:nvPr/>
         </p:nvSpPr>
         <p:spPr>
           <a:xfrm>
             <a:off x="349920" y="3625560"/>
-            <a:ext cx="183600" cy="348840"/>
+            <a:ext cx="183240" cy="348480"/>
           </a:xfrm>
           <a:prstGeom prst="rect">
             <a:avLst/>
@@ -13977,14 +15385,14 @@
       </p:sp>
       <p:sp>
         <p:nvSpPr>
-          <p:cNvPr id="170" name="CustomShape 3"/>
+          <p:cNvPr id="172" name="CustomShape 3"/>
           <p:cNvSpPr/>
           <p:nvPr/>
         </p:nvSpPr>
         <p:spPr>
           <a:xfrm>
             <a:off x="548640" y="5151240"/>
-            <a:ext cx="3609720" cy="792000"/>
+            <a:ext cx="3609360" cy="791640"/>
           </a:xfrm>
           <a:prstGeom prst="rect">
             <a:avLst/>
@@ -14003,7 +15411,7 @@
         <p:txBody>
           <a:bodyPr lIns="0" rIns="90000" tIns="45000" bIns="45000"/>
           <a:p>
-            <a:pPr marL="216000" indent="-215280">
+            <a:pPr marL="216000" indent="-214920">
               <a:lnSpc>
                 <a:spcPct val="100000"/>
               </a:lnSpc>
@@ -14029,7 +15437,7 @@
             <a:endParaRPr/>
           </a:p>
           <a:p>
-            <a:pPr marL="216000" indent="-215280">
+            <a:pPr marL="216000" indent="-214920">
               <a:lnSpc>
                 <a:spcPct val="100000"/>
               </a:lnSpc>
@@ -14066,7 +15474,7 @@
       </p:sp>
       <p:pic>
         <p:nvPicPr>
-          <p:cNvPr id="171" name="" descr=""/>
+          <p:cNvPr id="173" name="" descr=""/>
           <p:cNvPicPr/>
           <p:nvPr/>
         </p:nvPicPr>
@@ -14077,7 +15485,7 @@
         <p:spPr>
           <a:xfrm>
             <a:off x="461160" y="1421280"/>
-            <a:ext cx="6304680" cy="2875680"/>
+            <a:ext cx="6304320" cy="2875320"/>
           </a:xfrm>
           <a:prstGeom prst="rect">
             <a:avLst/>
@@ -14089,14 +15497,14 @@
       </p:pic>
       <p:sp>
         <p:nvSpPr>
-          <p:cNvPr id="172" name="CustomShape 4"/>
+          <p:cNvPr id="174" name="CustomShape 4"/>
           <p:cNvSpPr/>
           <p:nvPr/>
         </p:nvSpPr>
         <p:spPr>
           <a:xfrm>
             <a:off x="7040880" y="822960"/>
-            <a:ext cx="4937400" cy="2277000"/>
+            <a:ext cx="4937040" cy="2276640"/>
           </a:xfrm>
           <a:prstGeom prst="rect">
             <a:avLst/>
@@ -14117,19 +15525,23 @@
           <a:p>
             <a:r>
               <a:rPr b="1" lang="en-US" sz="1800" spc="-1" strike="noStrike">
+                <a:solidFill>
+                  <a:srgbClr val="000000"/>
+                </a:solidFill>
                 <a:uFill>
                   <a:solidFill>
                     <a:srgbClr val="ffffff"/>
                   </a:solidFill>
                 </a:uFill>
                 <a:latin typeface="Arial"/>
+                <a:ea typeface="DejaVu Sans"/>
               </a:rPr>
               <a:t>Example for creating Cloudant</a:t>
             </a:r>
             <a:endParaRPr/>
           </a:p>
           <a:p>
-            <a:pPr marL="216000" indent="-215640">
+            <a:pPr marL="216000" indent="-215280">
               <a:lnSpc>
                 <a:spcPct val="100000"/>
               </a:lnSpc>
@@ -14141,19 +15553,23 @@
             </a:pPr>
             <a:r>
               <a:rPr lang="en-US" sz="1800" spc="-1" strike="noStrike">
+                <a:solidFill>
+                  <a:srgbClr val="000000"/>
+                </a:solidFill>
                 <a:uFill>
                   <a:solidFill>
                     <a:srgbClr val="ffffff"/>
                   </a:solidFill>
                 </a:uFill>
                 <a:latin typeface="Arial"/>
+                <a:ea typeface="DejaVu Sans"/>
               </a:rPr>
               <a:t>Go to Bluemix catalog.</a:t>
             </a:r>
             <a:endParaRPr/>
           </a:p>
           <a:p>
-            <a:pPr marL="216000" indent="-215640">
+            <a:pPr marL="216000" indent="-215280">
               <a:lnSpc>
                 <a:spcPct val="100000"/>
               </a:lnSpc>
@@ -14165,19 +15581,23 @@
             </a:pPr>
             <a:r>
               <a:rPr lang="en-US" sz="1800" spc="-1" strike="noStrike">
+                <a:solidFill>
+                  <a:srgbClr val="000000"/>
+                </a:solidFill>
                 <a:uFill>
                   <a:solidFill>
                     <a:srgbClr val="ffffff"/>
                   </a:solidFill>
                 </a:uFill>
                 <a:latin typeface="Arial"/>
+                <a:ea typeface="DejaVu Sans"/>
               </a:rPr>
               <a:t>Double click “Cloudant NoSQL DB”.</a:t>
             </a:r>
             <a:endParaRPr/>
           </a:p>
           <a:p>
-            <a:pPr marL="216000" indent="-215640">
+            <a:pPr marL="216000" indent="-215280">
               <a:lnSpc>
                 <a:spcPct val="100000"/>
               </a:lnSpc>
@@ -14189,19 +15609,23 @@
             </a:pPr>
             <a:r>
               <a:rPr lang="en-US" sz="1800" spc="-1" strike="noStrike">
+                <a:solidFill>
+                  <a:srgbClr val="000000"/>
+                </a:solidFill>
                 <a:uFill>
                   <a:solidFill>
                     <a:srgbClr val="ffffff"/>
                   </a:solidFill>
                 </a:uFill>
                 <a:latin typeface="Arial"/>
+                <a:ea typeface="DejaVu Sans"/>
               </a:rPr>
               <a:t>Fill out form.</a:t>
             </a:r>
             <a:endParaRPr/>
           </a:p>
           <a:p>
-            <a:pPr marL="216000" indent="-215640">
+            <a:pPr marL="216000" indent="-215280">
               <a:lnSpc>
                 <a:spcPct val="100000"/>
               </a:lnSpc>
@@ -14213,12 +15637,16 @@
             </a:pPr>
             <a:r>
               <a:rPr lang="en-US" sz="1800" spc="-1" strike="noStrike">
+                <a:solidFill>
+                  <a:srgbClr val="000000"/>
+                </a:solidFill>
                 <a:uFill>
                   <a:solidFill>
                     <a:srgbClr val="ffffff"/>
                   </a:solidFill>
                 </a:uFill>
                 <a:latin typeface="Arial"/>
+                <a:ea typeface="DejaVu Sans"/>
               </a:rPr>
               <a:t>Click “OK”.</a:t>
             </a:r>
@@ -14277,14 +15705,14 @@
       </p:grpSpPr>
       <p:sp>
         <p:nvSpPr>
-          <p:cNvPr id="173" name="CustomShape 1"/>
+          <p:cNvPr id="175" name="CustomShape 1"/>
           <p:cNvSpPr/>
           <p:nvPr/>
         </p:nvSpPr>
         <p:spPr>
           <a:xfrm>
             <a:off x="349920" y="635040"/>
-            <a:ext cx="9746280" cy="387720"/>
+            <a:ext cx="9745920" cy="387360"/>
           </a:xfrm>
           <a:prstGeom prst="rect">
             <a:avLst/>
@@ -14324,14 +15752,14 @@
       </p:sp>
       <p:sp>
         <p:nvSpPr>
-          <p:cNvPr id="174" name="CustomShape 2"/>
+          <p:cNvPr id="176" name="CustomShape 2"/>
           <p:cNvSpPr/>
           <p:nvPr/>
         </p:nvSpPr>
         <p:spPr>
           <a:xfrm>
             <a:off x="426240" y="1711440"/>
-            <a:ext cx="5669640" cy="4367880"/>
+            <a:ext cx="5669280" cy="4367520"/>
           </a:xfrm>
           <a:prstGeom prst="rect">
             <a:avLst/>
@@ -14350,14 +15778,14 @@
       </p:sp>
       <p:sp>
         <p:nvSpPr>
-          <p:cNvPr id="175" name="CustomShape 3"/>
+          <p:cNvPr id="177" name="CustomShape 3"/>
           <p:cNvSpPr/>
           <p:nvPr/>
         </p:nvSpPr>
         <p:spPr>
           <a:xfrm>
             <a:off x="457200" y="1227600"/>
-            <a:ext cx="9234720" cy="5464800"/>
+            <a:ext cx="9234360" cy="5464440"/>
           </a:xfrm>
           <a:prstGeom prst="rect">
             <a:avLst/>
@@ -14376,14 +15804,14 @@
       </p:sp>
       <p:sp>
         <p:nvSpPr>
-          <p:cNvPr id="176" name="CustomShape 4"/>
+          <p:cNvPr id="178" name="CustomShape 4"/>
           <p:cNvSpPr/>
           <p:nvPr/>
         </p:nvSpPr>
         <p:spPr>
           <a:xfrm>
             <a:off x="274320" y="1188720"/>
-            <a:ext cx="11521080" cy="2905560"/>
+            <a:ext cx="11520720" cy="2905200"/>
           </a:xfrm>
           <a:prstGeom prst="rect">
             <a:avLst/>
@@ -14404,19 +15832,23 @@
           <a:p>
             <a:r>
               <a:rPr lang="en-US" sz="1800" spc="-1" strike="noStrike">
+                <a:solidFill>
+                  <a:srgbClr val="000000"/>
+                </a:solidFill>
                 <a:uFill>
                   <a:solidFill>
                     <a:srgbClr val="ffffff"/>
                   </a:solidFill>
                 </a:uFill>
                 <a:latin typeface="Arial"/>
+                <a:ea typeface="DejaVu Sans"/>
               </a:rPr>
               <a:t>REST controllers classes:</a:t>
             </a:r>
             <a:endParaRPr/>
           </a:p>
           <a:p>
-            <a:pPr marL="216000" indent="-215640">
+            <a:pPr marL="216000" indent="-215280">
               <a:lnSpc>
                 <a:spcPct val="100000"/>
               </a:lnSpc>
@@ -14428,19 +15860,23 @@
             </a:pPr>
             <a:r>
               <a:rPr lang="en-US" sz="1800" spc="-1" strike="noStrike">
+                <a:solidFill>
+                  <a:srgbClr val="000000"/>
+                </a:solidFill>
                 <a:uFill>
                   <a:solidFill>
                     <a:srgbClr val="ffffff"/>
                   </a:solidFill>
                 </a:uFill>
                 <a:latin typeface="Arial"/>
+                <a:ea typeface="DejaVu Sans"/>
               </a:rPr>
               <a:t>Define REST endpoints for Cloudant NoSQL DB related methods.</a:t>
             </a:r>
             <a:endParaRPr/>
           </a:p>
           <a:p>
-            <a:pPr lvl="1" marL="432000" indent="-215640">
+            <a:pPr lvl="1" marL="432000" indent="-215280">
               <a:lnSpc>
                 <a:spcPct val="100000"/>
               </a:lnSpc>
@@ -14452,19 +15888,23 @@
             </a:pPr>
             <a:r>
               <a:rPr lang="en-US" sz="1800" spc="-1" strike="noStrike">
+                <a:solidFill>
+                  <a:srgbClr val="000000"/>
+                </a:solidFill>
                 <a:uFill>
                   <a:solidFill>
                     <a:srgbClr val="ffffff"/>
                   </a:solidFill>
                 </a:uFill>
                 <a:latin typeface="Arial"/>
+                <a:ea typeface="DejaVu Sans"/>
               </a:rPr>
               <a:t>CloudantController</a:t>
             </a:r>
             <a:endParaRPr/>
           </a:p>
           <a:p>
-            <a:pPr lvl="1" marL="432000" indent="-215640">
+            <a:pPr lvl="1" marL="432000" indent="-215280">
               <a:lnSpc>
                 <a:spcPct val="100000"/>
               </a:lnSpc>
@@ -14476,19 +15916,23 @@
             </a:pPr>
             <a:r>
               <a:rPr lang="en-US" sz="1800" spc="-1" strike="noStrike">
+                <a:solidFill>
+                  <a:srgbClr val="000000"/>
+                </a:solidFill>
                 <a:uFill>
                   <a:solidFill>
                     <a:srgbClr val="ffffff"/>
                   </a:solidFill>
                 </a:uFill>
                 <a:latin typeface="Arial"/>
+                <a:ea typeface="DejaVu Sans"/>
               </a:rPr>
               <a:t>SqldbController</a:t>
             </a:r>
             <a:endParaRPr/>
           </a:p>
           <a:p>
-            <a:pPr lvl="1" marL="432000" indent="-215640">
+            <a:pPr lvl="1" marL="432000" indent="-215280">
               <a:lnSpc>
                 <a:spcPct val="100000"/>
               </a:lnSpc>
@@ -14500,19 +15944,23 @@
             </a:pPr>
             <a:r>
               <a:rPr lang="en-US" sz="1800" spc="-1" strike="noStrike">
+                <a:solidFill>
+                  <a:srgbClr val="000000"/>
+                </a:solidFill>
                 <a:uFill>
                   <a:solidFill>
                     <a:srgbClr val="ffffff"/>
                   </a:solidFill>
                 </a:uFill>
                 <a:latin typeface="Arial"/>
+                <a:ea typeface="DejaVu Sans"/>
               </a:rPr>
               <a:t>Business services classes:</a:t>
             </a:r>
             <a:endParaRPr/>
           </a:p>
           <a:p>
-            <a:pPr marL="216000" indent="-215640">
+            <a:pPr marL="216000" indent="-215280">
               <a:lnSpc>
                 <a:spcPct val="100000"/>
               </a:lnSpc>
@@ -14524,19 +15972,23 @@
             </a:pPr>
             <a:r>
               <a:rPr lang="en-US" sz="1800" spc="-1" strike="noStrike">
+                <a:solidFill>
+                  <a:srgbClr val="000000"/>
+                </a:solidFill>
                 <a:uFill>
                   <a:solidFill>
                     <a:srgbClr val="ffffff"/>
                   </a:solidFill>
                 </a:uFill>
                 <a:latin typeface="Arial"/>
+                <a:ea typeface="DejaVu Sans"/>
               </a:rPr>
               <a:t>Translate REST calls to underlying Cloudant NoSQL DB API calls.</a:t>
             </a:r>
             <a:endParaRPr/>
           </a:p>
           <a:p>
-            <a:pPr lvl="1" marL="432000" indent="-215640">
+            <a:pPr lvl="1" marL="432000" indent="-215280">
               <a:lnSpc>
                 <a:spcPct val="100000"/>
               </a:lnSpc>
@@ -14548,19 +16000,23 @@
             </a:pPr>
             <a:r>
               <a:rPr lang="en-US" sz="1800" spc="-1" strike="noStrike">
+                <a:solidFill>
+                  <a:srgbClr val="000000"/>
+                </a:solidFill>
                 <a:uFill>
                   <a:solidFill>
                     <a:srgbClr val="ffffff"/>
                   </a:solidFill>
                 </a:uFill>
                 <a:latin typeface="Arial"/>
+                <a:ea typeface="DejaVu Sans"/>
               </a:rPr>
               <a:t>CloudantService</a:t>
             </a:r>
             <a:endParaRPr/>
           </a:p>
           <a:p>
-            <a:pPr lvl="1" marL="432000" indent="-215640">
+            <a:pPr lvl="1" marL="432000" indent="-215280">
               <a:lnSpc>
                 <a:spcPct val="100000"/>
               </a:lnSpc>
@@ -14572,19 +16028,23 @@
             </a:pPr>
             <a:r>
               <a:rPr lang="en-US" sz="1800" spc="-1" strike="noStrike">
+                <a:solidFill>
+                  <a:srgbClr val="000000"/>
+                </a:solidFill>
                 <a:uFill>
                   <a:solidFill>
                     <a:srgbClr val="ffffff"/>
                   </a:solidFill>
                 </a:uFill>
                 <a:latin typeface="Arial"/>
+                <a:ea typeface="DejaVu Sans"/>
               </a:rPr>
               <a:t>SqldbService</a:t>
             </a:r>
             <a:endParaRPr/>
           </a:p>
           <a:p>
-            <a:pPr lvl="1" marL="432000" indent="-215640">
+            <a:pPr lvl="1" marL="432000" indent="-215280">
               <a:lnSpc>
                 <a:spcPct val="100000"/>
               </a:lnSpc>
@@ -14596,19 +16056,23 @@
             </a:pPr>
             <a:r>
               <a:rPr lang="en-US" sz="1800" spc="-1" strike="noStrike">
+                <a:solidFill>
+                  <a:srgbClr val="000000"/>
+                </a:solidFill>
                 <a:uFill>
                   <a:solidFill>
                     <a:srgbClr val="ffffff"/>
                   </a:solidFill>
                 </a:uFill>
                 <a:latin typeface="Arial"/>
+                <a:ea typeface="DejaVu Sans"/>
               </a:rPr>
               <a:t>Connection pool and utility class:</a:t>
             </a:r>
             <a:endParaRPr/>
           </a:p>
           <a:p>
-            <a:pPr marL="216000" indent="-215640">
+            <a:pPr marL="216000" indent="-215280">
               <a:lnSpc>
                 <a:spcPct val="100000"/>
               </a:lnSpc>
@@ -14620,19 +16084,23 @@
             </a:pPr>
             <a:r>
               <a:rPr lang="en-US" sz="1800" spc="-1" strike="noStrike">
+                <a:solidFill>
+                  <a:srgbClr val="000000"/>
+                </a:solidFill>
                 <a:uFill>
                   <a:solidFill>
                     <a:srgbClr val="ffffff"/>
                   </a:solidFill>
                 </a:uFill>
                 <a:latin typeface="Arial"/>
+                <a:ea typeface="DejaVu Sans"/>
               </a:rPr>
               <a:t>Parses VCAP_SERVICES environment variable, creates API connections.</a:t>
             </a:r>
             <a:endParaRPr/>
           </a:p>
           <a:p>
-            <a:pPr lvl="1" marL="432000" indent="-215640">
+            <a:pPr lvl="1" marL="432000" indent="-215280">
               <a:lnSpc>
                 <a:spcPct val="100000"/>
               </a:lnSpc>
@@ -14644,12 +16112,16 @@
             </a:pPr>
             <a:r>
               <a:rPr lang="en-US" sz="1800" spc="-1" strike="noStrike">
+                <a:solidFill>
+                  <a:srgbClr val="000000"/>
+                </a:solidFill>
                 <a:uFill>
                   <a:solidFill>
                     <a:srgbClr val="ffffff"/>
                   </a:solidFill>
                 </a:uFill>
                 <a:latin typeface="Arial"/>
+                <a:ea typeface="DejaVu Sans"/>
               </a:rPr>
               <a:t>ServiceDiscovery</a:t>
             </a:r>
@@ -14708,14 +16180,14 @@
       </p:grpSpPr>
       <p:sp>
         <p:nvSpPr>
-          <p:cNvPr id="177" name="CustomShape 1"/>
+          <p:cNvPr id="179" name="CustomShape 1"/>
           <p:cNvSpPr/>
           <p:nvPr/>
         </p:nvSpPr>
         <p:spPr>
           <a:xfrm>
             <a:off x="349920" y="635040"/>
-            <a:ext cx="9746280" cy="387720"/>
+            <a:ext cx="9745920" cy="387360"/>
           </a:xfrm>
           <a:prstGeom prst="rect">
             <a:avLst/>
@@ -14755,14 +16227,14 @@
       </p:sp>
       <p:sp>
         <p:nvSpPr>
-          <p:cNvPr id="178" name="CustomShape 2"/>
+          <p:cNvPr id="180" name="CustomShape 2"/>
           <p:cNvSpPr/>
           <p:nvPr/>
         </p:nvSpPr>
         <p:spPr>
           <a:xfrm>
             <a:off x="426240" y="1711440"/>
-            <a:ext cx="5669640" cy="4367880"/>
+            <a:ext cx="5669280" cy="4367520"/>
           </a:xfrm>
           <a:prstGeom prst="rect">
             <a:avLst/>
@@ -14781,14 +16253,14 @@
       </p:sp>
       <p:sp>
         <p:nvSpPr>
-          <p:cNvPr id="179" name="CustomShape 3"/>
+          <p:cNvPr id="181" name="CustomShape 3"/>
           <p:cNvSpPr/>
           <p:nvPr/>
         </p:nvSpPr>
         <p:spPr>
           <a:xfrm>
             <a:off x="457200" y="1227600"/>
-            <a:ext cx="9234720" cy="5464800"/>
+            <a:ext cx="9234360" cy="5464440"/>
           </a:xfrm>
           <a:prstGeom prst="rect">
             <a:avLst/>
@@ -14807,14 +16279,14 @@
       </p:sp>
       <p:sp>
         <p:nvSpPr>
-          <p:cNvPr id="180" name="CustomShape 4"/>
+          <p:cNvPr id="182" name="CustomShape 4"/>
           <p:cNvSpPr/>
           <p:nvPr/>
         </p:nvSpPr>
         <p:spPr>
           <a:xfrm>
             <a:off x="365760" y="1280160"/>
-            <a:ext cx="4526640" cy="2901240"/>
+            <a:ext cx="4526280" cy="2900880"/>
           </a:xfrm>
           <a:prstGeom prst="rect">
             <a:avLst/>
@@ -15358,14 +16830,14 @@
       </p:sp>
       <p:sp>
         <p:nvSpPr>
-          <p:cNvPr id="181" name="CustomShape 5"/>
+          <p:cNvPr id="183" name="CustomShape 5"/>
           <p:cNvSpPr/>
           <p:nvPr/>
         </p:nvSpPr>
         <p:spPr>
           <a:xfrm>
             <a:off x="5486400" y="1174680"/>
-            <a:ext cx="5998680" cy="4677120"/>
+            <a:ext cx="5998320" cy="4676760"/>
           </a:xfrm>
           <a:prstGeom prst="rect">
             <a:avLst/>
@@ -16725,14 +18197,14 @@
       </p:sp>
       <p:sp>
         <p:nvSpPr>
-          <p:cNvPr id="182" name="CustomShape 6"/>
+          <p:cNvPr id="184" name="CustomShape 6"/>
           <p:cNvSpPr/>
           <p:nvPr/>
         </p:nvSpPr>
         <p:spPr>
           <a:xfrm>
             <a:off x="365760" y="4181760"/>
-            <a:ext cx="4937400" cy="1113840"/>
+            <a:ext cx="4937040" cy="1113480"/>
           </a:xfrm>
           <a:prstGeom prst="rect">
             <a:avLst/>
@@ -16753,7 +18225,7 @@
         <p:txBody>
           <a:bodyPr lIns="90000" rIns="90000" tIns="45000" bIns="45000"/>
           <a:p>
-            <a:pPr marL="216000" indent="-215640">
+            <a:pPr marL="216000" indent="-215280">
               <a:lnSpc>
                 <a:spcPct val="100000"/>
               </a:lnSpc>
@@ -16765,19 +18237,23 @@
             </a:pPr>
             <a:r>
               <a:rPr lang="en-US" sz="1800" spc="-1" strike="noStrike">
+                <a:solidFill>
+                  <a:srgbClr val="000000"/>
+                </a:solidFill>
                 <a:uFill>
                   <a:solidFill>
                     <a:srgbClr val="ffffff"/>
                   </a:solidFill>
                 </a:uFill>
                 <a:latin typeface="Arial"/>
+                <a:ea typeface="DejaVu Sans"/>
               </a:rPr>
               <a:t>Parses VCAP_SERVICES variable.</a:t>
             </a:r>
             <a:endParaRPr/>
           </a:p>
           <a:p>
-            <a:pPr marL="216000" indent="-215640">
+            <a:pPr marL="216000" indent="-215280">
               <a:lnSpc>
                 <a:spcPct val="100000"/>
               </a:lnSpc>
@@ -16789,19 +18265,23 @@
             </a:pPr>
             <a:r>
               <a:rPr lang="en-US" sz="1800" spc="-1" strike="noStrike">
+                <a:solidFill>
+                  <a:srgbClr val="000000"/>
+                </a:solidFill>
                 <a:uFill>
                   <a:solidFill>
                     <a:srgbClr val="ffffff"/>
                   </a:solidFill>
                 </a:uFill>
                 <a:latin typeface="Arial"/>
+                <a:ea typeface="DejaVu Sans"/>
               </a:rPr>
               <a:t>Extract service connection parameters.</a:t>
             </a:r>
             <a:endParaRPr/>
           </a:p>
           <a:p>
-            <a:pPr marL="216000" indent="-215640">
+            <a:pPr marL="216000" indent="-215280">
               <a:lnSpc>
                 <a:spcPct val="100000"/>
               </a:lnSpc>
@@ -16813,12 +18293,16 @@
             </a:pPr>
             <a:r>
               <a:rPr lang="en-US" sz="1800" spc="-1" strike="noStrike">
+                <a:solidFill>
+                  <a:srgbClr val="000000"/>
+                </a:solidFill>
                 <a:uFill>
                   <a:solidFill>
                     <a:srgbClr val="ffffff"/>
                   </a:solidFill>
                 </a:uFill>
                 <a:latin typeface="Arial"/>
+                <a:ea typeface="DejaVu Sans"/>
               </a:rPr>
               <a:t>Creates connection object and returns it to business service methods.</a:t>
             </a:r>

--- a/documents/LabX - Java Plays - REST data services.pptx
+++ b/documents/LabX - Java Plays - REST data services.pptx
@@ -29,6 +29,7 @@
     <p:sldId id="272" r:id="rId22"/>
     <p:sldId id="273" r:id="rId23"/>
     <p:sldId id="274" r:id="rId24"/>
+    <p:sldId id="275" r:id="rId25"/>
   </p:sldIdLst>
   <p:sldSz cx="12193587" cy="6858000"/>
   <p:notesSz cx="6858000" cy="9144000"/>
@@ -204,7 +205,7 @@
           <a:bodyPr lIns="0" rIns="0" tIns="0" bIns="0" anchor="b"/>
           <a:p>
             <a:pPr algn="r"/>
-            <a:fld id="{F7AE8E79-0F3A-45E8-A836-232517E347E6}" type="slidenum">
+            <a:fld id="{38E1A1B7-BC8F-4555-B4AB-D519E833B85C}" type="slidenum">
               <a:rPr lang="en-US" sz="1400" spc="-1">
                 <a:latin typeface="Times New Roman"/>
               </a:rPr>
@@ -239,7 +240,7 @@
       </p:grpSpPr>
       <p:sp>
         <p:nvSpPr>
-          <p:cNvPr id="234" name="PlaceHolder 1"/>
+          <p:cNvPr id="236" name="PlaceHolder 1"/>
           <p:cNvSpPr>
             <a:spLocks noGrp="1"/>
           </p:cNvSpPr>
@@ -265,7 +266,7 @@
       </p:sp>
       <p:sp>
         <p:nvSpPr>
-          <p:cNvPr id="235" name="CustomShape 2"/>
+          <p:cNvPr id="237" name="CustomShape 2"/>
           <p:cNvSpPr/>
           <p:nvPr/>
         </p:nvSpPr>
@@ -296,7 +297,7 @@
                 <a:spcPct val="100000"/>
               </a:lnSpc>
             </a:pPr>
-            <a:fld id="{5D46379E-11B3-4B15-B8AA-7AECC3E27389}" type="slidenum">
+            <a:fld id="{903C115D-9F70-4702-9D70-0119B165EAB2}" type="slidenum">
               <a:rPr lang="en-US" sz="1400" spc="-1" strike="noStrike">
                 <a:solidFill>
                   <a:srgbClr val="000000"/>
@@ -339,7 +340,7 @@
       </p:grpSpPr>
       <p:sp>
         <p:nvSpPr>
-          <p:cNvPr id="252" name="CustomShape 1"/>
+          <p:cNvPr id="254" name="CustomShape 1"/>
           <p:cNvSpPr/>
           <p:nvPr/>
         </p:nvSpPr>
@@ -370,7 +371,7 @@
                 <a:spcPct val="100000"/>
               </a:lnSpc>
             </a:pPr>
-            <a:fld id="{7A2F7B27-C240-4F38-AFD2-C97B14D97A0E}" type="slidenum">
+            <a:fld id="{4CAD132F-6BD9-4184-ACEF-62E69116541A}" type="slidenum">
               <a:rPr lang="en-US" sz="1400" spc="-1" strike="noStrike">
                 <a:solidFill>
                   <a:srgbClr val="000000"/>
@@ -391,7 +392,7 @@
       </p:sp>
       <p:sp>
         <p:nvSpPr>
-          <p:cNvPr id="253" name="PlaceHolder 2"/>
+          <p:cNvPr id="255" name="PlaceHolder 2"/>
           <p:cNvSpPr>
             <a:spLocks noGrp="1"/>
           </p:cNvSpPr>
@@ -439,7 +440,7 @@
       </p:grpSpPr>
       <p:sp>
         <p:nvSpPr>
-          <p:cNvPr id="254" name="CustomShape 1"/>
+          <p:cNvPr id="256" name="CustomShape 1"/>
           <p:cNvSpPr/>
           <p:nvPr/>
         </p:nvSpPr>
@@ -470,7 +471,7 @@
                 <a:spcPct val="100000"/>
               </a:lnSpc>
             </a:pPr>
-            <a:fld id="{9BD658A2-3013-48C8-83D4-42C7F46E1870}" type="slidenum">
+            <a:fld id="{9565C1E7-AAB9-4A22-A36A-446837A940A6}" type="slidenum">
               <a:rPr lang="en-US" sz="1400" spc="-1" strike="noStrike">
                 <a:solidFill>
                   <a:srgbClr val="000000"/>
@@ -491,7 +492,7 @@
       </p:sp>
       <p:sp>
         <p:nvSpPr>
-          <p:cNvPr id="255" name="PlaceHolder 2"/>
+          <p:cNvPr id="257" name="PlaceHolder 2"/>
           <p:cNvSpPr>
             <a:spLocks noGrp="1"/>
           </p:cNvSpPr>
@@ -539,7 +540,7 @@
       </p:grpSpPr>
       <p:sp>
         <p:nvSpPr>
-          <p:cNvPr id="256" name="CustomShape 1"/>
+          <p:cNvPr id="258" name="CustomShape 1"/>
           <p:cNvSpPr/>
           <p:nvPr/>
         </p:nvSpPr>
@@ -570,7 +571,7 @@
                 <a:spcPct val="100000"/>
               </a:lnSpc>
             </a:pPr>
-            <a:fld id="{0E2F24B7-B3BF-4DF8-BC7C-82A37A0B105A}" type="slidenum">
+            <a:fld id="{0C4B3616-77AA-4E77-AE9B-5AECA54FF34C}" type="slidenum">
               <a:rPr lang="en-US" sz="1400" spc="-1" strike="noStrike">
                 <a:solidFill>
                   <a:srgbClr val="000000"/>
@@ -591,7 +592,7 @@
       </p:sp>
       <p:sp>
         <p:nvSpPr>
-          <p:cNvPr id="257" name="PlaceHolder 2"/>
+          <p:cNvPr id="259" name="PlaceHolder 2"/>
           <p:cNvSpPr>
             <a:spLocks noGrp="1"/>
           </p:cNvSpPr>
@@ -639,7 +640,7 @@
       </p:grpSpPr>
       <p:sp>
         <p:nvSpPr>
-          <p:cNvPr id="258" name="CustomShape 1"/>
+          <p:cNvPr id="260" name="CustomShape 1"/>
           <p:cNvSpPr/>
           <p:nvPr/>
         </p:nvSpPr>
@@ -670,7 +671,7 @@
                 <a:spcPct val="100000"/>
               </a:lnSpc>
             </a:pPr>
-            <a:fld id="{58CF0CA8-301D-4451-ACE8-8C15D460ECAC}" type="slidenum">
+            <a:fld id="{12EE03D2-AE07-4BF7-9F2E-42D8B25F8FE8}" type="slidenum">
               <a:rPr lang="en-US" sz="1400" spc="-1" strike="noStrike">
                 <a:solidFill>
                   <a:srgbClr val="000000"/>
@@ -691,7 +692,7 @@
       </p:sp>
       <p:sp>
         <p:nvSpPr>
-          <p:cNvPr id="259" name="PlaceHolder 2"/>
+          <p:cNvPr id="261" name="PlaceHolder 2"/>
           <p:cNvSpPr>
             <a:spLocks noGrp="1"/>
           </p:cNvSpPr>
@@ -739,7 +740,7 @@
       </p:grpSpPr>
       <p:sp>
         <p:nvSpPr>
-          <p:cNvPr id="260" name="CustomShape 1"/>
+          <p:cNvPr id="262" name="CustomShape 1"/>
           <p:cNvSpPr/>
           <p:nvPr/>
         </p:nvSpPr>
@@ -770,7 +771,7 @@
                 <a:spcPct val="100000"/>
               </a:lnSpc>
             </a:pPr>
-            <a:fld id="{CC19EBAA-A670-4BFD-B862-F4DC8391E24D}" type="slidenum">
+            <a:fld id="{B44DCDE4-BBFD-4F08-8149-D2CE82C1FB9F}" type="slidenum">
               <a:rPr lang="en-US" sz="1400" spc="-1" strike="noStrike">
                 <a:solidFill>
                   <a:srgbClr val="000000"/>
@@ -791,7 +792,7 @@
       </p:sp>
       <p:sp>
         <p:nvSpPr>
-          <p:cNvPr id="261" name="PlaceHolder 2"/>
+          <p:cNvPr id="263" name="PlaceHolder 2"/>
           <p:cNvSpPr>
             <a:spLocks noGrp="1"/>
           </p:cNvSpPr>
@@ -839,7 +840,7 @@
       </p:grpSpPr>
       <p:sp>
         <p:nvSpPr>
-          <p:cNvPr id="262" name="CustomShape 1"/>
+          <p:cNvPr id="264" name="CustomShape 1"/>
           <p:cNvSpPr/>
           <p:nvPr/>
         </p:nvSpPr>
@@ -870,7 +871,7 @@
                 <a:spcPct val="100000"/>
               </a:lnSpc>
             </a:pPr>
-            <a:fld id="{B976B1E0-470D-480A-AE38-1B1ECEC456CC}" type="slidenum">
+            <a:fld id="{65C0E2B5-E4B6-463C-B786-DDD42B62C8FF}" type="slidenum">
               <a:rPr lang="en-US" sz="1400" spc="-1" strike="noStrike">
                 <a:solidFill>
                   <a:srgbClr val="000000"/>
@@ -891,7 +892,7 @@
       </p:sp>
       <p:sp>
         <p:nvSpPr>
-          <p:cNvPr id="263" name="PlaceHolder 2"/>
+          <p:cNvPr id="265" name="PlaceHolder 2"/>
           <p:cNvSpPr>
             <a:spLocks noGrp="1"/>
           </p:cNvSpPr>
@@ -939,7 +940,7 @@
       </p:grpSpPr>
       <p:sp>
         <p:nvSpPr>
-          <p:cNvPr id="264" name="CustomShape 1"/>
+          <p:cNvPr id="266" name="CustomShape 1"/>
           <p:cNvSpPr/>
           <p:nvPr/>
         </p:nvSpPr>
@@ -970,7 +971,7 @@
                 <a:spcPct val="100000"/>
               </a:lnSpc>
             </a:pPr>
-            <a:fld id="{55136BD7-4B7E-4133-9453-AEBEA6372A97}" type="slidenum">
+            <a:fld id="{0D6B87D1-CBD2-4A67-A1A8-29124B258148}" type="slidenum">
               <a:rPr lang="en-US" sz="1400" spc="-1" strike="noStrike">
                 <a:solidFill>
                   <a:srgbClr val="000000"/>
@@ -991,7 +992,7 @@
       </p:sp>
       <p:sp>
         <p:nvSpPr>
-          <p:cNvPr id="265" name="PlaceHolder 2"/>
+          <p:cNvPr id="267" name="PlaceHolder 2"/>
           <p:cNvSpPr>
             <a:spLocks noGrp="1"/>
           </p:cNvSpPr>
@@ -1039,7 +1040,7 @@
       </p:grpSpPr>
       <p:sp>
         <p:nvSpPr>
-          <p:cNvPr id="266" name="CustomShape 1"/>
+          <p:cNvPr id="268" name="CustomShape 1"/>
           <p:cNvSpPr/>
           <p:nvPr/>
         </p:nvSpPr>
@@ -1070,7 +1071,7 @@
                 <a:spcPct val="100000"/>
               </a:lnSpc>
             </a:pPr>
-            <a:fld id="{60269FD4-6DCF-4708-821A-0118D8ACE41E}" type="slidenum">
+            <a:fld id="{180041BD-FFB9-4470-810D-4135F8C9747E}" type="slidenum">
               <a:rPr lang="en-US" sz="1400" spc="-1" strike="noStrike">
                 <a:solidFill>
                   <a:srgbClr val="000000"/>
@@ -1091,7 +1092,7 @@
       </p:sp>
       <p:sp>
         <p:nvSpPr>
-          <p:cNvPr id="267" name="PlaceHolder 2"/>
+          <p:cNvPr id="269" name="PlaceHolder 2"/>
           <p:cNvSpPr>
             <a:spLocks noGrp="1"/>
           </p:cNvSpPr>
@@ -1139,7 +1140,7 @@
       </p:grpSpPr>
       <p:sp>
         <p:nvSpPr>
-          <p:cNvPr id="268" name="CustomShape 1"/>
+          <p:cNvPr id="270" name="CustomShape 1"/>
           <p:cNvSpPr/>
           <p:nvPr/>
         </p:nvSpPr>
@@ -1170,7 +1171,7 @@
                 <a:spcPct val="100000"/>
               </a:lnSpc>
             </a:pPr>
-            <a:fld id="{0AE2086D-272D-4F5F-83B0-2A8EF359EFDB}" type="slidenum">
+            <a:fld id="{D22E8FC9-A3EE-4D46-AF83-9DAFD3E9104D}" type="slidenum">
               <a:rPr lang="en-US" sz="1400" spc="-1" strike="noStrike">
                 <a:solidFill>
                   <a:srgbClr val="000000"/>
@@ -1191,7 +1192,107 @@
       </p:sp>
       <p:sp>
         <p:nvSpPr>
-          <p:cNvPr id="269" name="PlaceHolder 2"/>
+          <p:cNvPr id="271" name="PlaceHolder 2"/>
+          <p:cNvSpPr>
+            <a:spLocks noGrp="1"/>
+          </p:cNvSpPr>
+          <p:nvPr>
+            <p:ph type="body"/>
+          </p:nvPr>
+        </p:nvSpPr>
+        <p:spPr>
+          <a:xfrm>
+            <a:off x="685800" y="4343400"/>
+            <a:ext cx="5484960" cy="4113360"/>
+          </a:xfrm>
+          <a:prstGeom prst="rect">
+            <a:avLst/>
+          </a:prstGeom>
+        </p:spPr>
+        <p:txBody>
+          <a:bodyPr lIns="0" rIns="0" tIns="0" bIns="0" anchor="ctr"/>
+          <a:p>
+            <a:endParaRPr/>
+          </a:p>
+        </p:txBody>
+      </p:sp>
+    </p:spTree>
+  </p:cSld>
+</p:notes>
+</file>
+
+<file path=ppt/notesSlides/notesSlide19.xml><?xml version="1.0" encoding="utf-8"?>
+<p:notes xmlns:a="http://schemas.openxmlformats.org/drawingml/2006/main" xmlns:p="http://schemas.openxmlformats.org/presentationml/2006/main" xmlns:r="http://schemas.openxmlformats.org/officeDocument/2006/relationships">
+  <p:cSld>
+    <p:spTree>
+      <p:nvGrpSpPr>
+        <p:cNvPr id="1" name=""/>
+        <p:cNvGrpSpPr/>
+        <p:nvPr/>
+      </p:nvGrpSpPr>
+      <p:grpSpPr>
+        <a:xfrm>
+          <a:off x="0" y="0"/>
+          <a:ext cx="0" cy="0"/>
+          <a:chOff x="0" y="0"/>
+          <a:chExt cx="0" cy="0"/>
+        </a:xfrm>
+      </p:grpSpPr>
+      <p:sp>
+        <p:nvSpPr>
+          <p:cNvPr id="272" name="CustomShape 1"/>
+          <p:cNvSpPr/>
+          <p:nvPr/>
+        </p:nvSpPr>
+        <p:spPr>
+          <a:xfrm>
+            <a:off x="3881520" y="8686800"/>
+            <a:ext cx="2971800" cy="452520"/>
+          </a:xfrm>
+          <a:prstGeom prst="rect">
+            <a:avLst/>
+          </a:prstGeom>
+          <a:noFill/>
+          <a:ln>
+            <a:noFill/>
+          </a:ln>
+        </p:spPr>
+        <p:style>
+          <a:lnRef idx="0"/>
+          <a:fillRef idx="0"/>
+          <a:effectRef idx="0"/>
+          <a:fontRef idx="minor"/>
+        </p:style>
+        <p:txBody>
+          <a:bodyPr lIns="0" rIns="0" tIns="0" bIns="0" anchor="b"/>
+          <a:p>
+            <a:pPr algn="r">
+              <a:lnSpc>
+                <a:spcPct val="100000"/>
+              </a:lnSpc>
+            </a:pPr>
+            <a:fld id="{9231D850-C594-4454-A03F-27410AC53C59}" type="slidenum">
+              <a:rPr lang="en-US" sz="1400" spc="-1" strike="noStrike">
+                <a:solidFill>
+                  <a:srgbClr val="000000"/>
+                </a:solidFill>
+                <a:uFill>
+                  <a:solidFill>
+                    <a:srgbClr val="ffffff"/>
+                  </a:solidFill>
+                </a:uFill>
+                <a:latin typeface="Arial"/>
+                <a:ea typeface="Lucida Sans Unicode"/>
+              </a:rPr>
+              <a:t>&lt;number&gt;</a:t>
+            </a:fld>
+            <a:endParaRPr/>
+          </a:p>
+        </p:txBody>
+      </p:sp>
+      <p:sp>
+        <p:nvSpPr>
+          <p:cNvPr id="273" name="PlaceHolder 2"/>
           <p:cNvSpPr>
             <a:spLocks noGrp="1"/>
           </p:cNvSpPr>
@@ -1239,7 +1340,7 @@
       </p:grpSpPr>
       <p:sp>
         <p:nvSpPr>
-          <p:cNvPr id="236" name="CustomShape 1"/>
+          <p:cNvPr id="238" name="CustomShape 1"/>
           <p:cNvSpPr/>
           <p:nvPr/>
         </p:nvSpPr>
@@ -1270,7 +1371,7 @@
                 <a:spcPct val="100000"/>
               </a:lnSpc>
             </a:pPr>
-            <a:fld id="{7D020A06-67DE-4F62-AAB5-8CCAD20A6B18}" type="slidenum">
+            <a:fld id="{E5A36511-35E5-44BF-A836-0E2004DE7869}" type="slidenum">
               <a:rPr lang="en-US" sz="1400" spc="-1" strike="noStrike">
                 <a:solidFill>
                   <a:srgbClr val="000000"/>
@@ -1291,7 +1392,7 @@
       </p:sp>
       <p:sp>
         <p:nvSpPr>
-          <p:cNvPr id="237" name="CustomShape 2"/>
+          <p:cNvPr id="239" name="CustomShape 2"/>
           <p:cNvSpPr/>
           <p:nvPr/>
         </p:nvSpPr>
@@ -1322,7 +1423,7 @@
                 <a:spcPct val="87000"/>
               </a:lnSpc>
             </a:pPr>
-            <a:fld id="{2078FC2A-A69D-4449-8DE4-EEB6F6A47EE1}" type="slidenum">
+            <a:fld id="{8EDFC38A-B7F9-43FF-8F17-81C7A58A2394}" type="slidenum">
               <a:rPr lang="en-US" sz="1400" spc="-1" strike="noStrike">
                 <a:solidFill>
                   <a:srgbClr val="000000"/>
@@ -1343,7 +1444,7 @@
       </p:sp>
       <p:sp>
         <p:nvSpPr>
-          <p:cNvPr id="238" name="PlaceHolder 3"/>
+          <p:cNvPr id="240" name="PlaceHolder 3"/>
           <p:cNvSpPr>
             <a:spLocks noGrp="1"/>
           </p:cNvSpPr>
@@ -1391,7 +1492,7 @@
       </p:grpSpPr>
       <p:sp>
         <p:nvSpPr>
-          <p:cNvPr id="239" name="CustomShape 1"/>
+          <p:cNvPr id="241" name="CustomShape 1"/>
           <p:cNvSpPr/>
           <p:nvPr/>
         </p:nvSpPr>
@@ -1422,7 +1523,7 @@
                 <a:spcPct val="100000"/>
               </a:lnSpc>
             </a:pPr>
-            <a:fld id="{38FBB716-932E-417D-A0FF-0C0F22847167}" type="slidenum">
+            <a:fld id="{667960A1-A208-4A99-8608-39E2EAED6E17}" type="slidenum">
               <a:rPr lang="en-US" sz="1400" spc="-1" strike="noStrike">
                 <a:solidFill>
                   <a:srgbClr val="000000"/>
@@ -1443,7 +1544,7 @@
       </p:sp>
       <p:sp>
         <p:nvSpPr>
-          <p:cNvPr id="240" name="CustomShape 2"/>
+          <p:cNvPr id="242" name="CustomShape 2"/>
           <p:cNvSpPr/>
           <p:nvPr/>
         </p:nvSpPr>
@@ -1474,7 +1575,7 @@
                 <a:spcPct val="87000"/>
               </a:lnSpc>
             </a:pPr>
-            <a:fld id="{5F05A70B-7D5B-41DF-BE32-F8FFF1E3DC69}" type="slidenum">
+            <a:fld id="{FAD62F60-73B6-458D-9B50-F2EA14B13C8A}" type="slidenum">
               <a:rPr lang="en-US" sz="1400" spc="-1" strike="noStrike">
                 <a:solidFill>
                   <a:srgbClr val="000000"/>
@@ -1495,7 +1596,7 @@
       </p:sp>
       <p:sp>
         <p:nvSpPr>
-          <p:cNvPr id="241" name="PlaceHolder 3"/>
+          <p:cNvPr id="243" name="PlaceHolder 3"/>
           <p:cNvSpPr>
             <a:spLocks noGrp="1"/>
           </p:cNvSpPr>
@@ -1543,7 +1644,7 @@
       </p:grpSpPr>
       <p:sp>
         <p:nvSpPr>
-          <p:cNvPr id="242" name="CustomShape 1"/>
+          <p:cNvPr id="244" name="CustomShape 1"/>
           <p:cNvSpPr/>
           <p:nvPr/>
         </p:nvSpPr>
@@ -1574,7 +1675,7 @@
                 <a:spcPct val="100000"/>
               </a:lnSpc>
             </a:pPr>
-            <a:fld id="{F744CC8B-995E-464A-9EAE-82B9CC567CF5}" type="slidenum">
+            <a:fld id="{FE5CB43B-819D-41B8-ABF9-BF017275E0F8}" type="slidenum">
               <a:rPr lang="en-US" sz="1400" spc="-1" strike="noStrike">
                 <a:solidFill>
                   <a:srgbClr val="000000"/>
@@ -1595,7 +1696,7 @@
       </p:sp>
       <p:sp>
         <p:nvSpPr>
-          <p:cNvPr id="243" name="PlaceHolder 2"/>
+          <p:cNvPr id="245" name="PlaceHolder 2"/>
           <p:cNvSpPr>
             <a:spLocks noGrp="1"/>
           </p:cNvSpPr>
@@ -1643,7 +1744,7 @@
       </p:grpSpPr>
       <p:sp>
         <p:nvSpPr>
-          <p:cNvPr id="244" name="CustomShape 1"/>
+          <p:cNvPr id="246" name="CustomShape 1"/>
           <p:cNvSpPr/>
           <p:nvPr/>
         </p:nvSpPr>
@@ -1674,7 +1775,7 @@
                 <a:spcPct val="100000"/>
               </a:lnSpc>
             </a:pPr>
-            <a:fld id="{BC1EAFB7-3CD0-4C7A-B5CF-94E244755BAB}" type="slidenum">
+            <a:fld id="{FB6654D8-5955-4F02-A975-D7302E03EDBC}" type="slidenum">
               <a:rPr lang="en-US" sz="1400" spc="-1" strike="noStrike">
                 <a:solidFill>
                   <a:srgbClr val="000000"/>
@@ -1695,7 +1796,7 @@
       </p:sp>
       <p:sp>
         <p:nvSpPr>
-          <p:cNvPr id="245" name="PlaceHolder 2"/>
+          <p:cNvPr id="247" name="PlaceHolder 2"/>
           <p:cNvSpPr>
             <a:spLocks noGrp="1"/>
           </p:cNvSpPr>
@@ -1743,7 +1844,7 @@
       </p:grpSpPr>
       <p:sp>
         <p:nvSpPr>
-          <p:cNvPr id="246" name="CustomShape 1"/>
+          <p:cNvPr id="248" name="CustomShape 1"/>
           <p:cNvSpPr/>
           <p:nvPr/>
         </p:nvSpPr>
@@ -1774,7 +1875,7 @@
                 <a:spcPct val="100000"/>
               </a:lnSpc>
             </a:pPr>
-            <a:fld id="{EAF16FBB-D27F-4C11-A145-C6B1EE79280B}" type="slidenum">
+            <a:fld id="{B1B049E8-CBA3-4CEF-B5FF-486DC930C820}" type="slidenum">
               <a:rPr lang="en-US" sz="1400" spc="-1" strike="noStrike">
                 <a:solidFill>
                   <a:srgbClr val="000000"/>
@@ -1795,7 +1896,7 @@
       </p:sp>
       <p:sp>
         <p:nvSpPr>
-          <p:cNvPr id="247" name="PlaceHolder 2"/>
+          <p:cNvPr id="249" name="PlaceHolder 2"/>
           <p:cNvSpPr>
             <a:spLocks noGrp="1"/>
           </p:cNvSpPr>
@@ -1843,7 +1944,7 @@
       </p:grpSpPr>
       <p:sp>
         <p:nvSpPr>
-          <p:cNvPr id="248" name="CustomShape 1"/>
+          <p:cNvPr id="250" name="CustomShape 1"/>
           <p:cNvSpPr/>
           <p:nvPr/>
         </p:nvSpPr>
@@ -1874,7 +1975,7 @@
                 <a:spcPct val="100000"/>
               </a:lnSpc>
             </a:pPr>
-            <a:fld id="{80C96C5F-DEB2-40D2-B948-C95E64F61830}" type="slidenum">
+            <a:fld id="{7AE68E58-0EC8-4243-AF71-97B1E1663619}" type="slidenum">
               <a:rPr lang="en-US" sz="1400" spc="-1" strike="noStrike">
                 <a:solidFill>
                   <a:srgbClr val="000000"/>
@@ -1895,7 +1996,7 @@
       </p:sp>
       <p:sp>
         <p:nvSpPr>
-          <p:cNvPr id="249" name="PlaceHolder 2"/>
+          <p:cNvPr id="251" name="PlaceHolder 2"/>
           <p:cNvSpPr>
             <a:spLocks noGrp="1"/>
           </p:cNvSpPr>
@@ -1943,7 +2044,7 @@
       </p:grpSpPr>
       <p:sp>
         <p:nvSpPr>
-          <p:cNvPr id="250" name="CustomShape 1"/>
+          <p:cNvPr id="252" name="CustomShape 1"/>
           <p:cNvSpPr/>
           <p:nvPr/>
         </p:nvSpPr>
@@ -1974,7 +2075,7 @@
                 <a:spcPct val="100000"/>
               </a:lnSpc>
             </a:pPr>
-            <a:fld id="{C1F9BEFC-C284-4228-A181-65134DB0DAB8}" type="slidenum">
+            <a:fld id="{FCE198A3-E5AD-4A19-B5CB-A5FB59228F90}" type="slidenum">
               <a:rPr lang="en-US" sz="1400" spc="-1" strike="noStrike">
                 <a:solidFill>
                   <a:srgbClr val="000000"/>
@@ -1995,7 +2096,7 @@
       </p:sp>
       <p:sp>
         <p:nvSpPr>
-          <p:cNvPr id="251" name="PlaceHolder 2"/>
+          <p:cNvPr id="253" name="PlaceHolder 2"/>
           <p:cNvSpPr>
             <a:spLocks noGrp="1"/>
           </p:cNvSpPr>
@@ -12789,8 +12890,8 @@
         </p:nvSpPr>
         <p:spPr>
           <a:xfrm>
-            <a:off x="1982160" y="2895480"/>
-            <a:ext cx="8223480" cy="387360"/>
+            <a:off x="274320" y="635040"/>
+            <a:ext cx="9786600" cy="644760"/>
           </a:xfrm>
           <a:prstGeom prst="rect">
             <a:avLst/>
@@ -12807,15 +12908,15 @@
           <a:fontRef idx="minor"/>
         </p:style>
         <p:txBody>
-          <a:bodyPr lIns="90000" rIns="90000" tIns="91440" bIns="45000"/>
-          <a:p>
-            <a:pPr algn="ctr">
+          <a:bodyPr lIns="90000" rIns="90000" tIns="112680" bIns="45000"/>
+          <a:p>
+            <a:pPr>
               <a:lnSpc>
                 <a:spcPct val="100000"/>
               </a:lnSpc>
             </a:pPr>
             <a:r>
-              <a:rPr b="1" lang="en-US" sz="3200" spc="-1" strike="noStrike">
+              <a:rPr b="1" lang="en-US" sz="2400" spc="-1" strike="noStrike">
                 <a:solidFill>
                   <a:srgbClr val="002060"/>
                 </a:solidFill>
@@ -12827,8 +12928,326 @@
                 <a:latin typeface="Arial"/>
                 <a:ea typeface="MS PGothic"/>
               </a:rPr>
-              <a:t>Questions?</a:t>
-            </a:r>
+              <a:t>Extend the code to utilize other services</a:t>
+            </a:r>
+            <a:endParaRPr/>
+          </a:p>
+        </p:txBody>
+      </p:sp>
+      <p:sp>
+        <p:nvSpPr>
+          <p:cNvPr id="234" name="CustomShape 2"/>
+          <p:cNvSpPr/>
+          <p:nvPr/>
+        </p:nvSpPr>
+        <p:spPr>
+          <a:xfrm>
+            <a:off x="274320" y="1280160"/>
+            <a:ext cx="11612520" cy="457200"/>
+          </a:xfrm>
+          <a:prstGeom prst="rect">
+            <a:avLst/>
+          </a:prstGeom>
+          <a:noFill/>
+          <a:ln>
+            <a:noFill/>
+          </a:ln>
+        </p:spPr>
+        <p:style>
+          <a:lnRef idx="0"/>
+          <a:fillRef idx="0"/>
+          <a:effectRef idx="0"/>
+          <a:fontRef idx="minor"/>
+        </p:style>
+        <p:txBody>
+          <a:bodyPr lIns="90000" rIns="90000" tIns="45000" bIns="45000"/>
+          <a:p>
+            <a:pPr marL="216000" indent="-216000">
+              <a:buFont typeface="Liberation Serif"/>
+              <a:buAutoNum type="arabicPeriod"/>
+            </a:pPr>
+            <a:r>
+              <a:rPr lang="en-US" sz="1800" spc="-1" strike="noStrike">
+                <a:solidFill>
+                  <a:srgbClr val="000000"/>
+                </a:solidFill>
+                <a:uFill>
+                  <a:solidFill>
+                    <a:srgbClr val="ffffff"/>
+                  </a:solidFill>
+                </a:uFill>
+                <a:latin typeface="Arial"/>
+                <a:ea typeface="DejaVu Sans"/>
+              </a:rPr>
+              <a:t>Add service Java client library into /WebContent/WEB-INF/lib project folder.</a:t>
+            </a:r>
+            <a:endParaRPr/>
+          </a:p>
+          <a:p>
+            <a:pPr marL="216000" indent="-216000">
+              <a:buFont typeface="Liberation Serif"/>
+              <a:buAutoNum type="arabicPeriod"/>
+            </a:pPr>
+            <a:r>
+              <a:rPr lang="en-US" sz="1800" spc="-1" strike="noStrike">
+                <a:solidFill>
+                  <a:srgbClr val="000000"/>
+                </a:solidFill>
+                <a:uFill>
+                  <a:solidFill>
+                    <a:srgbClr val="ffffff"/>
+                  </a:solidFill>
+                </a:uFill>
+                <a:latin typeface="Arial"/>
+                <a:ea typeface="DejaVu Sans"/>
+              </a:rPr>
+              <a:t>Create new service on Bluemix.</a:t>
+            </a:r>
+            <a:endParaRPr/>
+          </a:p>
+          <a:p>
+            <a:pPr marL="216000" indent="-216000">
+              <a:buFont typeface="Liberation Serif"/>
+              <a:buAutoNum type="arabicPeriod"/>
+            </a:pPr>
+            <a:r>
+              <a:rPr lang="en-US" sz="1800" spc="-1" strike="noStrike">
+                <a:solidFill>
+                  <a:srgbClr val="000000"/>
+                </a:solidFill>
+                <a:uFill>
+                  <a:solidFill>
+                    <a:srgbClr val="ffffff"/>
+                  </a:solidFill>
+                </a:uFill>
+                <a:latin typeface="Arial"/>
+                <a:ea typeface="DejaVu Sans"/>
+              </a:rPr>
+              <a:t>Add service to application environment variable.</a:t>
+            </a:r>
+            <a:endParaRPr/>
+          </a:p>
+          <a:p>
+            <a:pPr lvl="1" marL="432000" indent="-216000">
+              <a:buFont typeface="Liberation Serif"/>
+              <a:buAutoNum type="arabicPeriod"/>
+            </a:pPr>
+            <a:r>
+              <a:rPr lang="en-US" sz="1800" spc="-1">
+                <a:latin typeface="Arial"/>
+              </a:rPr>
+              <a:t>Add service name into manifest.yml if deploying with CF push command.</a:t>
+            </a:r>
+            <a:endParaRPr/>
+          </a:p>
+          <a:p>
+            <a:pPr lvl="1" marL="432000" indent="-216000">
+              <a:buFont typeface="Liberation Serif"/>
+              <a:buAutoNum type="arabicPeriod"/>
+            </a:pPr>
+            <a:r>
+              <a:rPr lang="en-US" sz="1800" spc="-1">
+                <a:latin typeface="Arial"/>
+              </a:rPr>
+              <a:t>Mark service as used by application if deploying with eclipse Bluemix tools.</a:t>
+            </a:r>
+            <a:endParaRPr/>
+          </a:p>
+          <a:p>
+            <a:pPr marL="216000" indent="-216000">
+              <a:buFont typeface="Liberation Serif"/>
+              <a:buAutoNum type="arabicPeriod"/>
+            </a:pPr>
+            <a:r>
+              <a:rPr lang="en-US" sz="1800" spc="-1" strike="noStrike">
+                <a:solidFill>
+                  <a:srgbClr val="000000"/>
+                </a:solidFill>
+                <a:uFill>
+                  <a:solidFill>
+                    <a:srgbClr val="ffffff"/>
+                  </a:solidFill>
+                </a:uFill>
+                <a:latin typeface="Arial"/>
+                <a:ea typeface="DejaVu Sans"/>
+              </a:rPr>
+              <a:t>Add method to </a:t>
+            </a:r>
+            <a:r>
+              <a:rPr lang="en-US" sz="1800" spc="-1" strike="noStrike">
+                <a:solidFill>
+                  <a:srgbClr val="000000"/>
+                </a:solidFill>
+                <a:uFill>
+                  <a:solidFill>
+                    <a:srgbClr val="ffffff"/>
+                  </a:solidFill>
+                </a:uFill>
+                <a:latin typeface="Arial"/>
+                <a:ea typeface="DejaVu Sans"/>
+              </a:rPr>
+              <a:t>ServiceDiscovery class to parse VCAP_SERVICES variable and return either client object instance for non-JDBC services or data source for JDBC services.</a:t>
+            </a:r>
+            <a:endParaRPr/>
+          </a:p>
+          <a:p>
+            <a:pPr marL="216000" indent="-216000">
+              <a:buFont typeface="Liberation Serif"/>
+              <a:buAutoNum type="arabicPeriod"/>
+            </a:pPr>
+            <a:r>
+              <a:rPr lang="en-US" sz="1800" spc="-1" strike="noStrike">
+                <a:solidFill>
+                  <a:srgbClr val="000000"/>
+                </a:solidFill>
+                <a:uFill>
+                  <a:solidFill>
+                    <a:srgbClr val="ffffff"/>
+                  </a:solidFill>
+                </a:uFill>
+                <a:latin typeface="Arial"/>
+                <a:ea typeface="DejaVu Sans"/>
+              </a:rPr>
+              <a:t>Create service class similar to CloudantService class.</a:t>
+            </a:r>
+            <a:endParaRPr/>
+          </a:p>
+          <a:p>
+            <a:pPr lvl="1" marL="432000" indent="-216000">
+              <a:buFont typeface="Liberation Serif"/>
+              <a:buAutoNum type="arabicPeriod"/>
+            </a:pPr>
+            <a:r>
+              <a:rPr lang="en-US" sz="1800" spc="-1" strike="noStrike">
+                <a:solidFill>
+                  <a:srgbClr val="000000"/>
+                </a:solidFill>
+                <a:uFill>
+                  <a:solidFill>
+                    <a:srgbClr val="ffffff"/>
+                  </a:solidFill>
+                </a:uFill>
+                <a:latin typeface="Arial"/>
+                <a:ea typeface="DejaVu Sans"/>
+              </a:rPr>
+              <a:t>Service class should obtain client object or data source from ServiceDiscovery class at initialization.</a:t>
+            </a:r>
+            <a:endParaRPr/>
+          </a:p>
+          <a:p>
+            <a:pPr lvl="1" marL="432000" indent="-216000">
+              <a:buFont typeface="Liberation Serif"/>
+              <a:buAutoNum type="arabicPeriod"/>
+            </a:pPr>
+            <a:r>
+              <a:rPr lang="en-US" sz="1800" spc="-1" strike="noStrike">
+                <a:solidFill>
+                  <a:srgbClr val="000000"/>
+                </a:solidFill>
+                <a:uFill>
+                  <a:solidFill>
+                    <a:srgbClr val="ffffff"/>
+                  </a:solidFill>
+                </a:uFill>
+                <a:latin typeface="Arial"/>
+                <a:ea typeface="DejaVu Sans"/>
+              </a:rPr>
+              <a:t>Create any number of service methods those call corresponding underlying service API.</a:t>
+            </a:r>
+            <a:endParaRPr/>
+          </a:p>
+          <a:p>
+            <a:pPr marL="216000" indent="-216000">
+              <a:buFont typeface="Liberation Serif"/>
+              <a:buAutoNum type="arabicPeriod"/>
+            </a:pPr>
+            <a:r>
+              <a:rPr lang="en-US" sz="1800" spc="-1" strike="noStrike">
+                <a:solidFill>
+                  <a:srgbClr val="000000"/>
+                </a:solidFill>
+                <a:uFill>
+                  <a:solidFill>
+                    <a:srgbClr val="ffffff"/>
+                  </a:solidFill>
+                </a:uFill>
+                <a:latin typeface="Arial"/>
+                <a:ea typeface="DejaVu Sans"/>
+              </a:rPr>
+              <a:t>Create controller class similar to CloudantController class.</a:t>
+            </a:r>
+            <a:endParaRPr/>
+          </a:p>
+          <a:p>
+            <a:pPr lvl="1" marL="432000" indent="-216000">
+              <a:buFont typeface="Liberation Serif"/>
+              <a:buAutoNum type="arabicPeriod"/>
+            </a:pPr>
+            <a:r>
+              <a:rPr lang="en-US" sz="1800" spc="-1" strike="noStrike">
+                <a:solidFill>
+                  <a:srgbClr val="000000"/>
+                </a:solidFill>
+                <a:uFill>
+                  <a:solidFill>
+                    <a:srgbClr val="ffffff"/>
+                  </a:solidFill>
+                </a:uFill>
+                <a:latin typeface="Arial"/>
+                <a:ea typeface="DejaVu Sans"/>
+              </a:rPr>
+              <a:t>Annotate class with @Path annotation.</a:t>
+            </a:r>
+            <a:endParaRPr/>
+          </a:p>
+          <a:p>
+            <a:pPr lvl="1" marL="432000" indent="-216000">
+              <a:buFont typeface="Liberation Serif"/>
+              <a:buAutoNum type="arabicPeriod"/>
+            </a:pPr>
+            <a:r>
+              <a:rPr lang="en-US" sz="1800" spc="-1" strike="noStrike">
+                <a:solidFill>
+                  <a:srgbClr val="000000"/>
+                </a:solidFill>
+                <a:uFill>
+                  <a:solidFill>
+                    <a:srgbClr val="ffffff"/>
+                  </a:solidFill>
+                </a:uFill>
+                <a:latin typeface="Arial"/>
+                <a:ea typeface="DejaVu Sans"/>
+              </a:rPr>
+              <a:t>Create any number of REST methods and annotate them with @GET/@POST, @Path, @Consumes, @Produces annotations.</a:t>
+            </a:r>
+            <a:endParaRPr/>
+          </a:p>
+          <a:p>
+            <a:pPr lvl="1" marL="432000" indent="-216000">
+              <a:buFont typeface="Liberation Serif"/>
+              <a:buAutoNum type="arabicPeriod"/>
+            </a:pPr>
+            <a:r>
+              <a:rPr lang="en-US" sz="1800" spc="-1" strike="noStrike">
+                <a:solidFill>
+                  <a:srgbClr val="000000"/>
+                </a:solidFill>
+                <a:uFill>
+                  <a:solidFill>
+                    <a:srgbClr val="ffffff"/>
+                  </a:solidFill>
+                </a:uFill>
+                <a:latin typeface="Arial"/>
+                <a:ea typeface="DejaVu Sans"/>
+              </a:rPr>
+              <a:t>REST methods should delegate to corresponding service class methods.</a:t>
+            </a:r>
+            <a:endParaRPr/>
+          </a:p>
+          <a:p>
+            <a:endParaRPr/>
+          </a:p>
+          <a:p>
             <a:endParaRPr/>
           </a:p>
         </p:txBody>
@@ -13533,6 +13952,107 @@
           <p:childTnLst>
             <p:seq>
               <p:cTn id="4" dur="indefinite" nodeType="mainSeq"/>
+              <p:prevCondLst>
+                <p:cond delay="0" evt="onPrev">
+                  <p:tgtEl>
+                    <p:sldTgt/>
+                  </p:tgtEl>
+                </p:cond>
+              </p:prevCondLst>
+              <p:nextCondLst>
+                <p:cond delay="0" evt="onNext">
+                  <p:tgtEl>
+                    <p:sldTgt/>
+                  </p:tgtEl>
+                </p:cond>
+              </p:nextCondLst>
+            </p:seq>
+          </p:childTnLst>
+        </p:cTn>
+      </p:par>
+    </p:tnLst>
+  </p:timing>
+</p:sld>
+</file>
+
+<file path=ppt/slides/slide20.xml><?xml version="1.0" encoding="utf-8"?>
+<p:sld xmlns:a="http://schemas.openxmlformats.org/drawingml/2006/main" xmlns:p="http://schemas.openxmlformats.org/presentationml/2006/main" xmlns:r="http://schemas.openxmlformats.org/officeDocument/2006/relationships">
+  <p:cSld>
+    <p:spTree>
+      <p:nvGrpSpPr>
+        <p:cNvPr id="1" name=""/>
+        <p:cNvGrpSpPr/>
+        <p:nvPr/>
+      </p:nvGrpSpPr>
+      <p:grpSpPr>
+        <a:xfrm>
+          <a:off x="0" y="0"/>
+          <a:ext cx="0" cy="0"/>
+          <a:chOff x="0" y="0"/>
+          <a:chExt cx="0" cy="0"/>
+        </a:xfrm>
+      </p:grpSpPr>
+      <p:sp>
+        <p:nvSpPr>
+          <p:cNvPr id="235" name="CustomShape 1"/>
+          <p:cNvSpPr/>
+          <p:nvPr/>
+        </p:nvSpPr>
+        <p:spPr>
+          <a:xfrm>
+            <a:off x="1982160" y="2895480"/>
+            <a:ext cx="8223480" cy="387360"/>
+          </a:xfrm>
+          <a:prstGeom prst="rect">
+            <a:avLst/>
+          </a:prstGeom>
+          <a:noFill/>
+          <a:ln>
+            <a:noFill/>
+          </a:ln>
+        </p:spPr>
+        <p:style>
+          <a:lnRef idx="0"/>
+          <a:fillRef idx="0"/>
+          <a:effectRef idx="0"/>
+          <a:fontRef idx="minor"/>
+        </p:style>
+        <p:txBody>
+          <a:bodyPr lIns="90000" rIns="90000" tIns="91440" bIns="45000"/>
+          <a:p>
+            <a:pPr algn="ctr">
+              <a:lnSpc>
+                <a:spcPct val="100000"/>
+              </a:lnSpc>
+            </a:pPr>
+            <a:r>
+              <a:rPr b="1" lang="en-US" sz="3200" spc="-1" strike="noStrike">
+                <a:solidFill>
+                  <a:srgbClr val="002060"/>
+                </a:solidFill>
+                <a:uFill>
+                  <a:solidFill>
+                    <a:srgbClr val="ffffff"/>
+                  </a:solidFill>
+                </a:uFill>
+                <a:latin typeface="Arial"/>
+                <a:ea typeface="MS PGothic"/>
+              </a:rPr>
+              <a:t>Questions?</a:t>
+            </a:r>
+            <a:endParaRPr/>
+          </a:p>
+        </p:txBody>
+      </p:sp>
+    </p:spTree>
+  </p:cSld>
+  <p:timing>
+    <p:tnLst>
+      <p:par>
+        <p:cTn id="39" dur="indefinite" restart="never" nodeType="tmRoot">
+          <p:childTnLst>
+            <p:seq>
+              <p:cTn id="40" nodeType="mainSeq"/>
               <p:prevCondLst>
                 <p:cond delay="0" evt="onPrev">
                   <p:tgtEl>

--- a/documents/LabX - Java Plays - REST data services.pptx
+++ b/documents/LabX - Java Plays - REST data services.pptx
@@ -30,6 +30,7 @@
     <p:sldId id="273" r:id="rId23"/>
     <p:sldId id="274" r:id="rId24"/>
     <p:sldId id="275" r:id="rId25"/>
+    <p:sldId id="276" r:id="rId26"/>
   </p:sldIdLst>
   <p:sldSz cx="12193587" cy="6858000"/>
   <p:notesSz cx="6858000" cy="9144000"/>
@@ -205,7 +206,7 @@
           <a:bodyPr lIns="0" rIns="0" tIns="0" bIns="0" anchor="b"/>
           <a:p>
             <a:pPr algn="r"/>
-            <a:fld id="{38E1A1B7-BC8F-4555-B4AB-D519E833B85C}" type="slidenum">
+            <a:fld id="{A58DA61F-EDF1-4F65-B724-F7F424B06463}" type="slidenum">
               <a:rPr lang="en-US" sz="1400" spc="-1">
                 <a:latin typeface="Times New Roman"/>
               </a:rPr>
@@ -240,7 +241,7 @@
       </p:grpSpPr>
       <p:sp>
         <p:nvSpPr>
-          <p:cNvPr id="236" name="PlaceHolder 1"/>
+          <p:cNvPr id="238" name="PlaceHolder 1"/>
           <p:cNvSpPr>
             <a:spLocks noGrp="1"/>
           </p:cNvSpPr>
@@ -251,7 +252,7 @@
         <p:spPr>
           <a:xfrm>
             <a:off x="685800" y="4343400"/>
-            <a:ext cx="5481720" cy="4110120"/>
+            <a:ext cx="5481360" cy="4109760"/>
           </a:xfrm>
           <a:prstGeom prst="rect">
             <a:avLst/>
@@ -266,14 +267,14 @@
       </p:sp>
       <p:sp>
         <p:nvSpPr>
-          <p:cNvPr id="237" name="CustomShape 2"/>
+          <p:cNvPr id="239" name="CustomShape 2"/>
           <p:cNvSpPr/>
           <p:nvPr/>
         </p:nvSpPr>
         <p:spPr>
           <a:xfrm>
             <a:off x="3881520" y="8686800"/>
-            <a:ext cx="2971800" cy="452520"/>
+            <a:ext cx="2971440" cy="452160"/>
           </a:xfrm>
           <a:prstGeom prst="rect">
             <a:avLst/>
@@ -297,7 +298,7 @@
                 <a:spcPct val="100000"/>
               </a:lnSpc>
             </a:pPr>
-            <a:fld id="{903C115D-9F70-4702-9D70-0119B165EAB2}" type="slidenum">
+            <a:fld id="{6DC0FCFD-AFD7-4EFE-A89F-D31C182EACDB}" type="slidenum">
               <a:rPr lang="en-US" sz="1400" spc="-1" strike="noStrike">
                 <a:solidFill>
                   <a:srgbClr val="000000"/>
@@ -340,14 +341,14 @@
       </p:grpSpPr>
       <p:sp>
         <p:nvSpPr>
-          <p:cNvPr id="254" name="CustomShape 1"/>
+          <p:cNvPr id="256" name="CustomShape 1"/>
           <p:cNvSpPr/>
           <p:nvPr/>
         </p:nvSpPr>
         <p:spPr>
           <a:xfrm>
             <a:off x="3881520" y="8686800"/>
-            <a:ext cx="2971800" cy="452520"/>
+            <a:ext cx="2971440" cy="452160"/>
           </a:xfrm>
           <a:prstGeom prst="rect">
             <a:avLst/>
@@ -371,7 +372,7 @@
                 <a:spcPct val="100000"/>
               </a:lnSpc>
             </a:pPr>
-            <a:fld id="{4CAD132F-6BD9-4184-ACEF-62E69116541A}" type="slidenum">
+            <a:fld id="{AC741770-C76E-440A-9F0E-41A12CA5F8F9}" type="slidenum">
               <a:rPr lang="en-US" sz="1400" spc="-1" strike="noStrike">
                 <a:solidFill>
                   <a:srgbClr val="000000"/>
@@ -392,7 +393,7 @@
       </p:sp>
       <p:sp>
         <p:nvSpPr>
-          <p:cNvPr id="255" name="PlaceHolder 2"/>
+          <p:cNvPr id="257" name="PlaceHolder 2"/>
           <p:cNvSpPr>
             <a:spLocks noGrp="1"/>
           </p:cNvSpPr>
@@ -403,7 +404,7 @@
         <p:spPr>
           <a:xfrm>
             <a:off x="685800" y="4343400"/>
-            <a:ext cx="5484960" cy="4113360"/>
+            <a:ext cx="5484600" cy="4113000"/>
           </a:xfrm>
           <a:prstGeom prst="rect">
             <a:avLst/>
@@ -440,14 +441,14 @@
       </p:grpSpPr>
       <p:sp>
         <p:nvSpPr>
-          <p:cNvPr id="256" name="CustomShape 1"/>
+          <p:cNvPr id="258" name="CustomShape 1"/>
           <p:cNvSpPr/>
           <p:nvPr/>
         </p:nvSpPr>
         <p:spPr>
           <a:xfrm>
             <a:off x="3881520" y="8686800"/>
-            <a:ext cx="2971800" cy="452520"/>
+            <a:ext cx="2971440" cy="452160"/>
           </a:xfrm>
           <a:prstGeom prst="rect">
             <a:avLst/>
@@ -471,7 +472,7 @@
                 <a:spcPct val="100000"/>
               </a:lnSpc>
             </a:pPr>
-            <a:fld id="{9565C1E7-AAB9-4A22-A36A-446837A940A6}" type="slidenum">
+            <a:fld id="{C4E93158-A818-4C97-88B2-B38884322D29}" type="slidenum">
               <a:rPr lang="en-US" sz="1400" spc="-1" strike="noStrike">
                 <a:solidFill>
                   <a:srgbClr val="000000"/>
@@ -492,7 +493,7 @@
       </p:sp>
       <p:sp>
         <p:nvSpPr>
-          <p:cNvPr id="257" name="PlaceHolder 2"/>
+          <p:cNvPr id="259" name="PlaceHolder 2"/>
           <p:cNvSpPr>
             <a:spLocks noGrp="1"/>
           </p:cNvSpPr>
@@ -503,7 +504,7 @@
         <p:spPr>
           <a:xfrm>
             <a:off x="685800" y="4343400"/>
-            <a:ext cx="5484960" cy="4113360"/>
+            <a:ext cx="5484600" cy="4113000"/>
           </a:xfrm>
           <a:prstGeom prst="rect">
             <a:avLst/>
@@ -540,14 +541,14 @@
       </p:grpSpPr>
       <p:sp>
         <p:nvSpPr>
-          <p:cNvPr id="258" name="CustomShape 1"/>
+          <p:cNvPr id="260" name="CustomShape 1"/>
           <p:cNvSpPr/>
           <p:nvPr/>
         </p:nvSpPr>
         <p:spPr>
           <a:xfrm>
             <a:off x="3881520" y="8686800"/>
-            <a:ext cx="2971800" cy="452520"/>
+            <a:ext cx="2971440" cy="452160"/>
           </a:xfrm>
           <a:prstGeom prst="rect">
             <a:avLst/>
@@ -571,7 +572,7 @@
                 <a:spcPct val="100000"/>
               </a:lnSpc>
             </a:pPr>
-            <a:fld id="{0C4B3616-77AA-4E77-AE9B-5AECA54FF34C}" type="slidenum">
+            <a:fld id="{F4C99D1C-E0AF-4FA2-8DFE-BE091F533BC6}" type="slidenum">
               <a:rPr lang="en-US" sz="1400" spc="-1" strike="noStrike">
                 <a:solidFill>
                   <a:srgbClr val="000000"/>
@@ -592,7 +593,7 @@
       </p:sp>
       <p:sp>
         <p:nvSpPr>
-          <p:cNvPr id="259" name="PlaceHolder 2"/>
+          <p:cNvPr id="261" name="PlaceHolder 2"/>
           <p:cNvSpPr>
             <a:spLocks noGrp="1"/>
           </p:cNvSpPr>
@@ -603,7 +604,7 @@
         <p:spPr>
           <a:xfrm>
             <a:off x="685800" y="4343400"/>
-            <a:ext cx="5484960" cy="4113360"/>
+            <a:ext cx="5484600" cy="4113000"/>
           </a:xfrm>
           <a:prstGeom prst="rect">
             <a:avLst/>
@@ -640,14 +641,14 @@
       </p:grpSpPr>
       <p:sp>
         <p:nvSpPr>
-          <p:cNvPr id="260" name="CustomShape 1"/>
+          <p:cNvPr id="262" name="CustomShape 1"/>
           <p:cNvSpPr/>
           <p:nvPr/>
         </p:nvSpPr>
         <p:spPr>
           <a:xfrm>
             <a:off x="3881520" y="8686800"/>
-            <a:ext cx="2971800" cy="452520"/>
+            <a:ext cx="2971440" cy="452160"/>
           </a:xfrm>
           <a:prstGeom prst="rect">
             <a:avLst/>
@@ -671,7 +672,7 @@
                 <a:spcPct val="100000"/>
               </a:lnSpc>
             </a:pPr>
-            <a:fld id="{12EE03D2-AE07-4BF7-9F2E-42D8B25F8FE8}" type="slidenum">
+            <a:fld id="{F80ABCA8-5561-40C5-BB3F-FC878EEAAFA8}" type="slidenum">
               <a:rPr lang="en-US" sz="1400" spc="-1" strike="noStrike">
                 <a:solidFill>
                   <a:srgbClr val="000000"/>
@@ -692,7 +693,7 @@
       </p:sp>
       <p:sp>
         <p:nvSpPr>
-          <p:cNvPr id="261" name="PlaceHolder 2"/>
+          <p:cNvPr id="263" name="PlaceHolder 2"/>
           <p:cNvSpPr>
             <a:spLocks noGrp="1"/>
           </p:cNvSpPr>
@@ -703,7 +704,7 @@
         <p:spPr>
           <a:xfrm>
             <a:off x="685800" y="4343400"/>
-            <a:ext cx="5484960" cy="4113360"/>
+            <a:ext cx="5484600" cy="4113000"/>
           </a:xfrm>
           <a:prstGeom prst="rect">
             <a:avLst/>
@@ -740,14 +741,14 @@
       </p:grpSpPr>
       <p:sp>
         <p:nvSpPr>
-          <p:cNvPr id="262" name="CustomShape 1"/>
+          <p:cNvPr id="264" name="CustomShape 1"/>
           <p:cNvSpPr/>
           <p:nvPr/>
         </p:nvSpPr>
         <p:spPr>
           <a:xfrm>
             <a:off x="3881520" y="8686800"/>
-            <a:ext cx="2971800" cy="452520"/>
+            <a:ext cx="2971440" cy="452160"/>
           </a:xfrm>
           <a:prstGeom prst="rect">
             <a:avLst/>
@@ -771,7 +772,7 @@
                 <a:spcPct val="100000"/>
               </a:lnSpc>
             </a:pPr>
-            <a:fld id="{B44DCDE4-BBFD-4F08-8149-D2CE82C1FB9F}" type="slidenum">
+            <a:fld id="{F318D46C-0578-4102-BC96-A43073E1320A}" type="slidenum">
               <a:rPr lang="en-US" sz="1400" spc="-1" strike="noStrike">
                 <a:solidFill>
                   <a:srgbClr val="000000"/>
@@ -792,7 +793,7 @@
       </p:sp>
       <p:sp>
         <p:nvSpPr>
-          <p:cNvPr id="263" name="PlaceHolder 2"/>
+          <p:cNvPr id="265" name="PlaceHolder 2"/>
           <p:cNvSpPr>
             <a:spLocks noGrp="1"/>
           </p:cNvSpPr>
@@ -803,7 +804,7 @@
         <p:spPr>
           <a:xfrm>
             <a:off x="685800" y="4343400"/>
-            <a:ext cx="5484960" cy="4113360"/>
+            <a:ext cx="5484600" cy="4113000"/>
           </a:xfrm>
           <a:prstGeom prst="rect">
             <a:avLst/>
@@ -840,14 +841,14 @@
       </p:grpSpPr>
       <p:sp>
         <p:nvSpPr>
-          <p:cNvPr id="264" name="CustomShape 1"/>
+          <p:cNvPr id="266" name="CustomShape 1"/>
           <p:cNvSpPr/>
           <p:nvPr/>
         </p:nvSpPr>
         <p:spPr>
           <a:xfrm>
             <a:off x="3881520" y="8686800"/>
-            <a:ext cx="2971800" cy="452520"/>
+            <a:ext cx="2971440" cy="452160"/>
           </a:xfrm>
           <a:prstGeom prst="rect">
             <a:avLst/>
@@ -871,7 +872,7 @@
                 <a:spcPct val="100000"/>
               </a:lnSpc>
             </a:pPr>
-            <a:fld id="{65C0E2B5-E4B6-463C-B786-DDD42B62C8FF}" type="slidenum">
+            <a:fld id="{7A2C4DE3-1A09-4368-B715-188FEA53EF47}" type="slidenum">
               <a:rPr lang="en-US" sz="1400" spc="-1" strike="noStrike">
                 <a:solidFill>
                   <a:srgbClr val="000000"/>
@@ -892,7 +893,7 @@
       </p:sp>
       <p:sp>
         <p:nvSpPr>
-          <p:cNvPr id="265" name="PlaceHolder 2"/>
+          <p:cNvPr id="267" name="PlaceHolder 2"/>
           <p:cNvSpPr>
             <a:spLocks noGrp="1"/>
           </p:cNvSpPr>
@@ -903,7 +904,7 @@
         <p:spPr>
           <a:xfrm>
             <a:off x="685800" y="4343400"/>
-            <a:ext cx="5484960" cy="4113360"/>
+            <a:ext cx="5484600" cy="4113000"/>
           </a:xfrm>
           <a:prstGeom prst="rect">
             <a:avLst/>
@@ -940,14 +941,14 @@
       </p:grpSpPr>
       <p:sp>
         <p:nvSpPr>
-          <p:cNvPr id="266" name="CustomShape 1"/>
+          <p:cNvPr id="268" name="CustomShape 1"/>
           <p:cNvSpPr/>
           <p:nvPr/>
         </p:nvSpPr>
         <p:spPr>
           <a:xfrm>
             <a:off x="3881520" y="8686800"/>
-            <a:ext cx="2971800" cy="452520"/>
+            <a:ext cx="2971440" cy="452160"/>
           </a:xfrm>
           <a:prstGeom prst="rect">
             <a:avLst/>
@@ -971,7 +972,7 @@
                 <a:spcPct val="100000"/>
               </a:lnSpc>
             </a:pPr>
-            <a:fld id="{0D6B87D1-CBD2-4A67-A1A8-29124B258148}" type="slidenum">
+            <a:fld id="{BFC995B3-8296-476C-B099-539D5D5F7C71}" type="slidenum">
               <a:rPr lang="en-US" sz="1400" spc="-1" strike="noStrike">
                 <a:solidFill>
                   <a:srgbClr val="000000"/>
@@ -992,7 +993,7 @@
       </p:sp>
       <p:sp>
         <p:nvSpPr>
-          <p:cNvPr id="267" name="PlaceHolder 2"/>
+          <p:cNvPr id="269" name="PlaceHolder 2"/>
           <p:cNvSpPr>
             <a:spLocks noGrp="1"/>
           </p:cNvSpPr>
@@ -1003,7 +1004,7 @@
         <p:spPr>
           <a:xfrm>
             <a:off x="685800" y="4343400"/>
-            <a:ext cx="5484960" cy="4113360"/>
+            <a:ext cx="5484600" cy="4113000"/>
           </a:xfrm>
           <a:prstGeom prst="rect">
             <a:avLst/>
@@ -1040,14 +1041,14 @@
       </p:grpSpPr>
       <p:sp>
         <p:nvSpPr>
-          <p:cNvPr id="268" name="CustomShape 1"/>
+          <p:cNvPr id="270" name="CustomShape 1"/>
           <p:cNvSpPr/>
           <p:nvPr/>
         </p:nvSpPr>
         <p:spPr>
           <a:xfrm>
             <a:off x="3881520" y="8686800"/>
-            <a:ext cx="2971800" cy="452520"/>
+            <a:ext cx="2971440" cy="452160"/>
           </a:xfrm>
           <a:prstGeom prst="rect">
             <a:avLst/>
@@ -1071,7 +1072,7 @@
                 <a:spcPct val="100000"/>
               </a:lnSpc>
             </a:pPr>
-            <a:fld id="{180041BD-FFB9-4470-810D-4135F8C9747E}" type="slidenum">
+            <a:fld id="{72B33F36-A84D-44C4-BB1B-0BBED11B2784}" type="slidenum">
               <a:rPr lang="en-US" sz="1400" spc="-1" strike="noStrike">
                 <a:solidFill>
                   <a:srgbClr val="000000"/>
@@ -1092,7 +1093,7 @@
       </p:sp>
       <p:sp>
         <p:nvSpPr>
-          <p:cNvPr id="269" name="PlaceHolder 2"/>
+          <p:cNvPr id="271" name="PlaceHolder 2"/>
           <p:cNvSpPr>
             <a:spLocks noGrp="1"/>
           </p:cNvSpPr>
@@ -1103,7 +1104,7 @@
         <p:spPr>
           <a:xfrm>
             <a:off x="685800" y="4343400"/>
-            <a:ext cx="5484960" cy="4113360"/>
+            <a:ext cx="5484600" cy="4113000"/>
           </a:xfrm>
           <a:prstGeom prst="rect">
             <a:avLst/>
@@ -1140,14 +1141,14 @@
       </p:grpSpPr>
       <p:sp>
         <p:nvSpPr>
-          <p:cNvPr id="270" name="CustomShape 1"/>
+          <p:cNvPr id="272" name="CustomShape 1"/>
           <p:cNvSpPr/>
           <p:nvPr/>
         </p:nvSpPr>
         <p:spPr>
           <a:xfrm>
             <a:off x="3881520" y="8686800"/>
-            <a:ext cx="2971800" cy="452520"/>
+            <a:ext cx="2971440" cy="452160"/>
           </a:xfrm>
           <a:prstGeom prst="rect">
             <a:avLst/>
@@ -1171,7 +1172,7 @@
                 <a:spcPct val="100000"/>
               </a:lnSpc>
             </a:pPr>
-            <a:fld id="{D22E8FC9-A3EE-4D46-AF83-9DAFD3E9104D}" type="slidenum">
+            <a:fld id="{987DE375-4FE2-4D4F-AA39-BB31F8B0E7B7}" type="slidenum">
               <a:rPr lang="en-US" sz="1400" spc="-1" strike="noStrike">
                 <a:solidFill>
                   <a:srgbClr val="000000"/>
@@ -1192,7 +1193,7 @@
       </p:sp>
       <p:sp>
         <p:nvSpPr>
-          <p:cNvPr id="271" name="PlaceHolder 2"/>
+          <p:cNvPr id="273" name="PlaceHolder 2"/>
           <p:cNvSpPr>
             <a:spLocks noGrp="1"/>
           </p:cNvSpPr>
@@ -1203,7 +1204,7 @@
         <p:spPr>
           <a:xfrm>
             <a:off x="685800" y="4343400"/>
-            <a:ext cx="5484960" cy="4113360"/>
+            <a:ext cx="5484600" cy="4113000"/>
           </a:xfrm>
           <a:prstGeom prst="rect">
             <a:avLst/>
@@ -1240,14 +1241,14 @@
       </p:grpSpPr>
       <p:sp>
         <p:nvSpPr>
-          <p:cNvPr id="272" name="CustomShape 1"/>
+          <p:cNvPr id="274" name="CustomShape 1"/>
           <p:cNvSpPr/>
           <p:nvPr/>
         </p:nvSpPr>
         <p:spPr>
           <a:xfrm>
             <a:off x="3881520" y="8686800"/>
-            <a:ext cx="2971800" cy="452520"/>
+            <a:ext cx="2971440" cy="452160"/>
           </a:xfrm>
           <a:prstGeom prst="rect">
             <a:avLst/>
@@ -1271,7 +1272,7 @@
                 <a:spcPct val="100000"/>
               </a:lnSpc>
             </a:pPr>
-            <a:fld id="{9231D850-C594-4454-A03F-27410AC53C59}" type="slidenum">
+            <a:fld id="{974B54AA-1696-4FC6-89B3-B32A0E91722A}" type="slidenum">
               <a:rPr lang="en-US" sz="1400" spc="-1" strike="noStrike">
                 <a:solidFill>
                   <a:srgbClr val="000000"/>
@@ -1292,7 +1293,7 @@
       </p:sp>
       <p:sp>
         <p:nvSpPr>
-          <p:cNvPr id="273" name="PlaceHolder 2"/>
+          <p:cNvPr id="275" name="PlaceHolder 2"/>
           <p:cNvSpPr>
             <a:spLocks noGrp="1"/>
           </p:cNvSpPr>
@@ -1303,7 +1304,7 @@
         <p:spPr>
           <a:xfrm>
             <a:off x="685800" y="4343400"/>
-            <a:ext cx="5484960" cy="4113360"/>
+            <a:ext cx="5484600" cy="4113000"/>
           </a:xfrm>
           <a:prstGeom prst="rect">
             <a:avLst/>
@@ -1340,14 +1341,14 @@
       </p:grpSpPr>
       <p:sp>
         <p:nvSpPr>
-          <p:cNvPr id="238" name="CustomShape 1"/>
+          <p:cNvPr id="240" name="CustomShape 1"/>
           <p:cNvSpPr/>
           <p:nvPr/>
         </p:nvSpPr>
         <p:spPr>
           <a:xfrm>
             <a:off x="3881520" y="8686800"/>
-            <a:ext cx="2971800" cy="452520"/>
+            <a:ext cx="2971440" cy="452160"/>
           </a:xfrm>
           <a:prstGeom prst="rect">
             <a:avLst/>
@@ -1371,7 +1372,7 @@
                 <a:spcPct val="100000"/>
               </a:lnSpc>
             </a:pPr>
-            <a:fld id="{E5A36511-35E5-44BF-A836-0E2004DE7869}" type="slidenum">
+            <a:fld id="{FA7759D5-D98C-4BC1-9731-2460B4BBEECA}" type="slidenum">
               <a:rPr lang="en-US" sz="1400" spc="-1" strike="noStrike">
                 <a:solidFill>
                   <a:srgbClr val="000000"/>
@@ -1392,14 +1393,14 @@
       </p:sp>
       <p:sp>
         <p:nvSpPr>
-          <p:cNvPr id="239" name="CustomShape 2"/>
+          <p:cNvPr id="241" name="CustomShape 2"/>
           <p:cNvSpPr/>
           <p:nvPr/>
         </p:nvSpPr>
         <p:spPr>
           <a:xfrm>
             <a:off x="3881520" y="8686800"/>
-            <a:ext cx="2973600" cy="454320"/>
+            <a:ext cx="2973240" cy="453960"/>
           </a:xfrm>
           <a:prstGeom prst="rect">
             <a:avLst/>
@@ -1423,7 +1424,7 @@
                 <a:spcPct val="87000"/>
               </a:lnSpc>
             </a:pPr>
-            <a:fld id="{8EDFC38A-B7F9-43FF-8F17-81C7A58A2394}" type="slidenum">
+            <a:fld id="{8CB26907-1350-43A4-AC21-2B4627F38B6F}" type="slidenum">
               <a:rPr lang="en-US" sz="1400" spc="-1" strike="noStrike">
                 <a:solidFill>
                   <a:srgbClr val="000000"/>
@@ -1444,7 +1445,7 @@
       </p:sp>
       <p:sp>
         <p:nvSpPr>
-          <p:cNvPr id="240" name="PlaceHolder 3"/>
+          <p:cNvPr id="242" name="PlaceHolder 3"/>
           <p:cNvSpPr>
             <a:spLocks noGrp="1"/>
           </p:cNvSpPr>
@@ -1455,7 +1456,107 @@
         <p:spPr>
           <a:xfrm>
             <a:off x="685800" y="4343400"/>
-            <a:ext cx="5483520" cy="4113360"/>
+            <a:ext cx="5483160" cy="4113000"/>
+          </a:xfrm>
+          <a:prstGeom prst="rect">
+            <a:avLst/>
+          </a:prstGeom>
+        </p:spPr>
+        <p:txBody>
+          <a:bodyPr lIns="0" rIns="0" tIns="0" bIns="0" anchor="ctr"/>
+          <a:p>
+            <a:endParaRPr/>
+          </a:p>
+        </p:txBody>
+      </p:sp>
+    </p:spTree>
+  </p:cSld>
+</p:notes>
+</file>
+
+<file path=ppt/notesSlides/notesSlide20.xml><?xml version="1.0" encoding="utf-8"?>
+<p:notes xmlns:a="http://schemas.openxmlformats.org/drawingml/2006/main" xmlns:p="http://schemas.openxmlformats.org/presentationml/2006/main" xmlns:r="http://schemas.openxmlformats.org/officeDocument/2006/relationships">
+  <p:cSld>
+    <p:spTree>
+      <p:nvGrpSpPr>
+        <p:cNvPr id="1" name=""/>
+        <p:cNvGrpSpPr/>
+        <p:nvPr/>
+      </p:nvGrpSpPr>
+      <p:grpSpPr>
+        <a:xfrm>
+          <a:off x="0" y="0"/>
+          <a:ext cx="0" cy="0"/>
+          <a:chOff x="0" y="0"/>
+          <a:chExt cx="0" cy="0"/>
+        </a:xfrm>
+      </p:grpSpPr>
+      <p:sp>
+        <p:nvSpPr>
+          <p:cNvPr id="276" name="CustomShape 1"/>
+          <p:cNvSpPr/>
+          <p:nvPr/>
+        </p:nvSpPr>
+        <p:spPr>
+          <a:xfrm>
+            <a:off x="3881520" y="8686800"/>
+            <a:ext cx="2971440" cy="452160"/>
+          </a:xfrm>
+          <a:prstGeom prst="rect">
+            <a:avLst/>
+          </a:prstGeom>
+          <a:noFill/>
+          <a:ln>
+            <a:noFill/>
+          </a:ln>
+        </p:spPr>
+        <p:style>
+          <a:lnRef idx="0"/>
+          <a:fillRef idx="0"/>
+          <a:effectRef idx="0"/>
+          <a:fontRef idx="minor"/>
+        </p:style>
+        <p:txBody>
+          <a:bodyPr lIns="0" rIns="0" tIns="0" bIns="0" anchor="b"/>
+          <a:p>
+            <a:pPr algn="r">
+              <a:lnSpc>
+                <a:spcPct val="100000"/>
+              </a:lnSpc>
+            </a:pPr>
+            <a:fld id="{C6F1B486-95C3-4FCA-AE62-28A158217015}" type="slidenum">
+              <a:rPr lang="en-US" sz="1400" spc="-1" strike="noStrike">
+                <a:solidFill>
+                  <a:srgbClr val="000000"/>
+                </a:solidFill>
+                <a:uFill>
+                  <a:solidFill>
+                    <a:srgbClr val="ffffff"/>
+                  </a:solidFill>
+                </a:uFill>
+                <a:latin typeface="Arial"/>
+                <a:ea typeface="Lucida Sans Unicode"/>
+              </a:rPr>
+              <a:t>&lt;number&gt;</a:t>
+            </a:fld>
+            <a:endParaRPr/>
+          </a:p>
+        </p:txBody>
+      </p:sp>
+      <p:sp>
+        <p:nvSpPr>
+          <p:cNvPr id="277" name="PlaceHolder 2"/>
+          <p:cNvSpPr>
+            <a:spLocks noGrp="1"/>
+          </p:cNvSpPr>
+          <p:nvPr>
+            <p:ph type="body"/>
+          </p:nvPr>
+        </p:nvSpPr>
+        <p:spPr>
+          <a:xfrm>
+            <a:off x="685800" y="4343400"/>
+            <a:ext cx="5484600" cy="4113000"/>
           </a:xfrm>
           <a:prstGeom prst="rect">
             <a:avLst/>
@@ -1492,14 +1593,14 @@
       </p:grpSpPr>
       <p:sp>
         <p:nvSpPr>
-          <p:cNvPr id="241" name="CustomShape 1"/>
+          <p:cNvPr id="243" name="CustomShape 1"/>
           <p:cNvSpPr/>
           <p:nvPr/>
         </p:nvSpPr>
         <p:spPr>
           <a:xfrm>
             <a:off x="3881520" y="8686800"/>
-            <a:ext cx="2971800" cy="452520"/>
+            <a:ext cx="2971440" cy="452160"/>
           </a:xfrm>
           <a:prstGeom prst="rect">
             <a:avLst/>
@@ -1523,7 +1624,7 @@
                 <a:spcPct val="100000"/>
               </a:lnSpc>
             </a:pPr>
-            <a:fld id="{667960A1-A208-4A99-8608-39E2EAED6E17}" type="slidenum">
+            <a:fld id="{C384533C-C211-4BE5-A149-2329627D4842}" type="slidenum">
               <a:rPr lang="en-US" sz="1400" spc="-1" strike="noStrike">
                 <a:solidFill>
                   <a:srgbClr val="000000"/>
@@ -1544,14 +1645,14 @@
       </p:sp>
       <p:sp>
         <p:nvSpPr>
-          <p:cNvPr id="242" name="CustomShape 2"/>
+          <p:cNvPr id="244" name="CustomShape 2"/>
           <p:cNvSpPr/>
           <p:nvPr/>
         </p:nvSpPr>
         <p:spPr>
           <a:xfrm>
             <a:off x="3881520" y="8686800"/>
-            <a:ext cx="2973600" cy="454320"/>
+            <a:ext cx="2973240" cy="453960"/>
           </a:xfrm>
           <a:prstGeom prst="rect">
             <a:avLst/>
@@ -1575,7 +1676,7 @@
                 <a:spcPct val="87000"/>
               </a:lnSpc>
             </a:pPr>
-            <a:fld id="{FAD62F60-73B6-458D-9B50-F2EA14B13C8A}" type="slidenum">
+            <a:fld id="{0FE28419-93A9-42E5-A466-52E14EAC03E4}" type="slidenum">
               <a:rPr lang="en-US" sz="1400" spc="-1" strike="noStrike">
                 <a:solidFill>
                   <a:srgbClr val="000000"/>
@@ -1596,7 +1697,7 @@
       </p:sp>
       <p:sp>
         <p:nvSpPr>
-          <p:cNvPr id="243" name="PlaceHolder 3"/>
+          <p:cNvPr id="245" name="PlaceHolder 3"/>
           <p:cNvSpPr>
             <a:spLocks noGrp="1"/>
           </p:cNvSpPr>
@@ -1607,7 +1708,7 @@
         <p:spPr>
           <a:xfrm>
             <a:off x="685800" y="4343400"/>
-            <a:ext cx="5483520" cy="4113360"/>
+            <a:ext cx="5483160" cy="4113000"/>
           </a:xfrm>
           <a:prstGeom prst="rect">
             <a:avLst/>
@@ -1644,14 +1745,14 @@
       </p:grpSpPr>
       <p:sp>
         <p:nvSpPr>
-          <p:cNvPr id="244" name="CustomShape 1"/>
+          <p:cNvPr id="246" name="CustomShape 1"/>
           <p:cNvSpPr/>
           <p:nvPr/>
         </p:nvSpPr>
         <p:spPr>
           <a:xfrm>
             <a:off x="3881520" y="8686800"/>
-            <a:ext cx="2971800" cy="452520"/>
+            <a:ext cx="2971440" cy="452160"/>
           </a:xfrm>
           <a:prstGeom prst="rect">
             <a:avLst/>
@@ -1675,7 +1776,7 @@
                 <a:spcPct val="100000"/>
               </a:lnSpc>
             </a:pPr>
-            <a:fld id="{FE5CB43B-819D-41B8-ABF9-BF017275E0F8}" type="slidenum">
+            <a:fld id="{3D5A8EC4-993D-4091-AB17-F391702406F8}" type="slidenum">
               <a:rPr lang="en-US" sz="1400" spc="-1" strike="noStrike">
                 <a:solidFill>
                   <a:srgbClr val="000000"/>
@@ -1696,7 +1797,7 @@
       </p:sp>
       <p:sp>
         <p:nvSpPr>
-          <p:cNvPr id="245" name="PlaceHolder 2"/>
+          <p:cNvPr id="247" name="PlaceHolder 2"/>
           <p:cNvSpPr>
             <a:spLocks noGrp="1"/>
           </p:cNvSpPr>
@@ -1707,7 +1808,7 @@
         <p:spPr>
           <a:xfrm>
             <a:off x="685800" y="4343400"/>
-            <a:ext cx="5484960" cy="4113360"/>
+            <a:ext cx="5484600" cy="4113000"/>
           </a:xfrm>
           <a:prstGeom prst="rect">
             <a:avLst/>
@@ -1744,14 +1845,14 @@
       </p:grpSpPr>
       <p:sp>
         <p:nvSpPr>
-          <p:cNvPr id="246" name="CustomShape 1"/>
+          <p:cNvPr id="248" name="CustomShape 1"/>
           <p:cNvSpPr/>
           <p:nvPr/>
         </p:nvSpPr>
         <p:spPr>
           <a:xfrm>
             <a:off x="3881520" y="8686800"/>
-            <a:ext cx="2971800" cy="452520"/>
+            <a:ext cx="2971440" cy="452160"/>
           </a:xfrm>
           <a:prstGeom prst="rect">
             <a:avLst/>
@@ -1775,7 +1876,7 @@
                 <a:spcPct val="100000"/>
               </a:lnSpc>
             </a:pPr>
-            <a:fld id="{FB6654D8-5955-4F02-A975-D7302E03EDBC}" type="slidenum">
+            <a:fld id="{C19B5487-7239-4BFE-90AE-E0CAD0763CB9}" type="slidenum">
               <a:rPr lang="en-US" sz="1400" spc="-1" strike="noStrike">
                 <a:solidFill>
                   <a:srgbClr val="000000"/>
@@ -1796,7 +1897,7 @@
       </p:sp>
       <p:sp>
         <p:nvSpPr>
-          <p:cNvPr id="247" name="PlaceHolder 2"/>
+          <p:cNvPr id="249" name="PlaceHolder 2"/>
           <p:cNvSpPr>
             <a:spLocks noGrp="1"/>
           </p:cNvSpPr>
@@ -1807,7 +1908,7 @@
         <p:spPr>
           <a:xfrm>
             <a:off x="685800" y="4343400"/>
-            <a:ext cx="5484960" cy="4113360"/>
+            <a:ext cx="5484600" cy="4113000"/>
           </a:xfrm>
           <a:prstGeom prst="rect">
             <a:avLst/>
@@ -1844,14 +1945,14 @@
       </p:grpSpPr>
       <p:sp>
         <p:nvSpPr>
-          <p:cNvPr id="248" name="CustomShape 1"/>
+          <p:cNvPr id="250" name="CustomShape 1"/>
           <p:cNvSpPr/>
           <p:nvPr/>
         </p:nvSpPr>
         <p:spPr>
           <a:xfrm>
             <a:off x="3881520" y="8686800"/>
-            <a:ext cx="2971800" cy="452520"/>
+            <a:ext cx="2971440" cy="452160"/>
           </a:xfrm>
           <a:prstGeom prst="rect">
             <a:avLst/>
@@ -1875,7 +1976,7 @@
                 <a:spcPct val="100000"/>
               </a:lnSpc>
             </a:pPr>
-            <a:fld id="{B1B049E8-CBA3-4CEF-B5FF-486DC930C820}" type="slidenum">
+            <a:fld id="{5D33AD87-7404-4779-9987-D48B1416AB6F}" type="slidenum">
               <a:rPr lang="en-US" sz="1400" spc="-1" strike="noStrike">
                 <a:solidFill>
                   <a:srgbClr val="000000"/>
@@ -1896,7 +1997,7 @@
       </p:sp>
       <p:sp>
         <p:nvSpPr>
-          <p:cNvPr id="249" name="PlaceHolder 2"/>
+          <p:cNvPr id="251" name="PlaceHolder 2"/>
           <p:cNvSpPr>
             <a:spLocks noGrp="1"/>
           </p:cNvSpPr>
@@ -1907,7 +2008,7 @@
         <p:spPr>
           <a:xfrm>
             <a:off x="685800" y="4343400"/>
-            <a:ext cx="5484960" cy="4113360"/>
+            <a:ext cx="5484600" cy="4113000"/>
           </a:xfrm>
           <a:prstGeom prst="rect">
             <a:avLst/>
@@ -1944,14 +2045,14 @@
       </p:grpSpPr>
       <p:sp>
         <p:nvSpPr>
-          <p:cNvPr id="250" name="CustomShape 1"/>
+          <p:cNvPr id="252" name="CustomShape 1"/>
           <p:cNvSpPr/>
           <p:nvPr/>
         </p:nvSpPr>
         <p:spPr>
           <a:xfrm>
             <a:off x="3881520" y="8686800"/>
-            <a:ext cx="2971800" cy="452520"/>
+            <a:ext cx="2971440" cy="452160"/>
           </a:xfrm>
           <a:prstGeom prst="rect">
             <a:avLst/>
@@ -1975,7 +2076,7 @@
                 <a:spcPct val="100000"/>
               </a:lnSpc>
             </a:pPr>
-            <a:fld id="{7AE68E58-0EC8-4243-AF71-97B1E1663619}" type="slidenum">
+            <a:fld id="{BF64B81F-633C-4A74-9533-01A1328880B8}" type="slidenum">
               <a:rPr lang="en-US" sz="1400" spc="-1" strike="noStrike">
                 <a:solidFill>
                   <a:srgbClr val="000000"/>
@@ -1996,7 +2097,7 @@
       </p:sp>
       <p:sp>
         <p:nvSpPr>
-          <p:cNvPr id="251" name="PlaceHolder 2"/>
+          <p:cNvPr id="253" name="PlaceHolder 2"/>
           <p:cNvSpPr>
             <a:spLocks noGrp="1"/>
           </p:cNvSpPr>
@@ -2007,7 +2108,7 @@
         <p:spPr>
           <a:xfrm>
             <a:off x="685800" y="4343400"/>
-            <a:ext cx="5484960" cy="4113360"/>
+            <a:ext cx="5484600" cy="4113000"/>
           </a:xfrm>
           <a:prstGeom prst="rect">
             <a:avLst/>
@@ -2044,14 +2145,14 @@
       </p:grpSpPr>
       <p:sp>
         <p:nvSpPr>
-          <p:cNvPr id="252" name="CustomShape 1"/>
+          <p:cNvPr id="254" name="CustomShape 1"/>
           <p:cNvSpPr/>
           <p:nvPr/>
         </p:nvSpPr>
         <p:spPr>
           <a:xfrm>
             <a:off x="3881520" y="8686800"/>
-            <a:ext cx="2971800" cy="452520"/>
+            <a:ext cx="2971440" cy="452160"/>
           </a:xfrm>
           <a:prstGeom prst="rect">
             <a:avLst/>
@@ -2075,7 +2176,7 @@
                 <a:spcPct val="100000"/>
               </a:lnSpc>
             </a:pPr>
-            <a:fld id="{FCE198A3-E5AD-4A19-B5CB-A5FB59228F90}" type="slidenum">
+            <a:fld id="{D41B38AB-CADC-473A-8F50-C31CA26B8F00}" type="slidenum">
               <a:rPr lang="en-US" sz="1400" spc="-1" strike="noStrike">
                 <a:solidFill>
                   <a:srgbClr val="000000"/>
@@ -2096,7 +2197,7 @@
       </p:sp>
       <p:sp>
         <p:nvSpPr>
-          <p:cNvPr id="253" name="PlaceHolder 2"/>
+          <p:cNvPr id="255" name="PlaceHolder 2"/>
           <p:cNvSpPr>
             <a:spLocks noGrp="1"/>
           </p:cNvSpPr>
@@ -2107,7 +2208,7 @@
         <p:spPr>
           <a:xfrm>
             <a:off x="685800" y="4343400"/>
-            <a:ext cx="5484960" cy="4113360"/>
+            <a:ext cx="5484600" cy="4113000"/>
           </a:xfrm>
           <a:prstGeom prst="rect">
             <a:avLst/>
@@ -5620,7 +5721,7 @@
         <p:spPr>
           <a:xfrm>
             <a:off x="0" y="0"/>
-            <a:ext cx="12192120" cy="6856560"/>
+            <a:ext cx="12191760" cy="6856200"/>
           </a:xfrm>
           <a:prstGeom prst="rect">
             <a:avLst/>
@@ -5661,7 +5762,7 @@
         <p:spPr>
           <a:xfrm>
             <a:off x="8535600" y="0"/>
-            <a:ext cx="3656520" cy="6856560"/>
+            <a:ext cx="3656160" cy="6856200"/>
           </a:xfrm>
           <a:prstGeom prst="rect">
             <a:avLst/>
@@ -5706,7 +5807,7 @@
         <p:spPr>
           <a:xfrm>
             <a:off x="8908560" y="6456240"/>
-            <a:ext cx="1206720" cy="149400"/>
+            <a:ext cx="1206360" cy="149040"/>
           </a:xfrm>
           <a:prstGeom prst="rect">
             <a:avLst/>
@@ -5729,7 +5830,7 @@
         <p:spPr>
           <a:xfrm>
             <a:off x="844560" y="1433520"/>
-            <a:ext cx="3888360" cy="2467080"/>
+            <a:ext cx="3888000" cy="2466720"/>
           </a:xfrm>
           <a:prstGeom prst="rect">
             <a:avLst/>
@@ -5748,7 +5849,7 @@
         <p:spPr>
           <a:xfrm>
             <a:off x="8840520" y="4937040"/>
-            <a:ext cx="2315160" cy="273240"/>
+            <a:ext cx="2314800" cy="272880"/>
           </a:xfrm>
           <a:prstGeom prst="rect">
             <a:avLst/>
@@ -5773,7 +5874,7 @@
               </a:lnSpc>
             </a:pPr>
             <a:r>
-              <a:rPr b="1" lang="en-US" sz="1600" spc="-21" strike="noStrike">
+              <a:rPr b="1" lang="en-US" sz="1600" spc="-18" strike="noStrike">
                 <a:solidFill>
                   <a:srgbClr val="ffffff"/>
                 </a:solidFill>
@@ -6047,7 +6148,7 @@
         <p:spPr>
           <a:xfrm>
             <a:off x="7888320" y="6481800"/>
-            <a:ext cx="4071960" cy="250560"/>
+            <a:ext cx="4071600" cy="250200"/>
           </a:xfrm>
           <a:prstGeom prst="rect">
             <a:avLst/>
@@ -6099,7 +6200,7 @@
         <p:spPr>
           <a:xfrm>
             <a:off x="228600" y="6456240"/>
-            <a:ext cx="735120" cy="246240"/>
+            <a:ext cx="734760" cy="245880"/>
           </a:xfrm>
           <a:prstGeom prst="rect">
             <a:avLst/>
@@ -6129,7 +6230,7 @@
         <p:spPr>
           <a:xfrm>
             <a:off x="363600" y="338040"/>
-            <a:ext cx="1413000" cy="160560"/>
+            <a:ext cx="1412640" cy="160200"/>
           </a:xfrm>
           <a:prstGeom prst="rect">
             <a:avLst/>
@@ -6152,7 +6253,7 @@
         <p:spPr>
           <a:xfrm>
             <a:off x="10596600" y="263520"/>
-            <a:ext cx="1230480" cy="239760"/>
+            <a:ext cx="1230120" cy="239400"/>
           </a:xfrm>
           <a:prstGeom prst="rect">
             <a:avLst/>
@@ -6418,7 +6519,7 @@
         <p:spPr>
           <a:xfrm>
             <a:off x="7888320" y="6481800"/>
-            <a:ext cx="4071960" cy="250560"/>
+            <a:ext cx="4071600" cy="250200"/>
           </a:xfrm>
           <a:prstGeom prst="rect">
             <a:avLst/>
@@ -6470,7 +6571,7 @@
         <p:spPr>
           <a:xfrm>
             <a:off x="228600" y="6456240"/>
-            <a:ext cx="735120" cy="246240"/>
+            <a:ext cx="734760" cy="245880"/>
           </a:xfrm>
           <a:prstGeom prst="rect">
             <a:avLst/>
@@ -6500,7 +6601,7 @@
         <p:spPr>
           <a:xfrm>
             <a:off x="363600" y="338040"/>
-            <a:ext cx="1413000" cy="160560"/>
+            <a:ext cx="1412640" cy="160200"/>
           </a:xfrm>
           <a:prstGeom prst="rect">
             <a:avLst/>
@@ -6523,7 +6624,7 @@
         <p:spPr>
           <a:xfrm>
             <a:off x="10596600" y="263520"/>
-            <a:ext cx="1230480" cy="239760"/>
+            <a:ext cx="1230120" cy="239400"/>
           </a:xfrm>
           <a:prstGeom prst="rect">
             <a:avLst/>
@@ -6754,7 +6855,7 @@
         <p:spPr>
           <a:xfrm>
             <a:off x="821520" y="3878280"/>
-            <a:ext cx="6110280" cy="1141560"/>
+            <a:ext cx="6109920" cy="1141200"/>
           </a:xfrm>
           <a:prstGeom prst="rect">
             <a:avLst/>
@@ -6779,7 +6880,7 @@
               </a:lnSpc>
             </a:pPr>
             <a:r>
-              <a:rPr b="1" lang="en-US" sz="2800" spc="-21" strike="noStrike">
+              <a:rPr b="1" lang="en-US" sz="2800" spc="-18" strike="noStrike">
                 <a:solidFill>
                   <a:srgbClr val="ffffff"/>
                 </a:solidFill>
@@ -6806,7 +6907,7 @@
         <p:spPr>
           <a:xfrm>
             <a:off x="8840160" y="5349960"/>
-            <a:ext cx="1690920" cy="684360"/>
+            <a:ext cx="1690560" cy="684000"/>
           </a:xfrm>
           <a:prstGeom prst="rect">
             <a:avLst/>
@@ -6831,7 +6932,7 @@
               </a:lnSpc>
             </a:pPr>
             <a:r>
-              <a:rPr lang="en-US" sz="1600" spc="-21" strike="noStrike">
+              <a:rPr lang="en-US" sz="1600" spc="-18" strike="noStrike">
                 <a:solidFill>
                   <a:srgbClr val="ffffff"/>
                 </a:solidFill>
@@ -6910,7 +7011,7 @@
         <p:spPr>
           <a:xfrm>
             <a:off x="349920" y="635040"/>
-            <a:ext cx="9745920" cy="387360"/>
+            <a:ext cx="9745560" cy="387000"/>
           </a:xfrm>
           <a:prstGeom prst="rect">
             <a:avLst/>
@@ -6962,7 +7063,7 @@
         <p:spPr>
           <a:xfrm>
             <a:off x="426240" y="1711440"/>
-            <a:ext cx="5669280" cy="1594080"/>
+            <a:ext cx="5668920" cy="1593720"/>
           </a:xfrm>
           <a:prstGeom prst="rect">
             <a:avLst/>
@@ -6988,7 +7089,7 @@
         <p:spPr>
           <a:xfrm>
             <a:off x="457200" y="1263600"/>
-            <a:ext cx="8383320" cy="3673080"/>
+            <a:ext cx="8382960" cy="3672720"/>
           </a:xfrm>
           <a:prstGeom prst="rect">
             <a:avLst/>
@@ -7014,7 +7115,7 @@
         <p:spPr>
           <a:xfrm>
             <a:off x="425880" y="2011680"/>
-            <a:ext cx="4876920" cy="1273680"/>
+            <a:ext cx="4876560" cy="1273320"/>
           </a:xfrm>
           <a:prstGeom prst="rect">
             <a:avLst/>
@@ -7277,7 +7378,7 @@
         <p:spPr>
           <a:xfrm>
             <a:off x="453240" y="4486320"/>
-            <a:ext cx="3020760" cy="1273680"/>
+            <a:ext cx="3020400" cy="1273320"/>
           </a:xfrm>
           <a:prstGeom prst="rect">
             <a:avLst/>
@@ -7495,7 +7596,7 @@
         <p:spPr>
           <a:xfrm>
             <a:off x="365760" y="1554480"/>
-            <a:ext cx="2792160" cy="345600"/>
+            <a:ext cx="2791800" cy="345240"/>
           </a:xfrm>
           <a:prstGeom prst="rect">
             <a:avLst/>
@@ -7542,7 +7643,7 @@
         <p:spPr>
           <a:xfrm>
             <a:off x="365760" y="3749040"/>
-            <a:ext cx="2793600" cy="345600"/>
+            <a:ext cx="2793240" cy="345240"/>
           </a:xfrm>
           <a:prstGeom prst="rect">
             <a:avLst/>
@@ -7589,7 +7690,7 @@
         <p:spPr>
           <a:xfrm>
             <a:off x="6021000" y="1446120"/>
-            <a:ext cx="5682600" cy="4771080"/>
+            <a:ext cx="5682240" cy="4770720"/>
           </a:xfrm>
           <a:prstGeom prst="rect">
             <a:avLst/>
@@ -7608,7 +7709,7 @@
         <p:txBody>
           <a:bodyPr lIns="90000" rIns="90000" tIns="45000" bIns="45000"/>
           <a:p>
-            <a:pPr marL="216000" indent="-215280">
+            <a:pPr marL="216000" indent="-214920">
               <a:lnSpc>
                 <a:spcPct val="100000"/>
               </a:lnSpc>
@@ -7636,7 +7737,7 @@
             <a:endParaRPr/>
           </a:p>
           <a:p>
-            <a:pPr marL="216000" indent="-215280">
+            <a:pPr marL="216000" indent="-214920">
               <a:lnSpc>
                 <a:spcPct val="100000"/>
               </a:lnSpc>
@@ -7664,7 +7765,7 @@
             <a:endParaRPr/>
           </a:p>
           <a:p>
-            <a:pPr marL="216000" indent="-215280">
+            <a:pPr marL="216000" indent="-214920">
               <a:lnSpc>
                 <a:spcPct val="100000"/>
               </a:lnSpc>
@@ -7751,7 +7852,7 @@
         <p:spPr>
           <a:xfrm>
             <a:off x="349920" y="635040"/>
-            <a:ext cx="9745920" cy="387360"/>
+            <a:ext cx="9745560" cy="387000"/>
           </a:xfrm>
           <a:prstGeom prst="rect">
             <a:avLst/>
@@ -7803,7 +7904,7 @@
         <p:spPr>
           <a:xfrm>
             <a:off x="426240" y="1711440"/>
-            <a:ext cx="5669280" cy="1594080"/>
+            <a:ext cx="5668920" cy="1593720"/>
           </a:xfrm>
           <a:prstGeom prst="rect">
             <a:avLst/>
@@ -7829,7 +7930,7 @@
         <p:spPr>
           <a:xfrm>
             <a:off x="457200" y="1263600"/>
-            <a:ext cx="8383320" cy="3673080"/>
+            <a:ext cx="8382960" cy="3672720"/>
           </a:xfrm>
           <a:prstGeom prst="rect">
             <a:avLst/>
@@ -7855,7 +7956,7 @@
         <p:spPr>
           <a:xfrm>
             <a:off x="274320" y="4114800"/>
-            <a:ext cx="5119920" cy="2285280"/>
+            <a:ext cx="5119560" cy="2284920"/>
           </a:xfrm>
           <a:prstGeom prst="rect">
             <a:avLst/>
@@ -7874,7 +7975,7 @@
         <p:txBody>
           <a:bodyPr lIns="90000" rIns="90000" tIns="45000" bIns="45000"/>
           <a:p>
-            <a:pPr marL="216000" indent="-215280">
+            <a:pPr marL="216000" indent="-214920">
               <a:lnSpc>
                 <a:spcPct val="100000"/>
               </a:lnSpc>
@@ -7902,7 +8003,7 @@
             <a:endParaRPr/>
           </a:p>
           <a:p>
-            <a:pPr marL="216000" indent="-215280">
+            <a:pPr marL="216000" indent="-214920">
               <a:lnSpc>
                 <a:spcPct val="100000"/>
               </a:lnSpc>
@@ -7930,7 +8031,7 @@
             <a:endParaRPr/>
           </a:p>
           <a:p>
-            <a:pPr marL="216000" indent="-215280">
+            <a:pPr marL="216000" indent="-214920">
               <a:lnSpc>
                 <a:spcPct val="100000"/>
               </a:lnSpc>
@@ -7958,7 +8059,7 @@
             <a:endParaRPr/>
           </a:p>
           <a:p>
-            <a:pPr marL="216000" indent="-215280">
+            <a:pPr marL="216000" indent="-214920">
               <a:lnSpc>
                 <a:spcPct val="100000"/>
               </a:lnSpc>
@@ -7996,7 +8097,7 @@
         <p:spPr>
           <a:xfrm>
             <a:off x="319680" y="1737360"/>
-            <a:ext cx="3755160" cy="1865520"/>
+            <a:ext cx="3754800" cy="1865160"/>
           </a:xfrm>
           <a:prstGeom prst="rect">
             <a:avLst/>
@@ -8346,7 +8447,7 @@
         <p:spPr>
           <a:xfrm>
             <a:off x="365760" y="1263600"/>
-            <a:ext cx="3683520" cy="381600"/>
+            <a:ext cx="3683160" cy="381240"/>
           </a:xfrm>
           <a:prstGeom prst="rect">
             <a:avLst/>
@@ -8393,7 +8494,7 @@
         <p:spPr>
           <a:xfrm>
             <a:off x="6082920" y="553320"/>
-            <a:ext cx="4066200" cy="6303960"/>
+            <a:ext cx="4065840" cy="6303600"/>
           </a:xfrm>
           <a:prstGeom prst="rect">
             <a:avLst/>
@@ -9677,7 +9778,7 @@
         <p:spPr>
           <a:xfrm>
             <a:off x="349920" y="635040"/>
-            <a:ext cx="9745920" cy="387360"/>
+            <a:ext cx="9745560" cy="387000"/>
           </a:xfrm>
           <a:prstGeom prst="rect">
             <a:avLst/>
@@ -9729,7 +9830,7 @@
         <p:spPr>
           <a:xfrm>
             <a:off x="343440" y="1828800"/>
-            <a:ext cx="3404880" cy="1273680"/>
+            <a:ext cx="3404520" cy="1273320"/>
           </a:xfrm>
           <a:prstGeom prst="rect">
             <a:avLst/>
@@ -9992,7 +10093,7 @@
         <p:spPr>
           <a:xfrm>
             <a:off x="365760" y="1463040"/>
-            <a:ext cx="2878920" cy="345600"/>
+            <a:ext cx="2878560" cy="345240"/>
           </a:xfrm>
           <a:prstGeom prst="rect">
             <a:avLst/>
@@ -10039,7 +10140,7 @@
         <p:spPr>
           <a:xfrm>
             <a:off x="447120" y="4225320"/>
-            <a:ext cx="2844000" cy="1717560"/>
+            <a:ext cx="2843640" cy="1717200"/>
           </a:xfrm>
           <a:prstGeom prst="rect">
             <a:avLst/>
@@ -10446,7 +10547,7 @@
         <p:spPr>
           <a:xfrm>
             <a:off x="455760" y="3566160"/>
-            <a:ext cx="2711520" cy="345600"/>
+            <a:ext cx="2711160" cy="345240"/>
           </a:xfrm>
           <a:prstGeom prst="rect">
             <a:avLst/>
@@ -10493,7 +10594,7 @@
         <p:spPr>
           <a:xfrm>
             <a:off x="5852160" y="1554480"/>
-            <a:ext cx="5485680" cy="1113480"/>
+            <a:ext cx="5485320" cy="1113120"/>
           </a:xfrm>
           <a:prstGeom prst="rect">
             <a:avLst/>
@@ -10512,7 +10613,7 @@
         <p:txBody>
           <a:bodyPr lIns="90000" rIns="90000" tIns="45000" bIns="45000"/>
           <a:p>
-            <a:pPr marL="216000" indent="-215280">
+            <a:pPr marL="216000" indent="-214920">
               <a:lnSpc>
                 <a:spcPct val="100000"/>
               </a:lnSpc>
@@ -10540,7 +10641,7 @@
             <a:endParaRPr/>
           </a:p>
           <a:p>
-            <a:pPr marL="216000" indent="-215280">
+            <a:pPr marL="216000" indent="-214920">
               <a:lnSpc>
                 <a:spcPct val="100000"/>
               </a:lnSpc>
@@ -10627,7 +10728,7 @@
         <p:spPr>
           <a:xfrm>
             <a:off x="349920" y="635040"/>
-            <a:ext cx="9745920" cy="387360"/>
+            <a:ext cx="9745560" cy="387000"/>
           </a:xfrm>
           <a:prstGeom prst="rect">
             <a:avLst/>
@@ -10679,7 +10780,7 @@
         <p:spPr>
           <a:xfrm>
             <a:off x="365760" y="1463040"/>
-            <a:ext cx="2549880" cy="345600"/>
+            <a:ext cx="2549520" cy="345240"/>
           </a:xfrm>
           <a:prstGeom prst="rect">
             <a:avLst/>
@@ -10726,7 +10827,7 @@
         <p:spPr>
           <a:xfrm>
             <a:off x="455760" y="3566160"/>
-            <a:ext cx="2711520" cy="345600"/>
+            <a:ext cx="2711160" cy="345240"/>
           </a:xfrm>
           <a:prstGeom prst="rect">
             <a:avLst/>
@@ -10773,7 +10874,7 @@
         <p:spPr>
           <a:xfrm>
             <a:off x="5852160" y="1554480"/>
-            <a:ext cx="5485680" cy="1113480"/>
+            <a:ext cx="5485320" cy="1113120"/>
           </a:xfrm>
           <a:prstGeom prst="rect">
             <a:avLst/>
@@ -10792,7 +10893,7 @@
         <p:txBody>
           <a:bodyPr lIns="90000" rIns="90000" tIns="45000" bIns="45000"/>
           <a:p>
-            <a:pPr marL="216000" indent="-215280">
+            <a:pPr marL="216000" indent="-214920">
               <a:lnSpc>
                 <a:spcPct val="100000"/>
               </a:lnSpc>
@@ -10820,7 +10921,7 @@
             <a:endParaRPr/>
           </a:p>
           <a:p>
-            <a:pPr marL="216000" indent="-215280">
+            <a:pPr marL="216000" indent="-214920">
               <a:lnSpc>
                 <a:spcPct val="100000"/>
               </a:lnSpc>
@@ -10858,7 +10959,7 @@
         <p:spPr>
           <a:xfrm>
             <a:off x="398160" y="2011680"/>
-            <a:ext cx="2984400" cy="1273680"/>
+            <a:ext cx="2984040" cy="1273320"/>
           </a:xfrm>
           <a:prstGeom prst="rect">
             <a:avLst/>
@@ -11121,7 +11222,7 @@
         <p:spPr>
           <a:xfrm>
             <a:off x="457200" y="4260240"/>
-            <a:ext cx="3618000" cy="1865520"/>
+            <a:ext cx="3617640" cy="1865160"/>
           </a:xfrm>
           <a:prstGeom prst="rect">
             <a:avLst/>
@@ -11730,7 +11831,7 @@
         <p:spPr>
           <a:xfrm>
             <a:off x="274320" y="635040"/>
-            <a:ext cx="9786600" cy="644760"/>
+            <a:ext cx="9786240" cy="644400"/>
           </a:xfrm>
           <a:prstGeom prst="rect">
             <a:avLst/>
@@ -11782,7 +11883,7 @@
         <p:spPr>
           <a:xfrm>
             <a:off x="274320" y="1280160"/>
-            <a:ext cx="11612520" cy="5120280"/>
+            <a:ext cx="11612160" cy="5119920"/>
           </a:xfrm>
           <a:prstGeom prst="rect">
             <a:avLst/>
@@ -11902,7 +12003,7 @@
         <p:spPr>
           <a:xfrm>
             <a:off x="274320" y="635040"/>
-            <a:ext cx="9786600" cy="644760"/>
+            <a:ext cx="9786240" cy="644400"/>
           </a:xfrm>
           <a:prstGeom prst="rect">
             <a:avLst/>
@@ -11954,7 +12055,7 @@
         <p:spPr>
           <a:xfrm>
             <a:off x="274320" y="1280160"/>
-            <a:ext cx="11612520" cy="457200"/>
+            <a:ext cx="11612160" cy="456840"/>
           </a:xfrm>
           <a:prstGeom prst="rect">
             <a:avLst/>
@@ -12011,7 +12112,7 @@
         <p:spPr>
           <a:xfrm>
             <a:off x="367200" y="1890000"/>
-            <a:ext cx="7039440" cy="2133360"/>
+            <a:ext cx="7039080" cy="2133000"/>
           </a:xfrm>
           <a:prstGeom prst="rect">
             <a:avLst/>
@@ -12030,7 +12131,7 @@
         <p:spPr>
           <a:xfrm>
             <a:off x="274680" y="4206240"/>
-            <a:ext cx="11612520" cy="457200"/>
+            <a:ext cx="11612160" cy="456840"/>
           </a:xfrm>
           <a:prstGeom prst="rect">
             <a:avLst/>
@@ -12132,7 +12233,7 @@
         <p:spPr>
           <a:xfrm>
             <a:off x="274320" y="635040"/>
-            <a:ext cx="9786600" cy="644760"/>
+            <a:ext cx="9786240" cy="644400"/>
           </a:xfrm>
           <a:prstGeom prst="rect">
             <a:avLst/>
@@ -12184,7 +12285,7 @@
         <p:spPr>
           <a:xfrm>
             <a:off x="274320" y="1280160"/>
-            <a:ext cx="11612520" cy="457200"/>
+            <a:ext cx="11612160" cy="456840"/>
           </a:xfrm>
           <a:prstGeom prst="rect">
             <a:avLst/>
@@ -12237,7 +12338,7 @@
         <p:spPr>
           <a:xfrm>
             <a:off x="6217560" y="1280160"/>
-            <a:ext cx="5669280" cy="457200"/>
+            <a:ext cx="5668920" cy="456840"/>
           </a:xfrm>
           <a:prstGeom prst="rect">
             <a:avLst/>
@@ -12294,7 +12395,7 @@
         <p:spPr>
           <a:xfrm>
             <a:off x="365760" y="1754280"/>
-            <a:ext cx="5477040" cy="4372200"/>
+            <a:ext cx="5476680" cy="4371840"/>
           </a:xfrm>
           <a:prstGeom prst="rect">
             <a:avLst/>
@@ -12317,7 +12418,7 @@
         <p:spPr>
           <a:xfrm>
             <a:off x="6336000" y="1828800"/>
-            <a:ext cx="3905280" cy="1047240"/>
+            <a:ext cx="3904920" cy="1046880"/>
           </a:xfrm>
           <a:prstGeom prst="rect">
             <a:avLst/>
@@ -12385,7 +12486,7 @@
         <p:spPr>
           <a:xfrm>
             <a:off x="274320" y="635040"/>
-            <a:ext cx="9786600" cy="644760"/>
+            <a:ext cx="9786240" cy="644400"/>
           </a:xfrm>
           <a:prstGeom prst="rect">
             <a:avLst/>
@@ -12437,7 +12538,7 @@
         <p:spPr>
           <a:xfrm>
             <a:off x="274320" y="1280160"/>
-            <a:ext cx="11612520" cy="457200"/>
+            <a:ext cx="11612160" cy="456840"/>
           </a:xfrm>
           <a:prstGeom prst="rect">
             <a:avLst/>
@@ -12490,7 +12591,7 @@
         <p:spPr>
           <a:xfrm>
             <a:off x="6217560" y="1280160"/>
-            <a:ext cx="5669280" cy="457200"/>
+            <a:ext cx="5668920" cy="456840"/>
           </a:xfrm>
           <a:prstGeom prst="rect">
             <a:avLst/>
@@ -12547,7 +12648,7 @@
         <p:spPr>
           <a:xfrm>
             <a:off x="365760" y="1920240"/>
-            <a:ext cx="5600880" cy="4276800"/>
+            <a:ext cx="5600520" cy="4276440"/>
           </a:xfrm>
           <a:prstGeom prst="rect">
             <a:avLst/>
@@ -12570,7 +12671,7 @@
         <p:spPr>
           <a:xfrm>
             <a:off x="6356520" y="1828800"/>
-            <a:ext cx="5439240" cy="754920"/>
+            <a:ext cx="5438880" cy="754560"/>
           </a:xfrm>
           <a:prstGeom prst="rect">
             <a:avLst/>
@@ -12638,7 +12739,7 @@
         <p:spPr>
           <a:xfrm>
             <a:off x="274320" y="635040"/>
-            <a:ext cx="9786600" cy="644760"/>
+            <a:ext cx="9786240" cy="644400"/>
           </a:xfrm>
           <a:prstGeom prst="rect">
             <a:avLst/>
@@ -12690,7 +12791,7 @@
         <p:spPr>
           <a:xfrm>
             <a:off x="274320" y="1280160"/>
-            <a:ext cx="11612520" cy="457200"/>
+            <a:ext cx="11612160" cy="456840"/>
           </a:xfrm>
           <a:prstGeom prst="rect">
             <a:avLst/>
@@ -12743,7 +12844,7 @@
         <p:spPr>
           <a:xfrm>
             <a:off x="6217560" y="1280160"/>
-            <a:ext cx="5669280" cy="457200"/>
+            <a:ext cx="5668920" cy="456840"/>
           </a:xfrm>
           <a:prstGeom prst="rect">
             <a:avLst/>
@@ -12800,7 +12901,7 @@
         <p:spPr>
           <a:xfrm>
             <a:off x="350280" y="1828800"/>
-            <a:ext cx="4953240" cy="4295880"/>
+            <a:ext cx="4952880" cy="4295520"/>
           </a:xfrm>
           <a:prstGeom prst="rect">
             <a:avLst/>
@@ -12823,7 +12924,7 @@
         <p:spPr>
           <a:xfrm>
             <a:off x="6301800" y="1840680"/>
-            <a:ext cx="3390840" cy="1085400"/>
+            <a:ext cx="3390480" cy="1085040"/>
           </a:xfrm>
           <a:prstGeom prst="rect">
             <a:avLst/>
@@ -12891,7 +12992,7 @@
         <p:spPr>
           <a:xfrm>
             <a:off x="274320" y="635040"/>
-            <a:ext cx="9786600" cy="644760"/>
+            <a:ext cx="9786240" cy="644400"/>
           </a:xfrm>
           <a:prstGeom prst="rect">
             <a:avLst/>
@@ -12943,7 +13044,7 @@
         <p:spPr>
           <a:xfrm>
             <a:off x="274320" y="1280160"/>
-            <a:ext cx="11612520" cy="457200"/>
+            <a:ext cx="11612160" cy="456840"/>
           </a:xfrm>
           <a:prstGeom prst="rect">
             <a:avLst/>
@@ -12962,7 +13063,10 @@
         <p:txBody>
           <a:bodyPr lIns="90000" rIns="90000" tIns="45000" bIns="45000"/>
           <a:p>
-            <a:pPr marL="216000" indent="-216000">
+            <a:pPr marL="216000" indent="-215640">
+              <a:lnSpc>
+                <a:spcPct val="100000"/>
+              </a:lnSpc>
               <a:buFont typeface="Liberation Serif"/>
               <a:buAutoNum type="arabicPeriod"/>
             </a:pPr>
@@ -12984,7 +13088,10 @@
             <a:endParaRPr/>
           </a:p>
           <a:p>
-            <a:pPr marL="216000" indent="-216000">
+            <a:pPr marL="216000" indent="-215640">
+              <a:lnSpc>
+                <a:spcPct val="100000"/>
+              </a:lnSpc>
               <a:buFont typeface="Liberation Serif"/>
               <a:buAutoNum type="arabicPeriod"/>
             </a:pPr>
@@ -13006,7 +13113,10 @@
             <a:endParaRPr/>
           </a:p>
           <a:p>
-            <a:pPr marL="216000" indent="-216000">
+            <a:pPr marL="216000" indent="-215640">
+              <a:lnSpc>
+                <a:spcPct val="100000"/>
+              </a:lnSpc>
               <a:buFont typeface="Liberation Serif"/>
               <a:buAutoNum type="arabicPeriod"/>
             </a:pPr>
@@ -13028,33 +13138,60 @@
             <a:endParaRPr/>
           </a:p>
           <a:p>
-            <a:pPr lvl="1" marL="432000" indent="-216000">
+            <a:pPr lvl="1" marL="432000" indent="-215640">
+              <a:lnSpc>
+                <a:spcPct val="100000"/>
+              </a:lnSpc>
               <a:buFont typeface="Liberation Serif"/>
               <a:buAutoNum type="arabicPeriod"/>
             </a:pPr>
             <a:r>
-              <a:rPr lang="en-US" sz="1800" spc="-1">
+              <a:rPr lang="en-US" sz="1800" spc="-1" strike="noStrike">
+                <a:solidFill>
+                  <a:srgbClr val="000000"/>
+                </a:solidFill>
+                <a:uFill>
+                  <a:solidFill>
+                    <a:srgbClr val="ffffff"/>
+                  </a:solidFill>
+                </a:uFill>
                 <a:latin typeface="Arial"/>
+                <a:ea typeface="DejaVu Sans"/>
               </a:rPr>
               <a:t>Add service name into manifest.yml if deploying with CF push command.</a:t>
             </a:r>
             <a:endParaRPr/>
           </a:p>
           <a:p>
-            <a:pPr lvl="1" marL="432000" indent="-216000">
+            <a:pPr lvl="1" marL="432000" indent="-215640">
+              <a:lnSpc>
+                <a:spcPct val="100000"/>
+              </a:lnSpc>
               <a:buFont typeface="Liberation Serif"/>
               <a:buAutoNum type="arabicPeriod"/>
             </a:pPr>
             <a:r>
-              <a:rPr lang="en-US" sz="1800" spc="-1">
+              <a:rPr lang="en-US" sz="1800" spc="-1" strike="noStrike">
+                <a:solidFill>
+                  <a:srgbClr val="000000"/>
+                </a:solidFill>
+                <a:uFill>
+                  <a:solidFill>
+                    <a:srgbClr val="ffffff"/>
+                  </a:solidFill>
+                </a:uFill>
                 <a:latin typeface="Arial"/>
+                <a:ea typeface="DejaVu Sans"/>
               </a:rPr>
               <a:t>Mark service as used by application if deploying with eclipse Bluemix tools.</a:t>
             </a:r>
             <a:endParaRPr/>
           </a:p>
           <a:p>
-            <a:pPr marL="216000" indent="-216000">
+            <a:pPr marL="216000" indent="-215640">
+              <a:lnSpc>
+                <a:spcPct val="100000"/>
+              </a:lnSpc>
               <a:buFont typeface="Liberation Serif"/>
               <a:buAutoNum type="arabicPeriod"/>
             </a:pPr>
@@ -13071,27 +13208,15 @@
                 <a:latin typeface="Arial"/>
                 <a:ea typeface="DejaVu Sans"/>
               </a:rPr>
-              <a:t>Add method to </a:t>
-            </a:r>
-            <a:r>
-              <a:rPr lang="en-US" sz="1800" spc="-1" strike="noStrike">
-                <a:solidFill>
-                  <a:srgbClr val="000000"/>
-                </a:solidFill>
-                <a:uFill>
-                  <a:solidFill>
-                    <a:srgbClr val="ffffff"/>
-                  </a:solidFill>
-                </a:uFill>
-                <a:latin typeface="Arial"/>
-                <a:ea typeface="DejaVu Sans"/>
-              </a:rPr>
-              <a:t>ServiceDiscovery class to parse VCAP_SERVICES variable and return either client object instance for non-JDBC services or data source for JDBC services.</a:t>
-            </a:r>
-            <a:endParaRPr/>
-          </a:p>
-          <a:p>
-            <a:pPr marL="216000" indent="-216000">
+              <a:t>Add method to ServiceDiscovery class to parse VCAP_SERVICES variable and return either client object instance for non-JDBC services or data source for JDBC services.</a:t>
+            </a:r>
+            <a:endParaRPr/>
+          </a:p>
+          <a:p>
+            <a:pPr marL="216000" indent="-215640">
+              <a:lnSpc>
+                <a:spcPct val="100000"/>
+              </a:lnSpc>
               <a:buFont typeface="Liberation Serif"/>
               <a:buAutoNum type="arabicPeriod"/>
             </a:pPr>
@@ -13113,7 +13238,10 @@
             <a:endParaRPr/>
           </a:p>
           <a:p>
-            <a:pPr lvl="1" marL="432000" indent="-216000">
+            <a:pPr lvl="1" marL="432000" indent="-215640">
+              <a:lnSpc>
+                <a:spcPct val="100000"/>
+              </a:lnSpc>
               <a:buFont typeface="Liberation Serif"/>
               <a:buAutoNum type="arabicPeriod"/>
             </a:pPr>
@@ -13135,7 +13263,10 @@
             <a:endParaRPr/>
           </a:p>
           <a:p>
-            <a:pPr lvl="1" marL="432000" indent="-216000">
+            <a:pPr lvl="1" marL="432000" indent="-215640">
+              <a:lnSpc>
+                <a:spcPct val="100000"/>
+              </a:lnSpc>
               <a:buFont typeface="Liberation Serif"/>
               <a:buAutoNum type="arabicPeriod"/>
             </a:pPr>
@@ -13157,7 +13288,10 @@
             <a:endParaRPr/>
           </a:p>
           <a:p>
-            <a:pPr marL="216000" indent="-216000">
+            <a:pPr marL="216000" indent="-215640">
+              <a:lnSpc>
+                <a:spcPct val="100000"/>
+              </a:lnSpc>
               <a:buFont typeface="Liberation Serif"/>
               <a:buAutoNum type="arabicPeriod"/>
             </a:pPr>
@@ -13179,7 +13313,10 @@
             <a:endParaRPr/>
           </a:p>
           <a:p>
-            <a:pPr lvl="1" marL="432000" indent="-216000">
+            <a:pPr lvl="1" marL="432000" indent="-215640">
+              <a:lnSpc>
+                <a:spcPct val="100000"/>
+              </a:lnSpc>
               <a:buFont typeface="Liberation Serif"/>
               <a:buAutoNum type="arabicPeriod"/>
             </a:pPr>
@@ -13201,7 +13338,10 @@
             <a:endParaRPr/>
           </a:p>
           <a:p>
-            <a:pPr lvl="1" marL="432000" indent="-216000">
+            <a:pPr lvl="1" marL="432000" indent="-215640">
+              <a:lnSpc>
+                <a:spcPct val="100000"/>
+              </a:lnSpc>
               <a:buFont typeface="Liberation Serif"/>
               <a:buAutoNum type="arabicPeriod"/>
             </a:pPr>
@@ -13223,7 +13363,10 @@
             <a:endParaRPr/>
           </a:p>
           <a:p>
-            <a:pPr lvl="1" marL="432000" indent="-216000">
+            <a:pPr lvl="1" marL="432000" indent="-215640">
+              <a:lnSpc>
+                <a:spcPct val="100000"/>
+              </a:lnSpc>
               <a:buFont typeface="Liberation Serif"/>
               <a:buAutoNum type="arabicPeriod"/>
             </a:pPr>
@@ -13245,9 +13388,19 @@
             <a:endParaRPr/>
           </a:p>
           <a:p>
-            <a:endParaRPr/>
-          </a:p>
-          <a:p>
+            <a:pPr>
+              <a:lnSpc>
+                <a:spcPct val="100000"/>
+              </a:lnSpc>
+            </a:pPr>
+            <a:endParaRPr/>
+          </a:p>
+          <a:p>
+            <a:pPr>
+              <a:lnSpc>
+                <a:spcPct val="100000"/>
+              </a:lnSpc>
+            </a:pPr>
             <a:endParaRPr/>
           </a:p>
         </p:txBody>
@@ -13310,7 +13463,7 @@
         <p:spPr>
           <a:xfrm>
             <a:off x="358920" y="609480"/>
-            <a:ext cx="6761160" cy="761040"/>
+            <a:ext cx="6760800" cy="760680"/>
           </a:xfrm>
           <a:prstGeom prst="rect">
             <a:avLst/>
@@ -13362,7 +13515,7 @@
         <p:spPr>
           <a:xfrm>
             <a:off x="504360" y="1463040"/>
-            <a:ext cx="2497320" cy="306360"/>
+            <a:ext cx="2496960" cy="306000"/>
           </a:xfrm>
           <a:prstGeom prst="rect">
             <a:avLst/>
@@ -13414,7 +13567,7 @@
         <p:spPr>
           <a:xfrm>
             <a:off x="3743640" y="1425600"/>
-            <a:ext cx="3113280" cy="446040"/>
+            <a:ext cx="3112920" cy="445680"/>
           </a:xfrm>
           <a:prstGeom prst="rect">
             <a:avLst/>
@@ -13466,7 +13619,7 @@
         <p:spPr>
           <a:xfrm>
             <a:off x="3743640" y="1951920"/>
-            <a:ext cx="3113280" cy="1521720"/>
+            <a:ext cx="3112920" cy="1521360"/>
           </a:xfrm>
           <a:prstGeom prst="rect">
             <a:avLst/>
@@ -13501,7 +13654,7 @@
         <p:spPr>
           <a:xfrm>
             <a:off x="3826800" y="2088000"/>
-            <a:ext cx="1348920" cy="1221840"/>
+            <a:ext cx="1348560" cy="1221480"/>
           </a:xfrm>
           <a:prstGeom prst="rect">
             <a:avLst/>
@@ -13524,7 +13677,7 @@
         <p:spPr>
           <a:xfrm>
             <a:off x="5564160" y="2106360"/>
-            <a:ext cx="1168920" cy="1217160"/>
+            <a:ext cx="1168560" cy="1216800"/>
           </a:xfrm>
           <a:prstGeom prst="rect">
             <a:avLst/>
@@ -13543,7 +13696,7 @@
         <p:spPr>
           <a:xfrm flipV="1">
             <a:off x="2608560" y="2584080"/>
-            <a:ext cx="1133640" cy="1800"/>
+            <a:ext cx="1133280" cy="1440"/>
           </a:xfrm>
           <a:custGeom>
             <a:avLst/>
@@ -13587,7 +13740,7 @@
         <p:spPr>
           <a:xfrm>
             <a:off x="2849760" y="2372760"/>
-            <a:ext cx="574920" cy="250920"/>
+            <a:ext cx="574560" cy="250560"/>
           </a:xfrm>
           <a:prstGeom prst="rect">
             <a:avLst/>
@@ -13643,7 +13796,7 @@
         <p:spPr>
           <a:xfrm>
             <a:off x="711360" y="1770480"/>
-            <a:ext cx="1924200" cy="1977480"/>
+            <a:ext cx="1923840" cy="1977120"/>
           </a:xfrm>
           <a:prstGeom prst="rect">
             <a:avLst/>
@@ -13666,7 +13819,7 @@
         <p:spPr>
           <a:xfrm>
             <a:off x="8412480" y="1903680"/>
-            <a:ext cx="2032920" cy="1661400"/>
+            <a:ext cx="2032560" cy="1661040"/>
           </a:xfrm>
           <a:prstGeom prst="rect">
             <a:avLst/>
@@ -13689,7 +13842,7 @@
         <p:spPr>
           <a:xfrm>
             <a:off x="8564400" y="3596040"/>
-            <a:ext cx="1881000" cy="1614960"/>
+            <a:ext cx="1880640" cy="1614600"/>
           </a:xfrm>
           <a:prstGeom prst="rect">
             <a:avLst/>
@@ -13708,7 +13861,7 @@
         <p:spPr>
           <a:xfrm>
             <a:off x="6858000" y="2834640"/>
-            <a:ext cx="2102040" cy="1553400"/>
+            <a:ext cx="2101680" cy="1553040"/>
           </a:xfrm>
           <a:custGeom>
             <a:avLst/>
@@ -13752,7 +13905,7 @@
         <p:spPr>
           <a:xfrm>
             <a:off x="6858000" y="2706480"/>
-            <a:ext cx="2102040" cy="360"/>
+            <a:ext cx="2101680" cy="360"/>
           </a:xfrm>
           <a:custGeom>
             <a:avLst/>
@@ -13796,7 +13949,7 @@
         <p:spPr>
           <a:xfrm>
             <a:off x="7858440" y="1381680"/>
-            <a:ext cx="3113280" cy="446040"/>
+            <a:ext cx="3112920" cy="445680"/>
           </a:xfrm>
           <a:prstGeom prst="rect">
             <a:avLst/>
@@ -13848,7 +14001,7 @@
         <p:spPr>
           <a:xfrm>
             <a:off x="7562880" y="2327040"/>
-            <a:ext cx="574920" cy="379080"/>
+            <a:ext cx="574560" cy="378720"/>
           </a:xfrm>
           <a:prstGeom prst="rect">
             <a:avLst/>
@@ -13900,7 +14053,7 @@
         <p:spPr>
           <a:xfrm>
             <a:off x="7863840" y="3278160"/>
-            <a:ext cx="574920" cy="379080"/>
+            <a:ext cx="574560" cy="378720"/>
           </a:xfrm>
           <a:prstGeom prst="rect">
             <a:avLst/>
@@ -14000,8 +14153,8 @@
         </p:nvSpPr>
         <p:spPr>
           <a:xfrm>
-            <a:off x="1982160" y="2895480"/>
-            <a:ext cx="8223480" cy="387360"/>
+            <a:off x="274320" y="635040"/>
+            <a:ext cx="11612880" cy="644400"/>
           </a:xfrm>
           <a:prstGeom prst="rect">
             <a:avLst/>
@@ -14018,15 +14171,15 @@
           <a:fontRef idx="minor"/>
         </p:style>
         <p:txBody>
-          <a:bodyPr lIns="90000" rIns="90000" tIns="91440" bIns="45000"/>
-          <a:p>
-            <a:pPr algn="ctr">
+          <a:bodyPr lIns="90000" rIns="90000" tIns="112680" bIns="45000"/>
+          <a:p>
+            <a:pPr>
               <a:lnSpc>
                 <a:spcPct val="100000"/>
               </a:lnSpc>
             </a:pPr>
             <a:r>
-              <a:rPr b="1" lang="en-US" sz="3200" spc="-1" strike="noStrike">
+              <a:rPr b="1" lang="en-US" sz="2400" spc="-1" strike="noStrike">
                 <a:solidFill>
                   <a:srgbClr val="002060"/>
                 </a:solidFill>
@@ -14038,8 +14191,281 @@
                 <a:latin typeface="Arial"/>
                 <a:ea typeface="MS PGothic"/>
               </a:rPr>
-              <a:t>Questions?</a:t>
-            </a:r>
+              <a:t>Instructions on how to build new REST project using this project as a base</a:t>
+            </a:r>
+            <a:endParaRPr/>
+          </a:p>
+        </p:txBody>
+      </p:sp>
+      <p:sp>
+        <p:nvSpPr>
+          <p:cNvPr id="236" name="CustomShape 2"/>
+          <p:cNvSpPr/>
+          <p:nvPr/>
+        </p:nvSpPr>
+        <p:spPr>
+          <a:xfrm>
+            <a:off x="274320" y="1280160"/>
+            <a:ext cx="11612160" cy="456840"/>
+          </a:xfrm>
+          <a:prstGeom prst="rect">
+            <a:avLst/>
+          </a:prstGeom>
+          <a:noFill/>
+          <a:ln>
+            <a:noFill/>
+          </a:ln>
+        </p:spPr>
+        <p:style>
+          <a:lnRef idx="0"/>
+          <a:fillRef idx="0"/>
+          <a:effectRef idx="0"/>
+          <a:fontRef idx="minor"/>
+        </p:style>
+        <p:txBody>
+          <a:bodyPr lIns="90000" rIns="90000" tIns="45000" bIns="45000"/>
+          <a:p>
+            <a:pPr marL="216000" indent="-215640">
+              <a:lnSpc>
+                <a:spcPct val="100000"/>
+              </a:lnSpc>
+              <a:buFont typeface="Liberation Serif"/>
+              <a:buAutoNum type="arabicPeriod"/>
+            </a:pPr>
+            <a:r>
+              <a:rPr lang="en-US" sz="1800" spc="-1" strike="noStrike">
+                <a:solidFill>
+                  <a:srgbClr val="000000"/>
+                </a:solidFill>
+                <a:uFill>
+                  <a:solidFill>
+                    <a:srgbClr val="ffffff"/>
+                  </a:solidFill>
+                </a:uFill>
+                <a:latin typeface="Arial"/>
+                <a:ea typeface="DejaVu Sans"/>
+              </a:rPr>
+              <a:t>Open javaplay-rest-dataservices project in eclipse.</a:t>
+            </a:r>
+            <a:endParaRPr/>
+          </a:p>
+          <a:p>
+            <a:pPr marL="216000" indent="-215640">
+              <a:lnSpc>
+                <a:spcPct val="100000"/>
+              </a:lnSpc>
+              <a:buFont typeface="Liberation Serif"/>
+              <a:buAutoNum type="arabicPeriod"/>
+            </a:pPr>
+            <a:r>
+              <a:rPr lang="en-US" sz="1800" spc="-1" strike="noStrike">
+                <a:solidFill>
+                  <a:srgbClr val="000000"/>
+                </a:solidFill>
+                <a:uFill>
+                  <a:solidFill>
+                    <a:srgbClr val="ffffff"/>
+                  </a:solidFill>
+                </a:uFill>
+                <a:latin typeface="Arial"/>
+                <a:ea typeface="DejaVu Sans"/>
+              </a:rPr>
+              <a:t>Create Cloudant service on Bluemix.</a:t>
+            </a:r>
+            <a:endParaRPr/>
+          </a:p>
+          <a:p>
+            <a:pPr marL="216000" indent="-215640">
+              <a:lnSpc>
+                <a:spcPct val="100000"/>
+              </a:lnSpc>
+              <a:buFont typeface="Liberation Serif"/>
+              <a:buAutoNum type="arabicPeriod"/>
+            </a:pPr>
+            <a:r>
+              <a:rPr lang="en-US" sz="1800" spc="-1" strike="noStrike">
+                <a:solidFill>
+                  <a:srgbClr val="000000"/>
+                </a:solidFill>
+                <a:uFill>
+                  <a:solidFill>
+                    <a:srgbClr val="ffffff"/>
+                  </a:solidFill>
+                </a:uFill>
+                <a:latin typeface="Arial"/>
+                <a:ea typeface="DejaVu Sans"/>
+              </a:rPr>
+              <a:t>Create application on Bluemix. Bind Cloudant service to application.</a:t>
+            </a:r>
+            <a:endParaRPr/>
+          </a:p>
+          <a:p>
+            <a:pPr marL="216000" indent="-215640">
+              <a:lnSpc>
+                <a:spcPct val="100000"/>
+              </a:lnSpc>
+              <a:buFont typeface="Liberation Serif"/>
+              <a:buAutoNum type="arabicPeriod"/>
+            </a:pPr>
+            <a:r>
+              <a:rPr lang="en-US" sz="1800" spc="-1" strike="noStrike">
+                <a:solidFill>
+                  <a:srgbClr val="000000"/>
+                </a:solidFill>
+                <a:uFill>
+                  <a:solidFill>
+                    <a:srgbClr val="ffffff"/>
+                  </a:solidFill>
+                </a:uFill>
+                <a:latin typeface="Arial"/>
+                <a:ea typeface="DejaVu Sans"/>
+              </a:rPr>
+              <a:t>Download application code archive.</a:t>
+            </a:r>
+            <a:endParaRPr/>
+          </a:p>
+          <a:p>
+            <a:pPr marL="216000" indent="-215640">
+              <a:lnSpc>
+                <a:spcPct val="100000"/>
+              </a:lnSpc>
+              <a:buFont typeface="Liberation Serif"/>
+              <a:buAutoNum type="arabicPeriod"/>
+            </a:pPr>
+            <a:r>
+              <a:rPr lang="en-US" sz="1800" spc="-1" strike="noStrike">
+                <a:solidFill>
+                  <a:srgbClr val="000000"/>
+                </a:solidFill>
+                <a:uFill>
+                  <a:solidFill>
+                    <a:srgbClr val="ffffff"/>
+                  </a:solidFill>
+                </a:uFill>
+                <a:latin typeface="Arial"/>
+                <a:ea typeface="DejaVu Sans"/>
+              </a:rPr>
+              <a:t>Import application code archive as new project in eclipse.</a:t>
+            </a:r>
+            <a:endParaRPr/>
+          </a:p>
+          <a:p>
+            <a:pPr marL="216000" indent="-215640">
+              <a:lnSpc>
+                <a:spcPct val="100000"/>
+              </a:lnSpc>
+              <a:buFont typeface="Liberation Serif"/>
+              <a:buAutoNum type="arabicPeriod"/>
+            </a:pPr>
+            <a:r>
+              <a:rPr lang="en-US" sz="1800" spc="-1" strike="noStrike">
+                <a:solidFill>
+                  <a:srgbClr val="000000"/>
+                </a:solidFill>
+                <a:uFill>
+                  <a:solidFill>
+                    <a:srgbClr val="ffffff"/>
+                  </a:solidFill>
+                </a:uFill>
+                <a:latin typeface="Arial"/>
+                <a:ea typeface="DejaVu Sans"/>
+              </a:rPr>
+              <a:t>Copy and paste classes from javaplay-rest-dataservices project to new project.</a:t>
+            </a:r>
+            <a:endParaRPr/>
+          </a:p>
+          <a:p>
+            <a:pPr marL="216000" indent="-215640">
+              <a:lnSpc>
+                <a:spcPct val="100000"/>
+              </a:lnSpc>
+              <a:buFont typeface="Liberation Serif"/>
+              <a:buAutoNum type="arabicPeriod"/>
+            </a:pPr>
+            <a:r>
+              <a:rPr lang="en-US" sz="1800" spc="-1" strike="noStrike">
+                <a:solidFill>
+                  <a:srgbClr val="000000"/>
+                </a:solidFill>
+                <a:uFill>
+                  <a:solidFill>
+                    <a:srgbClr val="ffffff"/>
+                  </a:solidFill>
+                </a:uFill>
+                <a:latin typeface="Arial"/>
+                <a:ea typeface="DejaVu Sans"/>
+              </a:rPr>
+              <a:t>Modify new project code as needed. Example changes:</a:t>
+            </a:r>
+            <a:endParaRPr/>
+          </a:p>
+          <a:p>
+            <a:pPr lvl="1" marL="432000" indent="-216000">
+              <a:lnSpc>
+                <a:spcPct val="100000"/>
+              </a:lnSpc>
+              <a:buClr>
+                <a:srgbClr val="ffffff"/>
+              </a:buClr>
+              <a:buFont typeface="Liberation Serif"/>
+              <a:buAutoNum type="arabicPeriod"/>
+            </a:pPr>
+            <a:r>
+              <a:rPr lang="en-US" sz="1800" spc="-1" strike="noStrike">
+                <a:solidFill>
+                  <a:srgbClr val="000000"/>
+                </a:solidFill>
+                <a:uFill>
+                  <a:solidFill>
+                    <a:srgbClr val="ffffff"/>
+                  </a:solidFill>
+                </a:uFill>
+                <a:latin typeface="Arial"/>
+                <a:ea typeface="DejaVu Sans"/>
+              </a:rPr>
+              <a:t>Change REST methods URL.</a:t>
+            </a:r>
+            <a:endParaRPr/>
+          </a:p>
+          <a:p>
+            <a:pPr marL="216000" indent="-215640">
+              <a:lnSpc>
+                <a:spcPct val="100000"/>
+              </a:lnSpc>
+              <a:buFont typeface="Liberation Serif"/>
+              <a:buAutoNum type="arabicPeriod"/>
+            </a:pPr>
+            <a:r>
+              <a:rPr lang="en-US" sz="1800" spc="-1" strike="noStrike">
+                <a:solidFill>
+                  <a:srgbClr val="000000"/>
+                </a:solidFill>
+                <a:uFill>
+                  <a:solidFill>
+                    <a:srgbClr val="ffffff"/>
+                  </a:solidFill>
+                </a:uFill>
+                <a:latin typeface="Arial"/>
+                <a:ea typeface="DejaVu Sans"/>
+              </a:rPr>
+              <a:t>Deploy application to Bluemix.</a:t>
+            </a:r>
+            <a:endParaRPr/>
+          </a:p>
+          <a:p>
+            <a:pPr>
+              <a:lnSpc>
+                <a:spcPct val="100000"/>
+              </a:lnSpc>
+            </a:pPr>
+            <a:endParaRPr/>
+          </a:p>
+          <a:p>
+            <a:pPr>
+              <a:lnSpc>
+                <a:spcPct val="100000"/>
+              </a:lnSpc>
+            </a:pPr>
             <a:endParaRPr/>
           </a:p>
         </p:txBody>
@@ -14053,6 +14479,107 @@
           <p:childTnLst>
             <p:seq>
               <p:cTn id="40" nodeType="mainSeq"/>
+              <p:prevCondLst>
+                <p:cond delay="0" evt="onPrev">
+                  <p:tgtEl>
+                    <p:sldTgt/>
+                  </p:tgtEl>
+                </p:cond>
+              </p:prevCondLst>
+              <p:nextCondLst>
+                <p:cond delay="0" evt="onNext">
+                  <p:tgtEl>
+                    <p:sldTgt/>
+                  </p:tgtEl>
+                </p:cond>
+              </p:nextCondLst>
+            </p:seq>
+          </p:childTnLst>
+        </p:cTn>
+      </p:par>
+    </p:tnLst>
+  </p:timing>
+</p:sld>
+</file>
+
+<file path=ppt/slides/slide21.xml><?xml version="1.0" encoding="utf-8"?>
+<p:sld xmlns:a="http://schemas.openxmlformats.org/drawingml/2006/main" xmlns:p="http://schemas.openxmlformats.org/presentationml/2006/main" xmlns:r="http://schemas.openxmlformats.org/officeDocument/2006/relationships">
+  <p:cSld>
+    <p:spTree>
+      <p:nvGrpSpPr>
+        <p:cNvPr id="1" name=""/>
+        <p:cNvGrpSpPr/>
+        <p:nvPr/>
+      </p:nvGrpSpPr>
+      <p:grpSpPr>
+        <a:xfrm>
+          <a:off x="0" y="0"/>
+          <a:ext cx="0" cy="0"/>
+          <a:chOff x="0" y="0"/>
+          <a:chExt cx="0" cy="0"/>
+        </a:xfrm>
+      </p:grpSpPr>
+      <p:sp>
+        <p:nvSpPr>
+          <p:cNvPr id="237" name="CustomShape 1"/>
+          <p:cNvSpPr/>
+          <p:nvPr/>
+        </p:nvSpPr>
+        <p:spPr>
+          <a:xfrm>
+            <a:off x="1982160" y="2895480"/>
+            <a:ext cx="8223120" cy="387000"/>
+          </a:xfrm>
+          <a:prstGeom prst="rect">
+            <a:avLst/>
+          </a:prstGeom>
+          <a:noFill/>
+          <a:ln>
+            <a:noFill/>
+          </a:ln>
+        </p:spPr>
+        <p:style>
+          <a:lnRef idx="0"/>
+          <a:fillRef idx="0"/>
+          <a:effectRef idx="0"/>
+          <a:fontRef idx="minor"/>
+        </p:style>
+        <p:txBody>
+          <a:bodyPr lIns="90000" rIns="90000" tIns="91440" bIns="45000"/>
+          <a:p>
+            <a:pPr algn="ctr">
+              <a:lnSpc>
+                <a:spcPct val="100000"/>
+              </a:lnSpc>
+            </a:pPr>
+            <a:r>
+              <a:rPr b="1" lang="en-US" sz="3200" spc="-1" strike="noStrike">
+                <a:solidFill>
+                  <a:srgbClr val="002060"/>
+                </a:solidFill>
+                <a:uFill>
+                  <a:solidFill>
+                    <a:srgbClr val="ffffff"/>
+                  </a:solidFill>
+                </a:uFill>
+                <a:latin typeface="Arial"/>
+                <a:ea typeface="MS PGothic"/>
+              </a:rPr>
+              <a:t>Questions?</a:t>
+            </a:r>
+            <a:endParaRPr/>
+          </a:p>
+        </p:txBody>
+      </p:sp>
+    </p:spTree>
+  </p:cSld>
+  <p:timing>
+    <p:tnLst>
+      <p:par>
+        <p:cTn id="41" dur="indefinite" restart="never" nodeType="tmRoot">
+          <p:childTnLst>
+            <p:seq>
+              <p:cTn id="42" nodeType="mainSeq"/>
               <p:prevCondLst>
                 <p:cond delay="0" evt="onPrev">
                   <p:tgtEl>
@@ -14102,7 +14629,7 @@
         <p:spPr>
           <a:xfrm>
             <a:off x="358920" y="609480"/>
-            <a:ext cx="11527920" cy="761040"/>
+            <a:ext cx="11527560" cy="760680"/>
           </a:xfrm>
           <a:prstGeom prst="rect">
             <a:avLst/>
@@ -14154,7 +14681,7 @@
         <p:spPr>
           <a:xfrm>
             <a:off x="1920240" y="1404000"/>
-            <a:ext cx="3114000" cy="1521720"/>
+            <a:ext cx="3113640" cy="1521360"/>
           </a:xfrm>
           <a:prstGeom prst="rect">
             <a:avLst/>
@@ -14223,8 +14750,8 @@
         </p:nvSpPr>
         <p:spPr>
           <a:xfrm flipH="1">
-            <a:off x="274320" y="1859760"/>
-            <a:ext cx="1645920" cy="360"/>
+            <a:off x="273600" y="1859760"/>
+            <a:ext cx="1645560" cy="360"/>
           </a:xfrm>
           <a:custGeom>
             <a:avLst/>
@@ -14296,7 +14823,7 @@
         <p:spPr>
           <a:xfrm>
             <a:off x="8412480" y="1920240"/>
-            <a:ext cx="2032920" cy="1661400"/>
+            <a:ext cx="2032560" cy="1661040"/>
           </a:xfrm>
           <a:prstGeom prst="rect">
             <a:avLst/>
@@ -14319,7 +14846,7 @@
         <p:spPr>
           <a:xfrm>
             <a:off x="8503920" y="3322800"/>
-            <a:ext cx="1881000" cy="1614960"/>
+            <a:ext cx="1880640" cy="1614600"/>
           </a:xfrm>
           <a:prstGeom prst="rect">
             <a:avLst/>
@@ -14338,7 +14865,7 @@
         <p:spPr>
           <a:xfrm>
             <a:off x="5029200" y="3931920"/>
-            <a:ext cx="3931560" cy="182880"/>
+            <a:ext cx="3931200" cy="182520"/>
           </a:xfrm>
           <a:custGeom>
             <a:avLst/>
@@ -14382,7 +14909,7 @@
         <p:spPr>
           <a:xfrm>
             <a:off x="7858440" y="1381680"/>
-            <a:ext cx="3113280" cy="446040"/>
+            <a:ext cx="3112920" cy="445680"/>
           </a:xfrm>
           <a:prstGeom prst="rect">
             <a:avLst/>
@@ -14434,7 +14961,7 @@
         <p:spPr>
           <a:xfrm>
             <a:off x="1920240" y="4970160"/>
-            <a:ext cx="3113280" cy="1521720"/>
+            <a:ext cx="3112920" cy="1521360"/>
           </a:xfrm>
           <a:prstGeom prst="rect">
             <a:avLst/>
@@ -14504,7 +15031,7 @@
         <p:spPr>
           <a:xfrm>
             <a:off x="1915560" y="3200400"/>
-            <a:ext cx="3113280" cy="1521720"/>
+            <a:ext cx="3112920" cy="1521360"/>
           </a:xfrm>
           <a:prstGeom prst="rect">
             <a:avLst/>
@@ -14574,7 +15101,7 @@
         <p:spPr>
           <a:xfrm flipH="1">
             <a:off x="5028480" y="2743200"/>
-            <a:ext cx="3931560" cy="1188360"/>
+            <a:ext cx="3931200" cy="1188000"/>
           </a:xfrm>
           <a:custGeom>
             <a:avLst/>
@@ -14642,7 +15169,7 @@
         <p:spPr>
           <a:xfrm>
             <a:off x="3383280" y="2926080"/>
-            <a:ext cx="360" cy="273960"/>
+            <a:ext cx="360" cy="273600"/>
           </a:xfrm>
           <a:custGeom>
             <a:avLst/>
@@ -14686,7 +15213,7 @@
         <p:spPr>
           <a:xfrm>
             <a:off x="3383280" y="4722480"/>
-            <a:ext cx="360" cy="273960"/>
+            <a:ext cx="360" cy="273600"/>
           </a:xfrm>
           <a:custGeom>
             <a:avLst/>
@@ -14730,7 +15257,7 @@
         <p:spPr>
           <a:xfrm>
             <a:off x="6945120" y="5120640"/>
-            <a:ext cx="3113280" cy="731520"/>
+            <a:ext cx="3112920" cy="731160"/>
           </a:xfrm>
           <a:prstGeom prst="rect">
             <a:avLst/>
@@ -14799,8 +15326,8 @@
         </p:nvSpPr>
         <p:spPr>
           <a:xfrm flipV="1">
-            <a:off x="5033520" y="5486400"/>
-            <a:ext cx="1911600" cy="274320"/>
+            <a:off x="5033520" y="5485680"/>
+            <a:ext cx="1911240" cy="273960"/>
           </a:xfrm>
           <a:custGeom>
             <a:avLst/>
@@ -14893,7 +15420,7 @@
         <p:spPr>
           <a:xfrm>
             <a:off x="365760" y="1005840"/>
-            <a:ext cx="8223840" cy="388080"/>
+            <a:ext cx="8223480" cy="387720"/>
           </a:xfrm>
           <a:prstGeom prst="rect">
             <a:avLst/>
@@ -14940,7 +15467,7 @@
         <p:spPr>
           <a:xfrm>
             <a:off x="349200" y="1873080"/>
-            <a:ext cx="11404800" cy="4489560"/>
+            <a:ext cx="11404440" cy="4489200"/>
           </a:xfrm>
           <a:prstGeom prst="rect">
             <a:avLst/>
@@ -14959,7 +15486,7 @@
         <p:txBody>
           <a:bodyPr lIns="0" rIns="0" tIns="0" bIns="0"/>
           <a:p>
-            <a:pPr marL="216000" indent="-215280">
+            <a:pPr marL="216000" indent="-214920">
               <a:lnSpc>
                 <a:spcPct val="100000"/>
               </a:lnSpc>
@@ -14987,7 +15514,7 @@
             <a:endParaRPr/>
           </a:p>
           <a:p>
-            <a:pPr lvl="1" marL="432000" indent="-215280">
+            <a:pPr lvl="1" marL="432000" indent="-214920">
               <a:lnSpc>
                 <a:spcPct val="100000"/>
               </a:lnSpc>
@@ -15015,7 +15542,7 @@
             <a:endParaRPr/>
           </a:p>
           <a:p>
-            <a:pPr lvl="1" marL="864000" indent="-322920">
+            <a:pPr lvl="1" marL="864000" indent="-322560">
               <a:lnSpc>
                 <a:spcPct val="100000"/>
               </a:lnSpc>
@@ -15043,7 +15570,7 @@
             <a:endParaRPr/>
           </a:p>
           <a:p>
-            <a:pPr lvl="1" marL="864000" indent="-322920">
+            <a:pPr lvl="1" marL="864000" indent="-322560">
               <a:lnSpc>
                 <a:spcPct val="100000"/>
               </a:lnSpc>
@@ -15071,7 +15598,7 @@
             <a:endParaRPr/>
           </a:p>
           <a:p>
-            <a:pPr lvl="1" marL="864000" indent="-322920">
+            <a:pPr lvl="1" marL="864000" indent="-322560">
               <a:lnSpc>
                 <a:spcPct val="100000"/>
               </a:lnSpc>
@@ -15099,7 +15626,7 @@
             <a:endParaRPr/>
           </a:p>
           <a:p>
-            <a:pPr lvl="1" marL="864000" indent="-322920">
+            <a:pPr lvl="1" marL="864000" indent="-322560">
               <a:lnSpc>
                 <a:spcPct val="100000"/>
               </a:lnSpc>
@@ -15127,7 +15654,7 @@
             <a:endParaRPr/>
           </a:p>
           <a:p>
-            <a:pPr marL="432000" indent="-322920">
+            <a:pPr marL="432000" indent="-322560">
               <a:lnSpc>
                 <a:spcPct val="100000"/>
               </a:lnSpc>
@@ -15155,7 +15682,7 @@
             <a:endParaRPr/>
           </a:p>
           <a:p>
-            <a:pPr lvl="1" marL="864000" indent="-322920">
+            <a:pPr lvl="1" marL="864000" indent="-322560">
               <a:lnSpc>
                 <a:spcPct val="100000"/>
               </a:lnSpc>
@@ -15183,7 +15710,7 @@
             <a:endParaRPr/>
           </a:p>
           <a:p>
-            <a:pPr marL="432000" indent="-322920">
+            <a:pPr marL="432000" indent="-322560">
               <a:lnSpc>
                 <a:spcPct val="100000"/>
               </a:lnSpc>
@@ -15211,7 +15738,7 @@
             <a:endParaRPr/>
           </a:p>
           <a:p>
-            <a:pPr marL="432000" indent="-322920">
+            <a:pPr marL="432000" indent="-322560">
               <a:lnSpc>
                 <a:spcPct val="100000"/>
               </a:lnSpc>
@@ -15239,7 +15766,7 @@
             <a:endParaRPr/>
           </a:p>
           <a:p>
-            <a:pPr marL="432000" indent="-322920">
+            <a:pPr marL="432000" indent="-322560">
               <a:lnSpc>
                 <a:spcPct val="100000"/>
               </a:lnSpc>
@@ -15326,7 +15853,7 @@
         <p:spPr>
           <a:xfrm>
             <a:off x="349920" y="673200"/>
-            <a:ext cx="8221680" cy="387360"/>
+            <a:ext cx="8221320" cy="387000"/>
           </a:xfrm>
           <a:prstGeom prst="rect">
             <a:avLst/>
@@ -15378,7 +15905,7 @@
         <p:spPr>
           <a:xfrm>
             <a:off x="5792040" y="1523880"/>
-            <a:ext cx="1704960" cy="1218240"/>
+            <a:ext cx="1704600" cy="1217880"/>
           </a:xfrm>
           <a:prstGeom prst="ellipse">
             <a:avLst/>
@@ -15447,7 +15974,7 @@
         <p:spPr>
           <a:xfrm>
             <a:off x="1067760" y="2208240"/>
-            <a:ext cx="2310120" cy="2373480"/>
+            <a:ext cx="2309760" cy="2373120"/>
           </a:xfrm>
           <a:prstGeom prst="rect">
             <a:avLst/>
@@ -15466,7 +15993,7 @@
         <p:spPr>
           <a:xfrm flipV="1">
             <a:off x="3090240" y="2193120"/>
-            <a:ext cx="2700720" cy="1080360"/>
+            <a:ext cx="2700360" cy="1080000"/>
           </a:xfrm>
           <a:custGeom>
             <a:avLst/>
@@ -15511,7 +16038,7 @@
         <p:spPr>
           <a:xfrm>
             <a:off x="7925760" y="1752480"/>
-            <a:ext cx="3884760" cy="4265640"/>
+            <a:ext cx="3884400" cy="4265280"/>
           </a:xfrm>
           <a:prstGeom prst="rect">
             <a:avLst/>
@@ -15621,7 +16148,7 @@
         <p:spPr>
           <a:xfrm>
             <a:off x="349920" y="673200"/>
-            <a:ext cx="9860040" cy="387360"/>
+            <a:ext cx="9859680" cy="387000"/>
           </a:xfrm>
           <a:prstGeom prst="rect">
             <a:avLst/>
@@ -15673,7 +16200,7 @@
         <p:spPr>
           <a:xfrm>
             <a:off x="349920" y="1752480"/>
-            <a:ext cx="10704600" cy="4265640"/>
+            <a:ext cx="10704240" cy="4265280"/>
           </a:xfrm>
           <a:prstGeom prst="rect">
             <a:avLst/>
@@ -15759,7 +16286,7 @@
         <p:spPr>
           <a:xfrm>
             <a:off x="349920" y="3625560"/>
-            <a:ext cx="183240" cy="348480"/>
+            <a:ext cx="182880" cy="348120"/>
           </a:xfrm>
           <a:prstGeom prst="rect">
             <a:avLst/>
@@ -15834,7 +16361,7 @@
         <p:spPr>
           <a:xfrm>
             <a:off x="349920" y="673200"/>
-            <a:ext cx="9860040" cy="387360"/>
+            <a:ext cx="9859680" cy="387000"/>
           </a:xfrm>
           <a:prstGeom prst="rect">
             <a:avLst/>
@@ -15886,7 +16413,7 @@
         <p:spPr>
           <a:xfrm>
             <a:off x="349920" y="3625560"/>
-            <a:ext cx="183240" cy="348480"/>
+            <a:ext cx="182880" cy="348120"/>
           </a:xfrm>
           <a:prstGeom prst="rect">
             <a:avLst/>
@@ -15912,7 +16439,7 @@
         <p:spPr>
           <a:xfrm>
             <a:off x="548640" y="5151240"/>
-            <a:ext cx="3609360" cy="791640"/>
+            <a:ext cx="3609000" cy="791280"/>
           </a:xfrm>
           <a:prstGeom prst="rect">
             <a:avLst/>
@@ -15931,7 +16458,7 @@
         <p:txBody>
           <a:bodyPr lIns="0" rIns="90000" tIns="45000" bIns="45000"/>
           <a:p>
-            <a:pPr marL="216000" indent="-214920">
+            <a:pPr marL="216000" indent="-214560">
               <a:lnSpc>
                 <a:spcPct val="100000"/>
               </a:lnSpc>
@@ -15957,7 +16484,7 @@
             <a:endParaRPr/>
           </a:p>
           <a:p>
-            <a:pPr marL="216000" indent="-214920">
+            <a:pPr marL="216000" indent="-214560">
               <a:lnSpc>
                 <a:spcPct val="100000"/>
               </a:lnSpc>
@@ -16005,7 +16532,7 @@
         <p:spPr>
           <a:xfrm>
             <a:off x="461160" y="1421280"/>
-            <a:ext cx="6304320" cy="2875320"/>
+            <a:ext cx="6303960" cy="2874960"/>
           </a:xfrm>
           <a:prstGeom prst="rect">
             <a:avLst/>
@@ -16024,7 +16551,7 @@
         <p:spPr>
           <a:xfrm>
             <a:off x="7040880" y="822960"/>
-            <a:ext cx="4937040" cy="2276640"/>
+            <a:ext cx="4936680" cy="2276280"/>
           </a:xfrm>
           <a:prstGeom prst="rect">
             <a:avLst/>
@@ -16061,7 +16588,7 @@
             <a:endParaRPr/>
           </a:p>
           <a:p>
-            <a:pPr marL="216000" indent="-215280">
+            <a:pPr marL="216000" indent="-214920">
               <a:lnSpc>
                 <a:spcPct val="100000"/>
               </a:lnSpc>
@@ -16089,7 +16616,7 @@
             <a:endParaRPr/>
           </a:p>
           <a:p>
-            <a:pPr marL="216000" indent="-215280">
+            <a:pPr marL="216000" indent="-214920">
               <a:lnSpc>
                 <a:spcPct val="100000"/>
               </a:lnSpc>
@@ -16117,7 +16644,7 @@
             <a:endParaRPr/>
           </a:p>
           <a:p>
-            <a:pPr marL="216000" indent="-215280">
+            <a:pPr marL="216000" indent="-214920">
               <a:lnSpc>
                 <a:spcPct val="100000"/>
               </a:lnSpc>
@@ -16145,7 +16672,7 @@
             <a:endParaRPr/>
           </a:p>
           <a:p>
-            <a:pPr marL="216000" indent="-215280">
+            <a:pPr marL="216000" indent="-214920">
               <a:lnSpc>
                 <a:spcPct val="100000"/>
               </a:lnSpc>
@@ -16232,7 +16759,7 @@
         <p:spPr>
           <a:xfrm>
             <a:off x="349920" y="635040"/>
-            <a:ext cx="9745920" cy="387360"/>
+            <a:ext cx="9745560" cy="387000"/>
           </a:xfrm>
           <a:prstGeom prst="rect">
             <a:avLst/>
@@ -16279,7 +16806,7 @@
         <p:spPr>
           <a:xfrm>
             <a:off x="426240" y="1711440"/>
-            <a:ext cx="5669280" cy="4367520"/>
+            <a:ext cx="5668920" cy="4367160"/>
           </a:xfrm>
           <a:prstGeom prst="rect">
             <a:avLst/>
@@ -16305,7 +16832,7 @@
         <p:spPr>
           <a:xfrm>
             <a:off x="457200" y="1227600"/>
-            <a:ext cx="9234360" cy="5464440"/>
+            <a:ext cx="9234000" cy="5464080"/>
           </a:xfrm>
           <a:prstGeom prst="rect">
             <a:avLst/>
@@ -16331,7 +16858,7 @@
         <p:spPr>
           <a:xfrm>
             <a:off x="274320" y="1188720"/>
-            <a:ext cx="11520720" cy="2905200"/>
+            <a:ext cx="11520360" cy="2904840"/>
           </a:xfrm>
           <a:prstGeom prst="rect">
             <a:avLst/>
@@ -16368,7 +16895,7 @@
             <a:endParaRPr/>
           </a:p>
           <a:p>
-            <a:pPr marL="216000" indent="-215280">
+            <a:pPr marL="216000" indent="-214920">
               <a:lnSpc>
                 <a:spcPct val="100000"/>
               </a:lnSpc>
@@ -16396,7 +16923,7 @@
             <a:endParaRPr/>
           </a:p>
           <a:p>
-            <a:pPr lvl="1" marL="432000" indent="-215280">
+            <a:pPr lvl="1" marL="432000" indent="-214920">
               <a:lnSpc>
                 <a:spcPct val="100000"/>
               </a:lnSpc>
@@ -16424,7 +16951,7 @@
             <a:endParaRPr/>
           </a:p>
           <a:p>
-            <a:pPr lvl="1" marL="432000" indent="-215280">
+            <a:pPr lvl="1" marL="432000" indent="-214920">
               <a:lnSpc>
                 <a:spcPct val="100000"/>
               </a:lnSpc>
@@ -16452,7 +16979,7 @@
             <a:endParaRPr/>
           </a:p>
           <a:p>
-            <a:pPr lvl="1" marL="432000" indent="-215280">
+            <a:pPr lvl="1" marL="432000" indent="-214920">
               <a:lnSpc>
                 <a:spcPct val="100000"/>
               </a:lnSpc>
@@ -16480,7 +17007,7 @@
             <a:endParaRPr/>
           </a:p>
           <a:p>
-            <a:pPr marL="216000" indent="-215280">
+            <a:pPr marL="216000" indent="-214920">
               <a:lnSpc>
                 <a:spcPct val="100000"/>
               </a:lnSpc>
@@ -16508,7 +17035,7 @@
             <a:endParaRPr/>
           </a:p>
           <a:p>
-            <a:pPr lvl="1" marL="432000" indent="-215280">
+            <a:pPr lvl="1" marL="432000" indent="-214920">
               <a:lnSpc>
                 <a:spcPct val="100000"/>
               </a:lnSpc>
@@ -16536,7 +17063,7 @@
             <a:endParaRPr/>
           </a:p>
           <a:p>
-            <a:pPr lvl="1" marL="432000" indent="-215280">
+            <a:pPr lvl="1" marL="432000" indent="-214920">
               <a:lnSpc>
                 <a:spcPct val="100000"/>
               </a:lnSpc>
@@ -16564,7 +17091,7 @@
             <a:endParaRPr/>
           </a:p>
           <a:p>
-            <a:pPr lvl="1" marL="432000" indent="-215280">
+            <a:pPr lvl="1" marL="432000" indent="-214920">
               <a:lnSpc>
                 <a:spcPct val="100000"/>
               </a:lnSpc>
@@ -16592,7 +17119,7 @@
             <a:endParaRPr/>
           </a:p>
           <a:p>
-            <a:pPr marL="216000" indent="-215280">
+            <a:pPr marL="216000" indent="-214920">
               <a:lnSpc>
                 <a:spcPct val="100000"/>
               </a:lnSpc>
@@ -16620,7 +17147,7 @@
             <a:endParaRPr/>
           </a:p>
           <a:p>
-            <a:pPr lvl="1" marL="432000" indent="-215280">
+            <a:pPr lvl="1" marL="432000" indent="-214920">
               <a:lnSpc>
                 <a:spcPct val="100000"/>
               </a:lnSpc>
@@ -16707,7 +17234,7 @@
         <p:spPr>
           <a:xfrm>
             <a:off x="349920" y="635040"/>
-            <a:ext cx="9745920" cy="387360"/>
+            <a:ext cx="9745560" cy="387000"/>
           </a:xfrm>
           <a:prstGeom prst="rect">
             <a:avLst/>
@@ -16754,7 +17281,7 @@
         <p:spPr>
           <a:xfrm>
             <a:off x="426240" y="1711440"/>
-            <a:ext cx="5669280" cy="4367520"/>
+            <a:ext cx="5668920" cy="4367160"/>
           </a:xfrm>
           <a:prstGeom prst="rect">
             <a:avLst/>
@@ -16780,7 +17307,7 @@
         <p:spPr>
           <a:xfrm>
             <a:off x="457200" y="1227600"/>
-            <a:ext cx="9234360" cy="5464440"/>
+            <a:ext cx="9234000" cy="5464080"/>
           </a:xfrm>
           <a:prstGeom prst="rect">
             <a:avLst/>
@@ -16806,7 +17333,7 @@
         <p:spPr>
           <a:xfrm>
             <a:off x="365760" y="1280160"/>
-            <a:ext cx="4526280" cy="2900880"/>
+            <a:ext cx="4525920" cy="2900520"/>
           </a:xfrm>
           <a:prstGeom prst="rect">
             <a:avLst/>
@@ -17357,7 +17884,7 @@
         <p:spPr>
           <a:xfrm>
             <a:off x="5486400" y="1174680"/>
-            <a:ext cx="5998320" cy="4676760"/>
+            <a:ext cx="5997960" cy="4676400"/>
           </a:xfrm>
           <a:prstGeom prst="rect">
             <a:avLst/>
@@ -18724,7 +19251,7 @@
         <p:spPr>
           <a:xfrm>
             <a:off x="365760" y="4181760"/>
-            <a:ext cx="4937040" cy="1113480"/>
+            <a:ext cx="4936680" cy="1113120"/>
           </a:xfrm>
           <a:prstGeom prst="rect">
             <a:avLst/>
@@ -18745,7 +19272,7 @@
         <p:txBody>
           <a:bodyPr lIns="90000" rIns="90000" tIns="45000" bIns="45000"/>
           <a:p>
-            <a:pPr marL="216000" indent="-215280">
+            <a:pPr marL="216000" indent="-214920">
               <a:lnSpc>
                 <a:spcPct val="100000"/>
               </a:lnSpc>
@@ -18773,7 +19300,7 @@
             <a:endParaRPr/>
           </a:p>
           <a:p>
-            <a:pPr marL="216000" indent="-215280">
+            <a:pPr marL="216000" indent="-214920">
               <a:lnSpc>
                 <a:spcPct val="100000"/>
               </a:lnSpc>
@@ -18801,7 +19328,7 @@
             <a:endParaRPr/>
           </a:p>
           <a:p>
-            <a:pPr marL="216000" indent="-215280">
+            <a:pPr marL="216000" indent="-214920">
               <a:lnSpc>
                 <a:spcPct val="100000"/>
               </a:lnSpc>
